--- a/printer_textures.pptx
+++ b/printer_textures.pptx
@@ -33,6 +33,11 @@
     <p:sldId id="265" r:id="rId27"/>
     <p:sldId id="277" r:id="rId28"/>
     <p:sldId id="278" r:id="rId29"/>
+    <p:sldId id="284" r:id="rId30"/>
+    <p:sldId id="285" r:id="rId31"/>
+    <p:sldId id="286" r:id="rId32"/>
+    <p:sldId id="287" r:id="rId33"/>
+    <p:sldId id="288" r:id="rId34"/>
   </p:sldIdLst>
   <p:sldSz cx="9753600" cy="9753600"/>
   <p:notesSz cx="6858000" cy="9144000"/>
@@ -270,7 +275,7 @@
           <a:p>
             <a:fld id="{7762483B-4454-443C-9D4B-2799C4AD7BD1}" type="datetimeFigureOut">
               <a:rPr lang="en-US" smtClean="0"/>
-              <a:t>2/16/2024</a:t>
+              <a:t>11/12/2024</a:t>
             </a:fld>
             <a:endParaRPr lang="en-US"/>
           </a:p>
@@ -440,7 +445,7 @@
           <a:p>
             <a:fld id="{7762483B-4454-443C-9D4B-2799C4AD7BD1}" type="datetimeFigureOut">
               <a:rPr lang="en-US" smtClean="0"/>
-              <a:t>2/16/2024</a:t>
+              <a:t>11/12/2024</a:t>
             </a:fld>
             <a:endParaRPr lang="en-US"/>
           </a:p>
@@ -620,7 +625,7 @@
           <a:p>
             <a:fld id="{7762483B-4454-443C-9D4B-2799C4AD7BD1}" type="datetimeFigureOut">
               <a:rPr lang="en-US" smtClean="0"/>
-              <a:t>2/16/2024</a:t>
+              <a:t>11/12/2024</a:t>
             </a:fld>
             <a:endParaRPr lang="en-US"/>
           </a:p>
@@ -790,7 +795,7 @@
           <a:p>
             <a:fld id="{7762483B-4454-443C-9D4B-2799C4AD7BD1}" type="datetimeFigureOut">
               <a:rPr lang="en-US" smtClean="0"/>
-              <a:t>2/16/2024</a:t>
+              <a:t>11/12/2024</a:t>
             </a:fld>
             <a:endParaRPr lang="en-US"/>
           </a:p>
@@ -1034,7 +1039,7 @@
           <a:p>
             <a:fld id="{7762483B-4454-443C-9D4B-2799C4AD7BD1}" type="datetimeFigureOut">
               <a:rPr lang="en-US" smtClean="0"/>
-              <a:t>2/16/2024</a:t>
+              <a:t>11/12/2024</a:t>
             </a:fld>
             <a:endParaRPr lang="en-US"/>
           </a:p>
@@ -1266,7 +1271,7 @@
           <a:p>
             <a:fld id="{7762483B-4454-443C-9D4B-2799C4AD7BD1}" type="datetimeFigureOut">
               <a:rPr lang="en-US" smtClean="0"/>
-              <a:t>2/16/2024</a:t>
+              <a:t>11/12/2024</a:t>
             </a:fld>
             <a:endParaRPr lang="en-US"/>
           </a:p>
@@ -1633,7 +1638,7 @@
           <a:p>
             <a:fld id="{7762483B-4454-443C-9D4B-2799C4AD7BD1}" type="datetimeFigureOut">
               <a:rPr lang="en-US" smtClean="0"/>
-              <a:t>2/16/2024</a:t>
+              <a:t>11/12/2024</a:t>
             </a:fld>
             <a:endParaRPr lang="en-US"/>
           </a:p>
@@ -1751,7 +1756,7 @@
           <a:p>
             <a:fld id="{7762483B-4454-443C-9D4B-2799C4AD7BD1}" type="datetimeFigureOut">
               <a:rPr lang="en-US" smtClean="0"/>
-              <a:t>2/16/2024</a:t>
+              <a:t>11/12/2024</a:t>
             </a:fld>
             <a:endParaRPr lang="en-US"/>
           </a:p>
@@ -1846,7 +1851,7 @@
           <a:p>
             <a:fld id="{7762483B-4454-443C-9D4B-2799C4AD7BD1}" type="datetimeFigureOut">
               <a:rPr lang="en-US" smtClean="0"/>
-              <a:t>2/16/2024</a:t>
+              <a:t>11/12/2024</a:t>
             </a:fld>
             <a:endParaRPr lang="en-US"/>
           </a:p>
@@ -2123,7 +2128,7 @@
           <a:p>
             <a:fld id="{7762483B-4454-443C-9D4B-2799C4AD7BD1}" type="datetimeFigureOut">
               <a:rPr lang="en-US" smtClean="0"/>
-              <a:t>2/16/2024</a:t>
+              <a:t>11/12/2024</a:t>
             </a:fld>
             <a:endParaRPr lang="en-US"/>
           </a:p>
@@ -2380,7 +2385,7 @@
           <a:p>
             <a:fld id="{7762483B-4454-443C-9D4B-2799C4AD7BD1}" type="datetimeFigureOut">
               <a:rPr lang="en-US" smtClean="0"/>
-              <a:t>2/16/2024</a:t>
+              <a:t>11/12/2024</a:t>
             </a:fld>
             <a:endParaRPr lang="en-US"/>
           </a:p>
@@ -2593,7 +2598,7 @@
           <a:p>
             <a:fld id="{7762483B-4454-443C-9D4B-2799C4AD7BD1}" type="datetimeFigureOut">
               <a:rPr lang="en-US" smtClean="0"/>
-              <a:t>2/16/2024</a:t>
+              <a:t>11/12/2024</a:t>
             </a:fld>
             <a:endParaRPr lang="en-US"/>
           </a:p>
@@ -35487,6 +35492,1592 @@
 </p:sld>
 </file>
 
+<file path=ppt/slides/slide29.xml><?xml version="1.0" encoding="utf-8"?>
+<p:sld xmlns:a="http://schemas.openxmlformats.org/drawingml/2006/main" xmlns:r="http://schemas.openxmlformats.org/officeDocument/2006/relationships" xmlns:p="http://schemas.openxmlformats.org/presentationml/2006/main">
+  <p:cSld>
+    <p:spTree>
+      <p:nvGrpSpPr>
+        <p:cNvPr id="1" name=""/>
+        <p:cNvGrpSpPr/>
+        <p:nvPr/>
+      </p:nvGrpSpPr>
+      <p:grpSpPr>
+        <a:xfrm>
+          <a:off x="0" y="0"/>
+          <a:ext cx="0" cy="0"/>
+          <a:chOff x="0" y="0"/>
+          <a:chExt cx="0" cy="0"/>
+        </a:xfrm>
+      </p:grpSpPr>
+      <p:sp>
+        <p:nvSpPr>
+          <p:cNvPr id="20" name="Rectangle 19">
+            <a:extLst>
+              <a:ext uri="{FF2B5EF4-FFF2-40B4-BE49-F238E27FC236}">
+                <a16:creationId xmlns:a16="http://schemas.microsoft.com/office/drawing/2014/main" id="{4060C324-4318-4830-BE4D-80F7588567D5}"/>
+              </a:ext>
+            </a:extLst>
+          </p:cNvPr>
+          <p:cNvSpPr/>
+          <p:nvPr/>
+        </p:nvSpPr>
+        <p:spPr>
+          <a:xfrm>
+            <a:off x="0" y="718023"/>
+            <a:ext cx="4048125" cy="4750375"/>
+          </a:xfrm>
+          <a:prstGeom prst="rect">
+            <a:avLst/>
+          </a:prstGeom>
+          <a:solidFill>
+            <a:schemeClr val="accent5">
+              <a:lumMod val="60000"/>
+              <a:lumOff val="40000"/>
+            </a:schemeClr>
+          </a:solidFill>
+          <a:ln>
+            <a:noFill/>
+          </a:ln>
+        </p:spPr>
+        <p:style>
+          <a:lnRef idx="2">
+            <a:schemeClr val="accent1">
+              <a:shade val="50000"/>
+            </a:schemeClr>
+          </a:lnRef>
+          <a:fillRef idx="1">
+            <a:schemeClr val="accent1"/>
+          </a:fillRef>
+          <a:effectRef idx="0">
+            <a:schemeClr val="accent1"/>
+          </a:effectRef>
+          <a:fontRef idx="minor">
+            <a:schemeClr val="lt1"/>
+          </a:fontRef>
+        </p:style>
+        <p:txBody>
+          <a:bodyPr rtlCol="0" anchor="ctr"/>
+          <a:lstStyle/>
+          <a:p>
+            <a:pPr algn="ctr"/>
+            <a:endParaRPr lang="en-US" u="sng" dirty="0"/>
+          </a:p>
+        </p:txBody>
+      </p:sp>
+      <p:sp>
+        <p:nvSpPr>
+          <p:cNvPr id="5" name="Rectangle 4">
+            <a:extLst>
+              <a:ext uri="{FF2B5EF4-FFF2-40B4-BE49-F238E27FC236}">
+                <a16:creationId xmlns:a16="http://schemas.microsoft.com/office/drawing/2014/main" id="{DD6F78D1-EB25-4C39-8595-0B180702B60C}"/>
+              </a:ext>
+            </a:extLst>
+          </p:cNvPr>
+          <p:cNvSpPr/>
+          <p:nvPr/>
+        </p:nvSpPr>
+        <p:spPr>
+          <a:xfrm>
+            <a:off x="0" y="5468400"/>
+            <a:ext cx="9753600" cy="4285200"/>
+          </a:xfrm>
+          <a:prstGeom prst="rect">
+            <a:avLst/>
+          </a:prstGeom>
+          <a:ln>
+            <a:noFill/>
+          </a:ln>
+        </p:spPr>
+        <p:style>
+          <a:lnRef idx="2">
+            <a:schemeClr val="dk1">
+              <a:shade val="50000"/>
+            </a:schemeClr>
+          </a:lnRef>
+          <a:fillRef idx="1">
+            <a:schemeClr val="dk1"/>
+          </a:fillRef>
+          <a:effectRef idx="0">
+            <a:schemeClr val="dk1"/>
+          </a:effectRef>
+          <a:fontRef idx="minor">
+            <a:schemeClr val="lt1"/>
+          </a:fontRef>
+        </p:style>
+        <p:txBody>
+          <a:bodyPr rtlCol="0" anchor="ctr"/>
+          <a:lstStyle/>
+          <a:p>
+            <a:pPr algn="ctr"/>
+            <a:r>
+              <a:rPr lang="de-DE" sz="4000" i="1" dirty="0" err="1"/>
+              <a:t>Placeholder</a:t>
+            </a:r>
+            <a:r>
+              <a:rPr lang="de-DE" sz="4000" i="1" dirty="0"/>
+              <a:t> / not in </a:t>
+            </a:r>
+            <a:r>
+              <a:rPr lang="de-DE" sz="4000" i="1" dirty="0" err="1"/>
+              <a:t>use</a:t>
+            </a:r>
+            <a:r>
+              <a:rPr lang="de-DE" sz="4000" i="1" dirty="0"/>
+              <a:t>!</a:t>
+            </a:r>
+            <a:endParaRPr lang="en-US" sz="4000" i="1" dirty="0"/>
+          </a:p>
+        </p:txBody>
+      </p:sp>
+      <p:sp>
+        <p:nvSpPr>
+          <p:cNvPr id="6" name="Rectangle 5">
+            <a:extLst>
+              <a:ext uri="{FF2B5EF4-FFF2-40B4-BE49-F238E27FC236}">
+                <a16:creationId xmlns:a16="http://schemas.microsoft.com/office/drawing/2014/main" id="{0B533615-A8B2-4915-AB6A-1B5C08FD6089}"/>
+              </a:ext>
+            </a:extLst>
+          </p:cNvPr>
+          <p:cNvSpPr/>
+          <p:nvPr/>
+        </p:nvSpPr>
+        <p:spPr>
+          <a:xfrm>
+            <a:off x="0" y="0"/>
+            <a:ext cx="9753600" cy="720000"/>
+          </a:xfrm>
+          <a:prstGeom prst="rect">
+            <a:avLst/>
+          </a:prstGeom>
+          <a:solidFill>
+            <a:srgbClr val="0070C0"/>
+          </a:solidFill>
+          <a:ln>
+            <a:noFill/>
+          </a:ln>
+        </p:spPr>
+        <p:style>
+          <a:lnRef idx="2">
+            <a:schemeClr val="accent1">
+              <a:shade val="50000"/>
+            </a:schemeClr>
+          </a:lnRef>
+          <a:fillRef idx="1">
+            <a:schemeClr val="accent1"/>
+          </a:fillRef>
+          <a:effectRef idx="0">
+            <a:schemeClr val="accent1"/>
+          </a:effectRef>
+          <a:fontRef idx="minor">
+            <a:schemeClr val="lt1"/>
+          </a:fontRef>
+        </p:style>
+        <p:txBody>
+          <a:bodyPr rtlCol="0" anchor="ctr"/>
+          <a:lstStyle/>
+          <a:p>
+            <a:pPr algn="ctr"/>
+            <a:endParaRPr lang="en-US"/>
+          </a:p>
+        </p:txBody>
+      </p:sp>
+      <p:sp>
+        <p:nvSpPr>
+          <p:cNvPr id="7" name="Rectangle 6">
+            <a:extLst>
+              <a:ext uri="{FF2B5EF4-FFF2-40B4-BE49-F238E27FC236}">
+                <a16:creationId xmlns:a16="http://schemas.microsoft.com/office/drawing/2014/main" id="{00FD9BF4-04BC-4A2D-ADE9-7EE3508D232E}"/>
+              </a:ext>
+            </a:extLst>
+          </p:cNvPr>
+          <p:cNvSpPr/>
+          <p:nvPr/>
+        </p:nvSpPr>
+        <p:spPr>
+          <a:xfrm>
+            <a:off x="7330440" y="-1"/>
+            <a:ext cx="1080000" cy="720000"/>
+          </a:xfrm>
+          <a:prstGeom prst="rect">
+            <a:avLst/>
+          </a:prstGeom>
+          <a:solidFill>
+            <a:schemeClr val="bg1"/>
+          </a:solidFill>
+          <a:ln>
+            <a:noFill/>
+          </a:ln>
+        </p:spPr>
+        <p:style>
+          <a:lnRef idx="2">
+            <a:schemeClr val="accent1">
+              <a:shade val="50000"/>
+            </a:schemeClr>
+          </a:lnRef>
+          <a:fillRef idx="1">
+            <a:schemeClr val="accent1"/>
+          </a:fillRef>
+          <a:effectRef idx="0">
+            <a:schemeClr val="accent1"/>
+          </a:effectRef>
+          <a:fontRef idx="minor">
+            <a:schemeClr val="lt1"/>
+          </a:fontRef>
+        </p:style>
+        <p:txBody>
+          <a:bodyPr rtlCol="0" anchor="ctr"/>
+          <a:lstStyle/>
+          <a:p>
+            <a:pPr algn="ctr"/>
+            <a:endParaRPr lang="en-US" sz="2000" dirty="0"/>
+          </a:p>
+        </p:txBody>
+      </p:sp>
+      <p:sp>
+        <p:nvSpPr>
+          <p:cNvPr id="26" name="Rectangle 25">
+            <a:extLst>
+              <a:ext uri="{FF2B5EF4-FFF2-40B4-BE49-F238E27FC236}">
+                <a16:creationId xmlns:a16="http://schemas.microsoft.com/office/drawing/2014/main" id="{E6D2C0B5-5EA5-45EA-9D84-A71BA0ABC842}"/>
+              </a:ext>
+            </a:extLst>
+          </p:cNvPr>
+          <p:cNvSpPr/>
+          <p:nvPr/>
+        </p:nvSpPr>
+        <p:spPr>
+          <a:xfrm>
+            <a:off x="0" y="4748399"/>
+            <a:ext cx="9753600" cy="720000"/>
+          </a:xfrm>
+          <a:prstGeom prst="rect">
+            <a:avLst/>
+          </a:prstGeom>
+          <a:solidFill>
+            <a:srgbClr val="0070C0"/>
+          </a:solidFill>
+          <a:ln>
+            <a:noFill/>
+          </a:ln>
+        </p:spPr>
+        <p:style>
+          <a:lnRef idx="2">
+            <a:schemeClr val="accent1">
+              <a:shade val="50000"/>
+            </a:schemeClr>
+          </a:lnRef>
+          <a:fillRef idx="1">
+            <a:schemeClr val="accent1"/>
+          </a:fillRef>
+          <a:effectRef idx="0">
+            <a:schemeClr val="accent1"/>
+          </a:effectRef>
+          <a:fontRef idx="minor">
+            <a:schemeClr val="lt1"/>
+          </a:fontRef>
+        </p:style>
+        <p:txBody>
+          <a:bodyPr rtlCol="0" anchor="ctr"/>
+          <a:lstStyle/>
+          <a:p>
+            <a:pPr algn="ctr"/>
+            <a:endParaRPr lang="en-US"/>
+          </a:p>
+        </p:txBody>
+      </p:sp>
+      <p:sp>
+        <p:nvSpPr>
+          <p:cNvPr id="54" name="Rectangle: Rounded Corners 53">
+            <a:extLst>
+              <a:ext uri="{FF2B5EF4-FFF2-40B4-BE49-F238E27FC236}">
+                <a16:creationId xmlns:a16="http://schemas.microsoft.com/office/drawing/2014/main" id="{EC23ABED-4620-47B9-B28E-F9F722C0A6A0}"/>
+              </a:ext>
+            </a:extLst>
+          </p:cNvPr>
+          <p:cNvSpPr/>
+          <p:nvPr/>
+        </p:nvSpPr>
+        <p:spPr>
+          <a:xfrm>
+            <a:off x="4156799" y="4793399"/>
+            <a:ext cx="1440000" cy="630000"/>
+          </a:xfrm>
+          <a:prstGeom prst="roundRect">
+            <a:avLst/>
+          </a:prstGeom>
+          <a:solidFill>
+            <a:srgbClr val="FF0000"/>
+          </a:solidFill>
+          <a:ln>
+            <a:noFill/>
+          </a:ln>
+        </p:spPr>
+        <p:style>
+          <a:lnRef idx="2">
+            <a:schemeClr val="accent1">
+              <a:shade val="50000"/>
+            </a:schemeClr>
+          </a:lnRef>
+          <a:fillRef idx="1">
+            <a:schemeClr val="accent1"/>
+          </a:fillRef>
+          <a:effectRef idx="0">
+            <a:schemeClr val="accent1"/>
+          </a:effectRef>
+          <a:fontRef idx="minor">
+            <a:schemeClr val="lt1"/>
+          </a:fontRef>
+        </p:style>
+        <p:txBody>
+          <a:bodyPr rtlCol="0" anchor="ctr"/>
+          <a:lstStyle/>
+          <a:p>
+            <a:pPr algn="ctr"/>
+            <a:r>
+              <a:rPr lang="de-DE" b="1" dirty="0"/>
+              <a:t>Unfall!</a:t>
+            </a:r>
+            <a:endParaRPr lang="en-US" b="1" dirty="0"/>
+          </a:p>
+        </p:txBody>
+      </p:sp>
+      <p:sp>
+        <p:nvSpPr>
+          <p:cNvPr id="70" name="Rectangle: Rounded Corners 69">
+            <a:extLst>
+              <a:ext uri="{FF2B5EF4-FFF2-40B4-BE49-F238E27FC236}">
+                <a16:creationId xmlns:a16="http://schemas.microsoft.com/office/drawing/2014/main" id="{80517794-0EDD-4DC3-82C6-185B6A8F0303}"/>
+              </a:ext>
+            </a:extLst>
+          </p:cNvPr>
+          <p:cNvSpPr/>
+          <p:nvPr/>
+        </p:nvSpPr>
+        <p:spPr>
+          <a:xfrm>
+            <a:off x="721963" y="4794250"/>
+            <a:ext cx="630000" cy="630000"/>
+          </a:xfrm>
+          <a:prstGeom prst="roundRect">
+            <a:avLst/>
+          </a:prstGeom>
+          <a:solidFill>
+            <a:schemeClr val="accent4"/>
+          </a:solidFill>
+          <a:ln>
+            <a:noFill/>
+          </a:ln>
+        </p:spPr>
+        <p:style>
+          <a:lnRef idx="2">
+            <a:schemeClr val="accent1">
+              <a:shade val="50000"/>
+            </a:schemeClr>
+          </a:lnRef>
+          <a:fillRef idx="1">
+            <a:schemeClr val="accent1"/>
+          </a:fillRef>
+          <a:effectRef idx="0">
+            <a:schemeClr val="accent1"/>
+          </a:effectRef>
+          <a:fontRef idx="minor">
+            <a:schemeClr val="lt1"/>
+          </a:fontRef>
+        </p:style>
+        <p:txBody>
+          <a:bodyPr rtlCol="0" anchor="ctr"/>
+          <a:lstStyle/>
+          <a:p>
+            <a:pPr algn="ctr"/>
+            <a:endParaRPr lang="en-US" dirty="0"/>
+          </a:p>
+        </p:txBody>
+      </p:sp>
+      <p:pic>
+        <p:nvPicPr>
+          <p:cNvPr id="71" name="Graphic 70">
+            <a:extLst>
+              <a:ext uri="{FF2B5EF4-FFF2-40B4-BE49-F238E27FC236}">
+                <a16:creationId xmlns:a16="http://schemas.microsoft.com/office/drawing/2014/main" id="{35627AA6-0E13-4992-9B9F-37AF8D357652}"/>
+              </a:ext>
+            </a:extLst>
+          </p:cNvPr>
+          <p:cNvPicPr>
+            <a:picLocks noChangeAspect="1"/>
+          </p:cNvPicPr>
+          <p:nvPr/>
+        </p:nvPicPr>
+        <p:blipFill>
+          <a:blip r:embed="rId2">
+            <a:extLst>
+              <a:ext uri="{28A0092B-C50C-407E-A947-70E740481C1C}">
+                <a14:useLocalDpi xmlns:a14="http://schemas.microsoft.com/office/drawing/2010/main" val="0"/>
+              </a:ext>
+              <a:ext uri="{96DAC541-7B7A-43D3-8B79-37D633B846F1}">
+                <asvg:svgBlip xmlns:asvg="http://schemas.microsoft.com/office/drawing/2016/SVG/main" r:embed="rId3"/>
+              </a:ext>
+            </a:extLst>
+          </a:blip>
+          <a:stretch>
+            <a:fillRect/>
+          </a:stretch>
+        </p:blipFill>
+        <p:spPr>
+          <a:xfrm>
+            <a:off x="840088" y="4883399"/>
+            <a:ext cx="393750" cy="450000"/>
+          </a:xfrm>
+          <a:prstGeom prst="rect">
+            <a:avLst/>
+          </a:prstGeom>
+        </p:spPr>
+      </p:pic>
+      <p:sp>
+        <p:nvSpPr>
+          <p:cNvPr id="49" name="Rectangle: Rounded Corners 48">
+            <a:extLst>
+              <a:ext uri="{FF2B5EF4-FFF2-40B4-BE49-F238E27FC236}">
+                <a16:creationId xmlns:a16="http://schemas.microsoft.com/office/drawing/2014/main" id="{FDD4C75D-1091-4515-9B36-2481AB871986}"/>
+              </a:ext>
+            </a:extLst>
+          </p:cNvPr>
+          <p:cNvSpPr/>
+          <p:nvPr/>
+        </p:nvSpPr>
+        <p:spPr>
+          <a:xfrm>
+            <a:off x="46963" y="4794250"/>
+            <a:ext cx="630000" cy="630000"/>
+          </a:xfrm>
+          <a:prstGeom prst="roundRect">
+            <a:avLst/>
+          </a:prstGeom>
+          <a:solidFill>
+            <a:schemeClr val="accent5">
+              <a:lumMod val="60000"/>
+              <a:lumOff val="40000"/>
+            </a:schemeClr>
+          </a:solidFill>
+          <a:ln>
+            <a:noFill/>
+          </a:ln>
+        </p:spPr>
+        <p:style>
+          <a:lnRef idx="2">
+            <a:schemeClr val="accent1">
+              <a:shade val="50000"/>
+            </a:schemeClr>
+          </a:lnRef>
+          <a:fillRef idx="1">
+            <a:schemeClr val="accent1"/>
+          </a:fillRef>
+          <a:effectRef idx="0">
+            <a:schemeClr val="accent1"/>
+          </a:effectRef>
+          <a:fontRef idx="minor">
+            <a:schemeClr val="lt1"/>
+          </a:fontRef>
+        </p:style>
+        <p:txBody>
+          <a:bodyPr rtlCol="0" anchor="ctr"/>
+          <a:lstStyle/>
+          <a:p>
+            <a:pPr algn="ctr"/>
+            <a:endParaRPr lang="en-US" dirty="0"/>
+          </a:p>
+        </p:txBody>
+      </p:sp>
+      <p:pic>
+        <p:nvPicPr>
+          <p:cNvPr id="50" name="Graphic 49">
+            <a:extLst>
+              <a:ext uri="{FF2B5EF4-FFF2-40B4-BE49-F238E27FC236}">
+                <a16:creationId xmlns:a16="http://schemas.microsoft.com/office/drawing/2014/main" id="{D117119E-0435-4DCE-B029-5553A8C64807}"/>
+              </a:ext>
+            </a:extLst>
+          </p:cNvPr>
+          <p:cNvPicPr>
+            <a:picLocks noChangeAspect="1"/>
+          </p:cNvPicPr>
+          <p:nvPr/>
+        </p:nvPicPr>
+        <p:blipFill>
+          <a:blip r:embed="rId4">
+            <a:extLst>
+              <a:ext uri="{28A0092B-C50C-407E-A947-70E740481C1C}">
+                <a14:useLocalDpi xmlns:a14="http://schemas.microsoft.com/office/drawing/2010/main" val="0"/>
+              </a:ext>
+              <a:ext uri="{96DAC541-7B7A-43D3-8B79-37D633B846F1}">
+                <asvg:svgBlip xmlns:asvg="http://schemas.microsoft.com/office/drawing/2016/SVG/main" r:embed="rId5"/>
+              </a:ext>
+            </a:extLst>
+          </a:blip>
+          <a:stretch>
+            <a:fillRect/>
+          </a:stretch>
+        </p:blipFill>
+        <p:spPr>
+          <a:xfrm>
+            <a:off x="165088" y="4881635"/>
+            <a:ext cx="393750" cy="450000"/>
+          </a:xfrm>
+          <a:prstGeom prst="rect">
+            <a:avLst/>
+          </a:prstGeom>
+        </p:spPr>
+      </p:pic>
+      <p:sp>
+        <p:nvSpPr>
+          <p:cNvPr id="53" name="Rectangle 52">
+            <a:extLst>
+              <a:ext uri="{FF2B5EF4-FFF2-40B4-BE49-F238E27FC236}">
+                <a16:creationId xmlns:a16="http://schemas.microsoft.com/office/drawing/2014/main" id="{7283464F-F4FE-4EFD-B1B4-EE25B4D9B151}"/>
+              </a:ext>
+            </a:extLst>
+          </p:cNvPr>
+          <p:cNvSpPr/>
+          <p:nvPr/>
+        </p:nvSpPr>
+        <p:spPr>
+          <a:xfrm>
+            <a:off x="-146820" y="853440"/>
+            <a:ext cx="4194946" cy="720000"/>
+          </a:xfrm>
+          <a:prstGeom prst="rect">
+            <a:avLst/>
+          </a:prstGeom>
+          <a:solidFill>
+            <a:schemeClr val="accent5">
+              <a:lumMod val="50000"/>
+            </a:schemeClr>
+          </a:solidFill>
+          <a:ln>
+            <a:noFill/>
+          </a:ln>
+        </p:spPr>
+        <p:style>
+          <a:lnRef idx="2">
+            <a:schemeClr val="accent1">
+              <a:shade val="50000"/>
+            </a:schemeClr>
+          </a:lnRef>
+          <a:fillRef idx="1">
+            <a:schemeClr val="accent1"/>
+          </a:fillRef>
+          <a:effectRef idx="0">
+            <a:schemeClr val="accent1"/>
+          </a:effectRef>
+          <a:fontRef idx="minor">
+            <a:schemeClr val="lt1"/>
+          </a:fontRef>
+        </p:style>
+        <p:txBody>
+          <a:bodyPr lIns="1080000" rtlCol="0" anchor="ctr"/>
+          <a:lstStyle/>
+          <a:p>
+            <a:r>
+              <a:rPr lang="de-DE" sz="2200" b="1" dirty="0"/>
+              <a:t>Display &amp; Darstellung</a:t>
+            </a:r>
+          </a:p>
+        </p:txBody>
+      </p:sp>
+      <p:sp>
+        <p:nvSpPr>
+          <p:cNvPr id="56" name="Rectangle: Rounded Corners 55">
+            <a:extLst>
+              <a:ext uri="{FF2B5EF4-FFF2-40B4-BE49-F238E27FC236}">
+                <a16:creationId xmlns:a16="http://schemas.microsoft.com/office/drawing/2014/main" id="{31602AAF-0902-4714-A7A4-9ECAC9F0E1EB}"/>
+              </a:ext>
+            </a:extLst>
+          </p:cNvPr>
+          <p:cNvSpPr/>
+          <p:nvPr/>
+        </p:nvSpPr>
+        <p:spPr>
+          <a:xfrm>
+            <a:off x="-146821" y="1867279"/>
+            <a:ext cx="3979681" cy="720000"/>
+          </a:xfrm>
+          <a:prstGeom prst="roundRect">
+            <a:avLst/>
+          </a:prstGeom>
+          <a:solidFill>
+            <a:srgbClr val="0070C0"/>
+          </a:solidFill>
+          <a:ln>
+            <a:noFill/>
+          </a:ln>
+        </p:spPr>
+        <p:style>
+          <a:lnRef idx="2">
+            <a:schemeClr val="accent1">
+              <a:shade val="50000"/>
+            </a:schemeClr>
+          </a:lnRef>
+          <a:fillRef idx="1">
+            <a:schemeClr val="accent1"/>
+          </a:fillRef>
+          <a:effectRef idx="0">
+            <a:schemeClr val="accent1"/>
+          </a:effectRef>
+          <a:fontRef idx="minor">
+            <a:schemeClr val="lt1"/>
+          </a:fontRef>
+        </p:style>
+        <p:txBody>
+          <a:bodyPr lIns="1080000" rtlCol="0" anchor="ctr"/>
+          <a:lstStyle/>
+          <a:p>
+            <a:r>
+              <a:rPr lang="de-DE" sz="2200" dirty="0"/>
+              <a:t>Beschilderung &amp; Fahrgastinformation</a:t>
+            </a:r>
+          </a:p>
+        </p:txBody>
+      </p:sp>
+      <p:pic>
+        <p:nvPicPr>
+          <p:cNvPr id="3" name="Graphic 2">
+            <a:extLst>
+              <a:ext uri="{FF2B5EF4-FFF2-40B4-BE49-F238E27FC236}">
+                <a16:creationId xmlns:a16="http://schemas.microsoft.com/office/drawing/2014/main" id="{58FB5B8B-DA92-4BC4-B935-FF37529B0CBC}"/>
+              </a:ext>
+            </a:extLst>
+          </p:cNvPr>
+          <p:cNvPicPr>
+            <a:picLocks noChangeAspect="1"/>
+          </p:cNvPicPr>
+          <p:nvPr/>
+        </p:nvPicPr>
+        <p:blipFill>
+          <a:blip r:embed="rId6">
+            <a:extLst>
+              <a:ext uri="{28A0092B-C50C-407E-A947-70E740481C1C}">
+                <a14:useLocalDpi xmlns:a14="http://schemas.microsoft.com/office/drawing/2010/main" val="0"/>
+              </a:ext>
+              <a:ext uri="{96DAC541-7B7A-43D3-8B79-37D633B846F1}">
+                <asvg:svgBlip xmlns:asvg="http://schemas.microsoft.com/office/drawing/2016/SVG/main" r:embed="rId7"/>
+              </a:ext>
+            </a:extLst>
+          </a:blip>
+          <a:stretch>
+            <a:fillRect/>
+          </a:stretch>
+        </p:blipFill>
+        <p:spPr>
+          <a:xfrm>
+            <a:off x="165088" y="946468"/>
+            <a:ext cx="607500" cy="540000"/>
+          </a:xfrm>
+          <a:prstGeom prst="rect">
+            <a:avLst/>
+          </a:prstGeom>
+        </p:spPr>
+      </p:pic>
+      <p:pic>
+        <p:nvPicPr>
+          <p:cNvPr id="8" name="Graphic 7">
+            <a:extLst>
+              <a:ext uri="{FF2B5EF4-FFF2-40B4-BE49-F238E27FC236}">
+                <a16:creationId xmlns:a16="http://schemas.microsoft.com/office/drawing/2014/main" id="{33E007EB-FAE5-494F-AB95-FFA15FCB2CE3}"/>
+              </a:ext>
+            </a:extLst>
+          </p:cNvPr>
+          <p:cNvPicPr>
+            <a:picLocks noChangeAspect="1"/>
+          </p:cNvPicPr>
+          <p:nvPr/>
+        </p:nvPicPr>
+        <p:blipFill>
+          <a:blip r:embed="rId8">
+            <a:extLst>
+              <a:ext uri="{28A0092B-C50C-407E-A947-70E740481C1C}">
+                <a14:useLocalDpi xmlns:a14="http://schemas.microsoft.com/office/drawing/2010/main" val="0"/>
+              </a:ext>
+              <a:ext uri="{96DAC541-7B7A-43D3-8B79-37D633B846F1}">
+                <asvg:svgBlip xmlns:asvg="http://schemas.microsoft.com/office/drawing/2016/SVG/main" r:embed="rId9"/>
+              </a:ext>
+            </a:extLst>
+          </a:blip>
+          <a:stretch>
+            <a:fillRect/>
+          </a:stretch>
+        </p:blipFill>
+        <p:spPr>
+          <a:xfrm>
+            <a:off x="204990" y="1957279"/>
+            <a:ext cx="540000" cy="540000"/>
+          </a:xfrm>
+          <a:prstGeom prst="rect">
+            <a:avLst/>
+          </a:prstGeom>
+        </p:spPr>
+      </p:pic>
+      <p:sp>
+        <p:nvSpPr>
+          <p:cNvPr id="11" name="TextBox 10">
+            <a:extLst>
+              <a:ext uri="{FF2B5EF4-FFF2-40B4-BE49-F238E27FC236}">
+                <a16:creationId xmlns:a16="http://schemas.microsoft.com/office/drawing/2014/main" id="{C0EB78E4-F842-42D0-87F4-D7877C4F1342}"/>
+              </a:ext>
+            </a:extLst>
+          </p:cNvPr>
+          <p:cNvSpPr txBox="1"/>
+          <p:nvPr/>
+        </p:nvSpPr>
+        <p:spPr>
+          <a:xfrm>
+            <a:off x="4048125" y="761802"/>
+            <a:ext cx="1205779" cy="461665"/>
+          </a:xfrm>
+          <a:prstGeom prst="rect">
+            <a:avLst/>
+          </a:prstGeom>
+          <a:noFill/>
+        </p:spPr>
+        <p:txBody>
+          <a:bodyPr wrap="none" rtlCol="0">
+            <a:spAutoFit/>
+          </a:bodyPr>
+          <a:lstStyle/>
+          <a:p>
+            <a:r>
+              <a:rPr lang="de-DE" sz="2400" dirty="0"/>
+              <a:t>Thema:</a:t>
+            </a:r>
+          </a:p>
+        </p:txBody>
+      </p:sp>
+      <p:sp>
+        <p:nvSpPr>
+          <p:cNvPr id="72" name="Rectangle: Rounded Corners 71">
+            <a:extLst>
+              <a:ext uri="{FF2B5EF4-FFF2-40B4-BE49-F238E27FC236}">
+                <a16:creationId xmlns:a16="http://schemas.microsoft.com/office/drawing/2014/main" id="{24CEB630-94F2-40B6-8820-21CF912FA302}"/>
+              </a:ext>
+            </a:extLst>
+          </p:cNvPr>
+          <p:cNvSpPr/>
+          <p:nvPr/>
+        </p:nvSpPr>
+        <p:spPr>
+          <a:xfrm>
+            <a:off x="4125774" y="1209959"/>
+            <a:ext cx="1800000" cy="720000"/>
+          </a:xfrm>
+          <a:prstGeom prst="roundRect">
+            <a:avLst/>
+          </a:prstGeom>
+          <a:solidFill>
+            <a:schemeClr val="accent5">
+              <a:lumMod val="50000"/>
+            </a:schemeClr>
+          </a:solidFill>
+          <a:ln>
+            <a:noFill/>
+          </a:ln>
+        </p:spPr>
+        <p:style>
+          <a:lnRef idx="2">
+            <a:schemeClr val="accent1">
+              <a:shade val="50000"/>
+            </a:schemeClr>
+          </a:lnRef>
+          <a:fillRef idx="1">
+            <a:schemeClr val="accent1"/>
+          </a:fillRef>
+          <a:effectRef idx="0">
+            <a:schemeClr val="accent1"/>
+          </a:effectRef>
+          <a:fontRef idx="minor">
+            <a:schemeClr val="lt1"/>
+          </a:fontRef>
+        </p:style>
+        <p:txBody>
+          <a:bodyPr lIns="720000" rtlCol="0" anchor="ctr"/>
+          <a:lstStyle/>
+          <a:p>
+            <a:r>
+              <a:rPr lang="de-DE" sz="2200" b="1" dirty="0"/>
+              <a:t>Auto</a:t>
+            </a:r>
+          </a:p>
+        </p:txBody>
+      </p:sp>
+      <p:sp>
+        <p:nvSpPr>
+          <p:cNvPr id="74" name="Rectangle: Rounded Corners 73">
+            <a:extLst>
+              <a:ext uri="{FF2B5EF4-FFF2-40B4-BE49-F238E27FC236}">
+                <a16:creationId xmlns:a16="http://schemas.microsoft.com/office/drawing/2014/main" id="{BA0AD757-ACD1-4DC6-A598-FAAF939EA45B}"/>
+              </a:ext>
+            </a:extLst>
+          </p:cNvPr>
+          <p:cNvSpPr/>
+          <p:nvPr/>
+        </p:nvSpPr>
+        <p:spPr>
+          <a:xfrm>
+            <a:off x="6008318" y="1209959"/>
+            <a:ext cx="1800000" cy="720000"/>
+          </a:xfrm>
+          <a:prstGeom prst="roundRect">
+            <a:avLst/>
+          </a:prstGeom>
+          <a:solidFill>
+            <a:srgbClr val="0070C0"/>
+          </a:solidFill>
+          <a:ln>
+            <a:noFill/>
+          </a:ln>
+        </p:spPr>
+        <p:style>
+          <a:lnRef idx="2">
+            <a:schemeClr val="accent1">
+              <a:shade val="50000"/>
+            </a:schemeClr>
+          </a:lnRef>
+          <a:fillRef idx="1">
+            <a:schemeClr val="accent1"/>
+          </a:fillRef>
+          <a:effectRef idx="0">
+            <a:schemeClr val="accent1"/>
+          </a:effectRef>
+          <a:fontRef idx="minor">
+            <a:schemeClr val="lt1"/>
+          </a:fontRef>
+        </p:style>
+        <p:txBody>
+          <a:bodyPr lIns="720000" rtlCol="0" anchor="ctr"/>
+          <a:lstStyle/>
+          <a:p>
+            <a:r>
+              <a:rPr lang="de-DE" sz="2200" dirty="0"/>
+              <a:t>Hell</a:t>
+            </a:r>
+          </a:p>
+        </p:txBody>
+      </p:sp>
+      <p:sp>
+        <p:nvSpPr>
+          <p:cNvPr id="76" name="Rectangle: Rounded Corners 75">
+            <a:extLst>
+              <a:ext uri="{FF2B5EF4-FFF2-40B4-BE49-F238E27FC236}">
+                <a16:creationId xmlns:a16="http://schemas.microsoft.com/office/drawing/2014/main" id="{4AA9AE57-6685-4548-8912-687D77AA4FCA}"/>
+              </a:ext>
+            </a:extLst>
+          </p:cNvPr>
+          <p:cNvSpPr/>
+          <p:nvPr/>
+        </p:nvSpPr>
+        <p:spPr>
+          <a:xfrm>
+            <a:off x="7890863" y="1209959"/>
+            <a:ext cx="1800000" cy="720000"/>
+          </a:xfrm>
+          <a:prstGeom prst="roundRect">
+            <a:avLst/>
+          </a:prstGeom>
+          <a:solidFill>
+            <a:srgbClr val="0070C0"/>
+          </a:solidFill>
+          <a:ln>
+            <a:noFill/>
+          </a:ln>
+        </p:spPr>
+        <p:style>
+          <a:lnRef idx="2">
+            <a:schemeClr val="accent1">
+              <a:shade val="50000"/>
+            </a:schemeClr>
+          </a:lnRef>
+          <a:fillRef idx="1">
+            <a:schemeClr val="accent1"/>
+          </a:fillRef>
+          <a:effectRef idx="0">
+            <a:schemeClr val="accent1"/>
+          </a:effectRef>
+          <a:fontRef idx="minor">
+            <a:schemeClr val="lt1"/>
+          </a:fontRef>
+        </p:style>
+        <p:txBody>
+          <a:bodyPr lIns="720000" rtlCol="0" anchor="ctr"/>
+          <a:lstStyle/>
+          <a:p>
+            <a:r>
+              <a:rPr lang="de-DE" sz="2200" dirty="0"/>
+              <a:t>Dunkel</a:t>
+            </a:r>
+          </a:p>
+        </p:txBody>
+      </p:sp>
+      <p:pic>
+        <p:nvPicPr>
+          <p:cNvPr id="16" name="Graphic 15">
+            <a:extLst>
+              <a:ext uri="{FF2B5EF4-FFF2-40B4-BE49-F238E27FC236}">
+                <a16:creationId xmlns:a16="http://schemas.microsoft.com/office/drawing/2014/main" id="{384FA91C-A6AC-41BA-9F43-8389DE0FE308}"/>
+              </a:ext>
+            </a:extLst>
+          </p:cNvPr>
+          <p:cNvPicPr>
+            <a:picLocks noChangeAspect="1"/>
+          </p:cNvPicPr>
+          <p:nvPr/>
+        </p:nvPicPr>
+        <p:blipFill>
+          <a:blip r:embed="rId10">
+            <a:extLst>
+              <a:ext uri="{28A0092B-C50C-407E-A947-70E740481C1C}">
+                <a14:useLocalDpi xmlns:a14="http://schemas.microsoft.com/office/drawing/2010/main" val="0"/>
+              </a:ext>
+              <a:ext uri="{96DAC541-7B7A-43D3-8B79-37D633B846F1}">
+                <asvg:svgBlip xmlns:asvg="http://schemas.microsoft.com/office/drawing/2016/SVG/main" r:embed="rId11"/>
+              </a:ext>
+            </a:extLst>
+          </a:blip>
+          <a:stretch>
+            <a:fillRect/>
+          </a:stretch>
+        </p:blipFill>
+        <p:spPr>
+          <a:xfrm>
+            <a:off x="6160139" y="1299959"/>
+            <a:ext cx="540000" cy="540000"/>
+          </a:xfrm>
+          <a:prstGeom prst="rect">
+            <a:avLst/>
+          </a:prstGeom>
+        </p:spPr>
+      </p:pic>
+      <p:pic>
+        <p:nvPicPr>
+          <p:cNvPr id="18" name="Graphic 17">
+            <a:extLst>
+              <a:ext uri="{FF2B5EF4-FFF2-40B4-BE49-F238E27FC236}">
+                <a16:creationId xmlns:a16="http://schemas.microsoft.com/office/drawing/2014/main" id="{294B16DB-9E64-459B-BD9F-326EED0EE1A8}"/>
+              </a:ext>
+            </a:extLst>
+          </p:cNvPr>
+          <p:cNvPicPr>
+            <a:picLocks noChangeAspect="1"/>
+          </p:cNvPicPr>
+          <p:nvPr/>
+        </p:nvPicPr>
+        <p:blipFill>
+          <a:blip r:embed="rId12">
+            <a:extLst>
+              <a:ext uri="{28A0092B-C50C-407E-A947-70E740481C1C}">
+                <a14:useLocalDpi xmlns:a14="http://schemas.microsoft.com/office/drawing/2010/main" val="0"/>
+              </a:ext>
+              <a:ext uri="{96DAC541-7B7A-43D3-8B79-37D633B846F1}">
+                <asvg:svgBlip xmlns:asvg="http://schemas.microsoft.com/office/drawing/2016/SVG/main" r:embed="rId13"/>
+              </a:ext>
+            </a:extLst>
+          </a:blip>
+          <a:stretch>
+            <a:fillRect/>
+          </a:stretch>
+        </p:blipFill>
+        <p:spPr>
+          <a:xfrm>
+            <a:off x="8095139" y="1299959"/>
+            <a:ext cx="405000" cy="540000"/>
+          </a:xfrm>
+          <a:prstGeom prst="rect">
+            <a:avLst/>
+          </a:prstGeom>
+        </p:spPr>
+      </p:pic>
+      <p:pic>
+        <p:nvPicPr>
+          <p:cNvPr id="24" name="Graphic 23">
+            <a:extLst>
+              <a:ext uri="{FF2B5EF4-FFF2-40B4-BE49-F238E27FC236}">
+                <a16:creationId xmlns:a16="http://schemas.microsoft.com/office/drawing/2014/main" id="{178A7482-6C2D-4DA4-BEBD-6EFA2F81DC99}"/>
+              </a:ext>
+            </a:extLst>
+          </p:cNvPr>
+          <p:cNvPicPr>
+            <a:picLocks noChangeAspect="1"/>
+          </p:cNvPicPr>
+          <p:nvPr/>
+        </p:nvPicPr>
+        <p:blipFill>
+          <a:blip r:embed="rId14">
+            <a:extLst>
+              <a:ext uri="{28A0092B-C50C-407E-A947-70E740481C1C}">
+                <a14:useLocalDpi xmlns:a14="http://schemas.microsoft.com/office/drawing/2010/main" val="0"/>
+              </a:ext>
+              <a:ext uri="{96DAC541-7B7A-43D3-8B79-37D633B846F1}">
+                <asvg:svgBlip xmlns:asvg="http://schemas.microsoft.com/office/drawing/2016/SVG/main" r:embed="rId15"/>
+              </a:ext>
+            </a:extLst>
+          </a:blip>
+          <a:stretch>
+            <a:fillRect/>
+          </a:stretch>
+        </p:blipFill>
+        <p:spPr>
+          <a:xfrm>
+            <a:off x="4252774" y="1299959"/>
+            <a:ext cx="540000" cy="540000"/>
+          </a:xfrm>
+          <a:prstGeom prst="rect">
+            <a:avLst/>
+          </a:prstGeom>
+        </p:spPr>
+      </p:pic>
+      <p:pic>
+        <p:nvPicPr>
+          <p:cNvPr id="79" name="Graphic 78">
+            <a:extLst>
+              <a:ext uri="{FF2B5EF4-FFF2-40B4-BE49-F238E27FC236}">
+                <a16:creationId xmlns:a16="http://schemas.microsoft.com/office/drawing/2014/main" id="{8237650F-C9BF-4055-9B2A-70886E94F456}"/>
+              </a:ext>
+            </a:extLst>
+          </p:cNvPr>
+          <p:cNvPicPr>
+            <a:picLocks noChangeAspect="1"/>
+          </p:cNvPicPr>
+          <p:nvPr/>
+        </p:nvPicPr>
+        <p:blipFill>
+          <a:blip r:embed="rId12">
+            <a:extLst>
+              <a:ext uri="{28A0092B-C50C-407E-A947-70E740481C1C}">
+                <a14:useLocalDpi xmlns:a14="http://schemas.microsoft.com/office/drawing/2010/main" val="0"/>
+              </a:ext>
+              <a:ext uri="{96DAC541-7B7A-43D3-8B79-37D633B846F1}">
+                <asvg:svgBlip xmlns:asvg="http://schemas.microsoft.com/office/drawing/2016/SVG/main" r:embed="rId13"/>
+              </a:ext>
+            </a:extLst>
+          </a:blip>
+          <a:stretch>
+            <a:fillRect/>
+          </a:stretch>
+        </p:blipFill>
+        <p:spPr>
+          <a:xfrm>
+            <a:off x="4473385" y="1541948"/>
+            <a:ext cx="270000" cy="360000"/>
+          </a:xfrm>
+          <a:prstGeom prst="rect">
+            <a:avLst/>
+          </a:prstGeom>
+        </p:spPr>
+      </p:pic>
+      <p:sp>
+        <p:nvSpPr>
+          <p:cNvPr id="25" name="Oval 24">
+            <a:extLst>
+              <a:ext uri="{FF2B5EF4-FFF2-40B4-BE49-F238E27FC236}">
+                <a16:creationId xmlns:a16="http://schemas.microsoft.com/office/drawing/2014/main" id="{1AFB2AEB-A166-4869-9057-A817ABC9EB0B}"/>
+              </a:ext>
+            </a:extLst>
+          </p:cNvPr>
+          <p:cNvSpPr/>
+          <p:nvPr/>
+        </p:nvSpPr>
+        <p:spPr>
+          <a:xfrm>
+            <a:off x="4252774" y="1299958"/>
+            <a:ext cx="216000" cy="216000"/>
+          </a:xfrm>
+          <a:prstGeom prst="ellipse">
+            <a:avLst/>
+          </a:prstGeom>
+          <a:solidFill>
+            <a:schemeClr val="accent5">
+              <a:lumMod val="50000"/>
+            </a:schemeClr>
+          </a:solidFill>
+          <a:ln>
+            <a:noFill/>
+          </a:ln>
+        </p:spPr>
+        <p:style>
+          <a:lnRef idx="2">
+            <a:schemeClr val="accent1">
+              <a:shade val="50000"/>
+            </a:schemeClr>
+          </a:lnRef>
+          <a:fillRef idx="1">
+            <a:schemeClr val="accent1"/>
+          </a:fillRef>
+          <a:effectRef idx="0">
+            <a:schemeClr val="accent1"/>
+          </a:effectRef>
+          <a:fontRef idx="minor">
+            <a:schemeClr val="lt1"/>
+          </a:fontRef>
+        </p:style>
+        <p:txBody>
+          <a:bodyPr rtlCol="0" anchor="ctr"/>
+          <a:lstStyle/>
+          <a:p>
+            <a:pPr algn="ctr"/>
+            <a:endParaRPr lang="de-DE" dirty="0"/>
+          </a:p>
+        </p:txBody>
+      </p:sp>
+      <p:pic>
+        <p:nvPicPr>
+          <p:cNvPr id="77" name="Graphic 76">
+            <a:extLst>
+              <a:ext uri="{FF2B5EF4-FFF2-40B4-BE49-F238E27FC236}">
+                <a16:creationId xmlns:a16="http://schemas.microsoft.com/office/drawing/2014/main" id="{10D2646B-0A5C-4B51-A9C2-AC63962282FA}"/>
+              </a:ext>
+            </a:extLst>
+          </p:cNvPr>
+          <p:cNvPicPr>
+            <a:picLocks noChangeAspect="1"/>
+          </p:cNvPicPr>
+          <p:nvPr/>
+        </p:nvPicPr>
+        <p:blipFill>
+          <a:blip r:embed="rId10">
+            <a:extLst>
+              <a:ext uri="{28A0092B-C50C-407E-A947-70E740481C1C}">
+                <a14:useLocalDpi xmlns:a14="http://schemas.microsoft.com/office/drawing/2010/main" val="0"/>
+              </a:ext>
+              <a:ext uri="{96DAC541-7B7A-43D3-8B79-37D633B846F1}">
+                <asvg:svgBlip xmlns:asvg="http://schemas.microsoft.com/office/drawing/2016/SVG/main" r:embed="rId11"/>
+              </a:ext>
+            </a:extLst>
+          </a:blip>
+          <a:stretch>
+            <a:fillRect/>
+          </a:stretch>
+        </p:blipFill>
+        <p:spPr>
+          <a:xfrm>
+            <a:off x="4177057" y="1227941"/>
+            <a:ext cx="360000" cy="360000"/>
+          </a:xfrm>
+          <a:prstGeom prst="rect">
+            <a:avLst/>
+          </a:prstGeom>
+        </p:spPr>
+      </p:pic>
+      <p:sp>
+        <p:nvSpPr>
+          <p:cNvPr id="80" name="TextBox 79">
+            <a:extLst>
+              <a:ext uri="{FF2B5EF4-FFF2-40B4-BE49-F238E27FC236}">
+                <a16:creationId xmlns:a16="http://schemas.microsoft.com/office/drawing/2014/main" id="{FF512BCE-8B6B-4ACC-9CF0-9D941D491D7E}"/>
+              </a:ext>
+            </a:extLst>
+          </p:cNvPr>
+          <p:cNvSpPr txBox="1"/>
+          <p:nvPr/>
+        </p:nvSpPr>
+        <p:spPr>
+          <a:xfrm>
+            <a:off x="4048125" y="2250639"/>
+            <a:ext cx="1604927" cy="461665"/>
+          </a:xfrm>
+          <a:prstGeom prst="rect">
+            <a:avLst/>
+          </a:prstGeom>
+          <a:noFill/>
+        </p:spPr>
+        <p:txBody>
+          <a:bodyPr wrap="none" rtlCol="0">
+            <a:spAutoFit/>
+          </a:bodyPr>
+          <a:lstStyle/>
+          <a:p>
+            <a:r>
+              <a:rPr lang="de-DE" sz="2400" dirty="0"/>
+              <a:t>Helligkeit:</a:t>
+            </a:r>
+          </a:p>
+        </p:txBody>
+      </p:sp>
+      <p:sp>
+        <p:nvSpPr>
+          <p:cNvPr id="88" name="Rectangle: Rounded Corners 87">
+            <a:extLst>
+              <a:ext uri="{FF2B5EF4-FFF2-40B4-BE49-F238E27FC236}">
+                <a16:creationId xmlns:a16="http://schemas.microsoft.com/office/drawing/2014/main" id="{6B198DEB-9A26-47DE-9E64-8B95AF19EDCD}"/>
+              </a:ext>
+            </a:extLst>
+          </p:cNvPr>
+          <p:cNvSpPr/>
+          <p:nvPr/>
+        </p:nvSpPr>
+        <p:spPr>
+          <a:xfrm>
+            <a:off x="4125774" y="2707446"/>
+            <a:ext cx="720000" cy="720000"/>
+          </a:xfrm>
+          <a:prstGeom prst="roundRect">
+            <a:avLst/>
+          </a:prstGeom>
+          <a:solidFill>
+            <a:srgbClr val="0070C0"/>
+          </a:solidFill>
+          <a:ln>
+            <a:noFill/>
+          </a:ln>
+        </p:spPr>
+        <p:style>
+          <a:lnRef idx="2">
+            <a:schemeClr val="accent1">
+              <a:shade val="50000"/>
+            </a:schemeClr>
+          </a:lnRef>
+          <a:fillRef idx="1">
+            <a:schemeClr val="accent1"/>
+          </a:fillRef>
+          <a:effectRef idx="0">
+            <a:schemeClr val="accent1"/>
+          </a:effectRef>
+          <a:fontRef idx="minor">
+            <a:schemeClr val="lt1"/>
+          </a:fontRef>
+        </p:style>
+        <p:txBody>
+          <a:bodyPr lIns="90000" rtlCol="0" anchor="ctr"/>
+          <a:lstStyle/>
+          <a:p>
+            <a:pPr algn="ctr"/>
+            <a:endParaRPr lang="de-DE" sz="3600" b="1" dirty="0"/>
+          </a:p>
+        </p:txBody>
+      </p:sp>
+      <p:sp>
+        <p:nvSpPr>
+          <p:cNvPr id="90" name="Rectangle: Rounded Corners 89">
+            <a:extLst>
+              <a:ext uri="{FF2B5EF4-FFF2-40B4-BE49-F238E27FC236}">
+                <a16:creationId xmlns:a16="http://schemas.microsoft.com/office/drawing/2014/main" id="{A2888118-3DF1-43CE-ABC4-736F212CD0D3}"/>
+              </a:ext>
+            </a:extLst>
+          </p:cNvPr>
+          <p:cNvSpPr/>
+          <p:nvPr/>
+        </p:nvSpPr>
+        <p:spPr>
+          <a:xfrm>
+            <a:off x="4902797" y="2707446"/>
+            <a:ext cx="720000" cy="720000"/>
+          </a:xfrm>
+          <a:prstGeom prst="roundRect">
+            <a:avLst/>
+          </a:prstGeom>
+          <a:solidFill>
+            <a:srgbClr val="0070C0"/>
+          </a:solidFill>
+          <a:ln>
+            <a:noFill/>
+          </a:ln>
+        </p:spPr>
+        <p:style>
+          <a:lnRef idx="2">
+            <a:schemeClr val="accent1">
+              <a:shade val="50000"/>
+            </a:schemeClr>
+          </a:lnRef>
+          <a:fillRef idx="1">
+            <a:schemeClr val="accent1"/>
+          </a:fillRef>
+          <a:effectRef idx="0">
+            <a:schemeClr val="accent1"/>
+          </a:effectRef>
+          <a:fontRef idx="minor">
+            <a:schemeClr val="lt1"/>
+          </a:fontRef>
+        </p:style>
+        <p:txBody>
+          <a:bodyPr lIns="90000" rtlCol="0" anchor="ctr"/>
+          <a:lstStyle/>
+          <a:p>
+            <a:pPr algn="ctr"/>
+            <a:endParaRPr lang="de-DE" sz="3600" b="1" dirty="0"/>
+          </a:p>
+        </p:txBody>
+      </p:sp>
+      <p:pic>
+        <p:nvPicPr>
+          <p:cNvPr id="28" name="Graphic 27">
+            <a:extLst>
+              <a:ext uri="{FF2B5EF4-FFF2-40B4-BE49-F238E27FC236}">
+                <a16:creationId xmlns:a16="http://schemas.microsoft.com/office/drawing/2014/main" id="{96CED57F-03C8-4A56-AF11-D9CAC7D0AC5E}"/>
+              </a:ext>
+            </a:extLst>
+          </p:cNvPr>
+          <p:cNvPicPr>
+            <a:picLocks noChangeAspect="1"/>
+          </p:cNvPicPr>
+          <p:nvPr/>
+        </p:nvPicPr>
+        <p:blipFill>
+          <a:blip r:embed="rId16">
+            <a:extLst>
+              <a:ext uri="{28A0092B-C50C-407E-A947-70E740481C1C}">
+                <a14:useLocalDpi xmlns:a14="http://schemas.microsoft.com/office/drawing/2010/main" val="0"/>
+              </a:ext>
+              <a:ext uri="{96DAC541-7B7A-43D3-8B79-37D633B846F1}">
+                <asvg:svgBlip xmlns:asvg="http://schemas.microsoft.com/office/drawing/2016/SVG/main" r:embed="rId17"/>
+              </a:ext>
+            </a:extLst>
+          </a:blip>
+          <a:stretch>
+            <a:fillRect/>
+          </a:stretch>
+        </p:blipFill>
+        <p:spPr>
+          <a:xfrm>
+            <a:off x="5025774" y="2802597"/>
+            <a:ext cx="472500" cy="540000"/>
+          </a:xfrm>
+          <a:prstGeom prst="rect">
+            <a:avLst/>
+          </a:prstGeom>
+        </p:spPr>
+      </p:pic>
+      <p:pic>
+        <p:nvPicPr>
+          <p:cNvPr id="30" name="Graphic 29">
+            <a:extLst>
+              <a:ext uri="{FF2B5EF4-FFF2-40B4-BE49-F238E27FC236}">
+                <a16:creationId xmlns:a16="http://schemas.microsoft.com/office/drawing/2014/main" id="{4C4DE772-F2C0-4C8D-A54D-7216972B7CFD}"/>
+              </a:ext>
+            </a:extLst>
+          </p:cNvPr>
+          <p:cNvPicPr>
+            <a:picLocks noChangeAspect="1"/>
+          </p:cNvPicPr>
+          <p:nvPr/>
+        </p:nvPicPr>
+        <p:blipFill>
+          <a:blip r:embed="rId18">
+            <a:extLst>
+              <a:ext uri="{28A0092B-C50C-407E-A947-70E740481C1C}">
+                <a14:useLocalDpi xmlns:a14="http://schemas.microsoft.com/office/drawing/2010/main" val="0"/>
+              </a:ext>
+              <a:ext uri="{96DAC541-7B7A-43D3-8B79-37D633B846F1}">
+                <asvg:svgBlip xmlns:asvg="http://schemas.microsoft.com/office/drawing/2016/SVG/main" r:embed="rId19"/>
+              </a:ext>
+            </a:extLst>
+          </a:blip>
+          <a:stretch>
+            <a:fillRect/>
+          </a:stretch>
+        </p:blipFill>
+        <p:spPr>
+          <a:xfrm>
+            <a:off x="4249524" y="2823210"/>
+            <a:ext cx="472500" cy="540000"/>
+          </a:xfrm>
+          <a:prstGeom prst="rect">
+            <a:avLst/>
+          </a:prstGeom>
+        </p:spPr>
+      </p:pic>
+      <p:sp>
+        <p:nvSpPr>
+          <p:cNvPr id="95" name="Rectangle: Rounded Corners 94">
+            <a:extLst>
+              <a:ext uri="{FF2B5EF4-FFF2-40B4-BE49-F238E27FC236}">
+                <a16:creationId xmlns:a16="http://schemas.microsoft.com/office/drawing/2014/main" id="{E6564943-8B8A-4D9A-A1AF-324A03B09225}"/>
+              </a:ext>
+            </a:extLst>
+          </p:cNvPr>
+          <p:cNvSpPr/>
+          <p:nvPr/>
+        </p:nvSpPr>
+        <p:spPr>
+          <a:xfrm>
+            <a:off x="-146821" y="3894958"/>
+            <a:ext cx="3979681" cy="720000"/>
+          </a:xfrm>
+          <a:prstGeom prst="roundRect">
+            <a:avLst/>
+          </a:prstGeom>
+          <a:solidFill>
+            <a:srgbClr val="0070C0"/>
+          </a:solidFill>
+          <a:ln>
+            <a:noFill/>
+          </a:ln>
+        </p:spPr>
+        <p:style>
+          <a:lnRef idx="2">
+            <a:schemeClr val="accent1">
+              <a:shade val="50000"/>
+            </a:schemeClr>
+          </a:lnRef>
+          <a:fillRef idx="1">
+            <a:schemeClr val="accent1"/>
+          </a:fillRef>
+          <a:effectRef idx="0">
+            <a:schemeClr val="accent1"/>
+          </a:effectRef>
+          <a:fontRef idx="minor">
+            <a:schemeClr val="lt1"/>
+          </a:fontRef>
+        </p:style>
+        <p:txBody>
+          <a:bodyPr lIns="1080000" rtlCol="0" anchor="ctr"/>
+          <a:lstStyle/>
+          <a:p>
+            <a:r>
+              <a:rPr lang="de-DE" sz="2200" dirty="0"/>
+              <a:t>Sonstiges </a:t>
+            </a:r>
+          </a:p>
+        </p:txBody>
+      </p:sp>
+      <p:sp>
+        <p:nvSpPr>
+          <p:cNvPr id="96" name="Rectangle: Rounded Corners 95">
+            <a:extLst>
+              <a:ext uri="{FF2B5EF4-FFF2-40B4-BE49-F238E27FC236}">
+                <a16:creationId xmlns:a16="http://schemas.microsoft.com/office/drawing/2014/main" id="{063B8866-8BDE-4E09-8C8A-62D154C120A0}"/>
+              </a:ext>
+            </a:extLst>
+          </p:cNvPr>
+          <p:cNvSpPr/>
+          <p:nvPr/>
+        </p:nvSpPr>
+        <p:spPr>
+          <a:xfrm>
+            <a:off x="-146821" y="2881118"/>
+            <a:ext cx="3979681" cy="720000"/>
+          </a:xfrm>
+          <a:prstGeom prst="roundRect">
+            <a:avLst/>
+          </a:prstGeom>
+          <a:solidFill>
+            <a:srgbClr val="0070C0"/>
+          </a:solidFill>
+          <a:ln>
+            <a:noFill/>
+          </a:ln>
+        </p:spPr>
+        <p:style>
+          <a:lnRef idx="2">
+            <a:schemeClr val="accent1">
+              <a:shade val="50000"/>
+            </a:schemeClr>
+          </a:lnRef>
+          <a:fillRef idx="1">
+            <a:schemeClr val="accent1"/>
+          </a:fillRef>
+          <a:effectRef idx="0">
+            <a:schemeClr val="accent1"/>
+          </a:effectRef>
+          <a:fontRef idx="minor">
+            <a:schemeClr val="lt1"/>
+          </a:fontRef>
+        </p:style>
+        <p:txBody>
+          <a:bodyPr lIns="1080000" rtlCol="0" anchor="ctr"/>
+          <a:lstStyle/>
+          <a:p>
+            <a:r>
+              <a:rPr lang="de-DE" sz="2200" dirty="0"/>
+              <a:t>Gerät &amp; Hardware</a:t>
+            </a:r>
+          </a:p>
+        </p:txBody>
+      </p:sp>
+      <p:pic>
+        <p:nvPicPr>
+          <p:cNvPr id="10" name="Graphic 9">
+            <a:extLst>
+              <a:ext uri="{FF2B5EF4-FFF2-40B4-BE49-F238E27FC236}">
+                <a16:creationId xmlns:a16="http://schemas.microsoft.com/office/drawing/2014/main" id="{2CFA6614-755B-45F8-86FD-956379708FB0}"/>
+              </a:ext>
+            </a:extLst>
+          </p:cNvPr>
+          <p:cNvPicPr>
+            <a:picLocks noChangeAspect="1"/>
+          </p:cNvPicPr>
+          <p:nvPr/>
+        </p:nvPicPr>
+        <p:blipFill>
+          <a:blip r:embed="rId20">
+            <a:extLst>
+              <a:ext uri="{28A0092B-C50C-407E-A947-70E740481C1C}">
+                <a14:useLocalDpi xmlns:a14="http://schemas.microsoft.com/office/drawing/2010/main" val="0"/>
+              </a:ext>
+              <a:ext uri="{96DAC541-7B7A-43D3-8B79-37D633B846F1}">
+                <asvg:svgBlip xmlns:asvg="http://schemas.microsoft.com/office/drawing/2016/SVG/main" r:embed="rId21"/>
+              </a:ext>
+            </a:extLst>
+          </a:blip>
+          <a:stretch>
+            <a:fillRect/>
+          </a:stretch>
+        </p:blipFill>
+        <p:spPr>
+          <a:xfrm>
+            <a:off x="174613" y="2971118"/>
+            <a:ext cx="540000" cy="540000"/>
+          </a:xfrm>
+          <a:prstGeom prst="rect">
+            <a:avLst/>
+          </a:prstGeom>
+        </p:spPr>
+      </p:pic>
+      <p:pic>
+        <p:nvPicPr>
+          <p:cNvPr id="63" name="Graphic 62">
+            <a:extLst>
+              <a:ext uri="{FF2B5EF4-FFF2-40B4-BE49-F238E27FC236}">
+                <a16:creationId xmlns:a16="http://schemas.microsoft.com/office/drawing/2014/main" id="{7A1A725A-2A6E-4E88-844E-5EDDF8067390}"/>
+              </a:ext>
+            </a:extLst>
+          </p:cNvPr>
+          <p:cNvPicPr>
+            <a:picLocks noChangeAspect="1"/>
+          </p:cNvPicPr>
+          <p:nvPr/>
+        </p:nvPicPr>
+        <p:blipFill>
+          <a:blip r:embed="rId22">
+            <a:extLst>
+              <a:ext uri="{28A0092B-C50C-407E-A947-70E740481C1C}">
+                <a14:useLocalDpi xmlns:a14="http://schemas.microsoft.com/office/drawing/2010/main" val="0"/>
+              </a:ext>
+              <a:ext uri="{96DAC541-7B7A-43D3-8B79-37D633B846F1}">
+                <asvg:svgBlip xmlns:asvg="http://schemas.microsoft.com/office/drawing/2016/SVG/main" r:embed="rId23"/>
+              </a:ext>
+            </a:extLst>
+          </a:blip>
+          <a:stretch>
+            <a:fillRect/>
+          </a:stretch>
+        </p:blipFill>
+        <p:spPr>
+          <a:xfrm>
+            <a:off x="188862" y="3989854"/>
+            <a:ext cx="472500" cy="540000"/>
+          </a:xfrm>
+          <a:prstGeom prst="rect">
+            <a:avLst/>
+          </a:prstGeom>
+        </p:spPr>
+      </p:pic>
+    </p:spTree>
+    <p:extLst>
+      <p:ext uri="{BB962C8B-B14F-4D97-AF65-F5344CB8AC3E}">
+        <p14:creationId xmlns:p14="http://schemas.microsoft.com/office/powerpoint/2010/main" val="2160118909"/>
+      </p:ext>
+    </p:extLst>
+  </p:cSld>
+  <p:clrMapOvr>
+    <a:masterClrMapping/>
+  </p:clrMapOvr>
+</p:sld>
+</file>
+
 <file path=ppt/slides/slide3.xml><?xml version="1.0" encoding="utf-8"?>
 <p:sld xmlns:a="http://schemas.openxmlformats.org/drawingml/2006/main" xmlns:r="http://schemas.openxmlformats.org/officeDocument/2006/relationships" xmlns:p="http://schemas.openxmlformats.org/presentationml/2006/main">
   <p:cSld>
@@ -35741,6 +37332,4353 @@
     <p:extLst>
       <p:ext uri="{BB962C8B-B14F-4D97-AF65-F5344CB8AC3E}">
         <p14:creationId xmlns:p14="http://schemas.microsoft.com/office/powerpoint/2010/main" val="2456399940"/>
+      </p:ext>
+    </p:extLst>
+  </p:cSld>
+  <p:clrMapOvr>
+    <a:masterClrMapping/>
+  </p:clrMapOvr>
+</p:sld>
+</file>
+
+<file path=ppt/slides/slide30.xml><?xml version="1.0" encoding="utf-8"?>
+<p:sld xmlns:a="http://schemas.openxmlformats.org/drawingml/2006/main" xmlns:r="http://schemas.openxmlformats.org/officeDocument/2006/relationships" xmlns:p="http://schemas.openxmlformats.org/presentationml/2006/main">
+  <p:cSld>
+    <p:spTree>
+      <p:nvGrpSpPr>
+        <p:cNvPr id="1" name=""/>
+        <p:cNvGrpSpPr/>
+        <p:nvPr/>
+      </p:nvGrpSpPr>
+      <p:grpSpPr>
+        <a:xfrm>
+          <a:off x="0" y="0"/>
+          <a:ext cx="0" cy="0"/>
+          <a:chOff x="0" y="0"/>
+          <a:chExt cx="0" cy="0"/>
+        </a:xfrm>
+      </p:grpSpPr>
+      <p:sp>
+        <p:nvSpPr>
+          <p:cNvPr id="20" name="Rectangle 19">
+            <a:extLst>
+              <a:ext uri="{FF2B5EF4-FFF2-40B4-BE49-F238E27FC236}">
+                <a16:creationId xmlns:a16="http://schemas.microsoft.com/office/drawing/2014/main" id="{4060C324-4318-4830-BE4D-80F7588567D5}"/>
+              </a:ext>
+            </a:extLst>
+          </p:cNvPr>
+          <p:cNvSpPr/>
+          <p:nvPr/>
+        </p:nvSpPr>
+        <p:spPr>
+          <a:xfrm>
+            <a:off x="0" y="718023"/>
+            <a:ext cx="4048125" cy="4750375"/>
+          </a:xfrm>
+          <a:prstGeom prst="rect">
+            <a:avLst/>
+          </a:prstGeom>
+          <a:solidFill>
+            <a:schemeClr val="accent5">
+              <a:lumMod val="60000"/>
+              <a:lumOff val="40000"/>
+            </a:schemeClr>
+          </a:solidFill>
+          <a:ln>
+            <a:noFill/>
+          </a:ln>
+        </p:spPr>
+        <p:style>
+          <a:lnRef idx="2">
+            <a:schemeClr val="accent1">
+              <a:shade val="50000"/>
+            </a:schemeClr>
+          </a:lnRef>
+          <a:fillRef idx="1">
+            <a:schemeClr val="accent1"/>
+          </a:fillRef>
+          <a:effectRef idx="0">
+            <a:schemeClr val="accent1"/>
+          </a:effectRef>
+          <a:fontRef idx="minor">
+            <a:schemeClr val="lt1"/>
+          </a:fontRef>
+        </p:style>
+        <p:txBody>
+          <a:bodyPr rtlCol="0" anchor="ctr"/>
+          <a:lstStyle/>
+          <a:p>
+            <a:pPr algn="ctr"/>
+            <a:endParaRPr lang="en-US" u="sng" dirty="0"/>
+          </a:p>
+        </p:txBody>
+      </p:sp>
+      <p:sp>
+        <p:nvSpPr>
+          <p:cNvPr id="5" name="Rectangle 4">
+            <a:extLst>
+              <a:ext uri="{FF2B5EF4-FFF2-40B4-BE49-F238E27FC236}">
+                <a16:creationId xmlns:a16="http://schemas.microsoft.com/office/drawing/2014/main" id="{DD6F78D1-EB25-4C39-8595-0B180702B60C}"/>
+              </a:ext>
+            </a:extLst>
+          </p:cNvPr>
+          <p:cNvSpPr/>
+          <p:nvPr/>
+        </p:nvSpPr>
+        <p:spPr>
+          <a:xfrm>
+            <a:off x="0" y="5468400"/>
+            <a:ext cx="9753600" cy="4285200"/>
+          </a:xfrm>
+          <a:prstGeom prst="rect">
+            <a:avLst/>
+          </a:prstGeom>
+          <a:ln>
+            <a:noFill/>
+          </a:ln>
+        </p:spPr>
+        <p:style>
+          <a:lnRef idx="2">
+            <a:schemeClr val="dk1">
+              <a:shade val="50000"/>
+            </a:schemeClr>
+          </a:lnRef>
+          <a:fillRef idx="1">
+            <a:schemeClr val="dk1"/>
+          </a:fillRef>
+          <a:effectRef idx="0">
+            <a:schemeClr val="dk1"/>
+          </a:effectRef>
+          <a:fontRef idx="minor">
+            <a:schemeClr val="lt1"/>
+          </a:fontRef>
+        </p:style>
+        <p:txBody>
+          <a:bodyPr rtlCol="0" anchor="ctr"/>
+          <a:lstStyle/>
+          <a:p>
+            <a:pPr algn="ctr"/>
+            <a:r>
+              <a:rPr lang="de-DE" sz="4000" i="1" dirty="0" err="1"/>
+              <a:t>Placeholder</a:t>
+            </a:r>
+            <a:r>
+              <a:rPr lang="de-DE" sz="4000" i="1" dirty="0"/>
+              <a:t> / not in </a:t>
+            </a:r>
+            <a:r>
+              <a:rPr lang="de-DE" sz="4000" i="1" dirty="0" err="1"/>
+              <a:t>use</a:t>
+            </a:r>
+            <a:r>
+              <a:rPr lang="de-DE" sz="4000" i="1" dirty="0"/>
+              <a:t>!</a:t>
+            </a:r>
+            <a:endParaRPr lang="en-US" sz="4000" i="1" dirty="0"/>
+          </a:p>
+        </p:txBody>
+      </p:sp>
+      <p:sp>
+        <p:nvSpPr>
+          <p:cNvPr id="6" name="Rectangle 5">
+            <a:extLst>
+              <a:ext uri="{FF2B5EF4-FFF2-40B4-BE49-F238E27FC236}">
+                <a16:creationId xmlns:a16="http://schemas.microsoft.com/office/drawing/2014/main" id="{0B533615-A8B2-4915-AB6A-1B5C08FD6089}"/>
+              </a:ext>
+            </a:extLst>
+          </p:cNvPr>
+          <p:cNvSpPr/>
+          <p:nvPr/>
+        </p:nvSpPr>
+        <p:spPr>
+          <a:xfrm>
+            <a:off x="0" y="0"/>
+            <a:ext cx="9753600" cy="720000"/>
+          </a:xfrm>
+          <a:prstGeom prst="rect">
+            <a:avLst/>
+          </a:prstGeom>
+          <a:solidFill>
+            <a:srgbClr val="0070C0"/>
+          </a:solidFill>
+          <a:ln>
+            <a:noFill/>
+          </a:ln>
+        </p:spPr>
+        <p:style>
+          <a:lnRef idx="2">
+            <a:schemeClr val="accent1">
+              <a:shade val="50000"/>
+            </a:schemeClr>
+          </a:lnRef>
+          <a:fillRef idx="1">
+            <a:schemeClr val="accent1"/>
+          </a:fillRef>
+          <a:effectRef idx="0">
+            <a:schemeClr val="accent1"/>
+          </a:effectRef>
+          <a:fontRef idx="minor">
+            <a:schemeClr val="lt1"/>
+          </a:fontRef>
+        </p:style>
+        <p:txBody>
+          <a:bodyPr rtlCol="0" anchor="ctr"/>
+          <a:lstStyle/>
+          <a:p>
+            <a:pPr algn="ctr"/>
+            <a:endParaRPr lang="en-US"/>
+          </a:p>
+        </p:txBody>
+      </p:sp>
+      <p:sp>
+        <p:nvSpPr>
+          <p:cNvPr id="7" name="Rectangle 6">
+            <a:extLst>
+              <a:ext uri="{FF2B5EF4-FFF2-40B4-BE49-F238E27FC236}">
+                <a16:creationId xmlns:a16="http://schemas.microsoft.com/office/drawing/2014/main" id="{00FD9BF4-04BC-4A2D-ADE9-7EE3508D232E}"/>
+              </a:ext>
+            </a:extLst>
+          </p:cNvPr>
+          <p:cNvSpPr/>
+          <p:nvPr/>
+        </p:nvSpPr>
+        <p:spPr>
+          <a:xfrm>
+            <a:off x="7330440" y="-1"/>
+            <a:ext cx="1080000" cy="720000"/>
+          </a:xfrm>
+          <a:prstGeom prst="rect">
+            <a:avLst/>
+          </a:prstGeom>
+          <a:solidFill>
+            <a:schemeClr val="bg1"/>
+          </a:solidFill>
+          <a:ln>
+            <a:noFill/>
+          </a:ln>
+        </p:spPr>
+        <p:style>
+          <a:lnRef idx="2">
+            <a:schemeClr val="accent1">
+              <a:shade val="50000"/>
+            </a:schemeClr>
+          </a:lnRef>
+          <a:fillRef idx="1">
+            <a:schemeClr val="accent1"/>
+          </a:fillRef>
+          <a:effectRef idx="0">
+            <a:schemeClr val="accent1"/>
+          </a:effectRef>
+          <a:fontRef idx="minor">
+            <a:schemeClr val="lt1"/>
+          </a:fontRef>
+        </p:style>
+        <p:txBody>
+          <a:bodyPr rtlCol="0" anchor="ctr"/>
+          <a:lstStyle/>
+          <a:p>
+            <a:pPr algn="ctr"/>
+            <a:endParaRPr lang="en-US" sz="2000" dirty="0"/>
+          </a:p>
+        </p:txBody>
+      </p:sp>
+      <p:sp>
+        <p:nvSpPr>
+          <p:cNvPr id="26" name="Rectangle 25">
+            <a:extLst>
+              <a:ext uri="{FF2B5EF4-FFF2-40B4-BE49-F238E27FC236}">
+                <a16:creationId xmlns:a16="http://schemas.microsoft.com/office/drawing/2014/main" id="{E6D2C0B5-5EA5-45EA-9D84-A71BA0ABC842}"/>
+              </a:ext>
+            </a:extLst>
+          </p:cNvPr>
+          <p:cNvSpPr/>
+          <p:nvPr/>
+        </p:nvSpPr>
+        <p:spPr>
+          <a:xfrm>
+            <a:off x="0" y="4748399"/>
+            <a:ext cx="9753600" cy="720000"/>
+          </a:xfrm>
+          <a:prstGeom prst="rect">
+            <a:avLst/>
+          </a:prstGeom>
+          <a:solidFill>
+            <a:srgbClr val="0070C0"/>
+          </a:solidFill>
+          <a:ln>
+            <a:noFill/>
+          </a:ln>
+        </p:spPr>
+        <p:style>
+          <a:lnRef idx="2">
+            <a:schemeClr val="accent1">
+              <a:shade val="50000"/>
+            </a:schemeClr>
+          </a:lnRef>
+          <a:fillRef idx="1">
+            <a:schemeClr val="accent1"/>
+          </a:fillRef>
+          <a:effectRef idx="0">
+            <a:schemeClr val="accent1"/>
+          </a:effectRef>
+          <a:fontRef idx="minor">
+            <a:schemeClr val="lt1"/>
+          </a:fontRef>
+        </p:style>
+        <p:txBody>
+          <a:bodyPr rtlCol="0" anchor="ctr"/>
+          <a:lstStyle/>
+          <a:p>
+            <a:pPr algn="ctr"/>
+            <a:endParaRPr lang="en-US"/>
+          </a:p>
+        </p:txBody>
+      </p:sp>
+      <p:sp>
+        <p:nvSpPr>
+          <p:cNvPr id="54" name="Rectangle: Rounded Corners 53">
+            <a:extLst>
+              <a:ext uri="{FF2B5EF4-FFF2-40B4-BE49-F238E27FC236}">
+                <a16:creationId xmlns:a16="http://schemas.microsoft.com/office/drawing/2014/main" id="{EC23ABED-4620-47B9-B28E-F9F722C0A6A0}"/>
+              </a:ext>
+            </a:extLst>
+          </p:cNvPr>
+          <p:cNvSpPr/>
+          <p:nvPr/>
+        </p:nvSpPr>
+        <p:spPr>
+          <a:xfrm>
+            <a:off x="4156799" y="4793399"/>
+            <a:ext cx="1440000" cy="630000"/>
+          </a:xfrm>
+          <a:prstGeom prst="roundRect">
+            <a:avLst/>
+          </a:prstGeom>
+          <a:solidFill>
+            <a:srgbClr val="FF0000"/>
+          </a:solidFill>
+          <a:ln>
+            <a:noFill/>
+          </a:ln>
+        </p:spPr>
+        <p:style>
+          <a:lnRef idx="2">
+            <a:schemeClr val="accent1">
+              <a:shade val="50000"/>
+            </a:schemeClr>
+          </a:lnRef>
+          <a:fillRef idx="1">
+            <a:schemeClr val="accent1"/>
+          </a:fillRef>
+          <a:effectRef idx="0">
+            <a:schemeClr val="accent1"/>
+          </a:effectRef>
+          <a:fontRef idx="minor">
+            <a:schemeClr val="lt1"/>
+          </a:fontRef>
+        </p:style>
+        <p:txBody>
+          <a:bodyPr rtlCol="0" anchor="ctr"/>
+          <a:lstStyle/>
+          <a:p>
+            <a:pPr algn="ctr"/>
+            <a:r>
+              <a:rPr lang="de-DE" b="1" dirty="0"/>
+              <a:t>Unfall!</a:t>
+            </a:r>
+            <a:endParaRPr lang="en-US" b="1" dirty="0"/>
+          </a:p>
+        </p:txBody>
+      </p:sp>
+      <p:sp>
+        <p:nvSpPr>
+          <p:cNvPr id="70" name="Rectangle: Rounded Corners 69">
+            <a:extLst>
+              <a:ext uri="{FF2B5EF4-FFF2-40B4-BE49-F238E27FC236}">
+                <a16:creationId xmlns:a16="http://schemas.microsoft.com/office/drawing/2014/main" id="{80517794-0EDD-4DC3-82C6-185B6A8F0303}"/>
+              </a:ext>
+            </a:extLst>
+          </p:cNvPr>
+          <p:cNvSpPr/>
+          <p:nvPr/>
+        </p:nvSpPr>
+        <p:spPr>
+          <a:xfrm>
+            <a:off x="721963" y="4794250"/>
+            <a:ext cx="630000" cy="630000"/>
+          </a:xfrm>
+          <a:prstGeom prst="roundRect">
+            <a:avLst/>
+          </a:prstGeom>
+          <a:solidFill>
+            <a:schemeClr val="accent4"/>
+          </a:solidFill>
+          <a:ln>
+            <a:noFill/>
+          </a:ln>
+        </p:spPr>
+        <p:style>
+          <a:lnRef idx="2">
+            <a:schemeClr val="accent1">
+              <a:shade val="50000"/>
+            </a:schemeClr>
+          </a:lnRef>
+          <a:fillRef idx="1">
+            <a:schemeClr val="accent1"/>
+          </a:fillRef>
+          <a:effectRef idx="0">
+            <a:schemeClr val="accent1"/>
+          </a:effectRef>
+          <a:fontRef idx="minor">
+            <a:schemeClr val="lt1"/>
+          </a:fontRef>
+        </p:style>
+        <p:txBody>
+          <a:bodyPr rtlCol="0" anchor="ctr"/>
+          <a:lstStyle/>
+          <a:p>
+            <a:pPr algn="ctr"/>
+            <a:endParaRPr lang="en-US" dirty="0"/>
+          </a:p>
+        </p:txBody>
+      </p:sp>
+      <p:pic>
+        <p:nvPicPr>
+          <p:cNvPr id="71" name="Graphic 70">
+            <a:extLst>
+              <a:ext uri="{FF2B5EF4-FFF2-40B4-BE49-F238E27FC236}">
+                <a16:creationId xmlns:a16="http://schemas.microsoft.com/office/drawing/2014/main" id="{35627AA6-0E13-4992-9B9F-37AF8D357652}"/>
+              </a:ext>
+            </a:extLst>
+          </p:cNvPr>
+          <p:cNvPicPr>
+            <a:picLocks noChangeAspect="1"/>
+          </p:cNvPicPr>
+          <p:nvPr/>
+        </p:nvPicPr>
+        <p:blipFill>
+          <a:blip r:embed="rId2">
+            <a:extLst>
+              <a:ext uri="{28A0092B-C50C-407E-A947-70E740481C1C}">
+                <a14:useLocalDpi xmlns:a14="http://schemas.microsoft.com/office/drawing/2010/main" val="0"/>
+              </a:ext>
+              <a:ext uri="{96DAC541-7B7A-43D3-8B79-37D633B846F1}">
+                <asvg:svgBlip xmlns:asvg="http://schemas.microsoft.com/office/drawing/2016/SVG/main" r:embed="rId3"/>
+              </a:ext>
+            </a:extLst>
+          </a:blip>
+          <a:stretch>
+            <a:fillRect/>
+          </a:stretch>
+        </p:blipFill>
+        <p:spPr>
+          <a:xfrm>
+            <a:off x="840088" y="4883399"/>
+            <a:ext cx="393750" cy="450000"/>
+          </a:xfrm>
+          <a:prstGeom prst="rect">
+            <a:avLst/>
+          </a:prstGeom>
+        </p:spPr>
+      </p:pic>
+      <p:sp>
+        <p:nvSpPr>
+          <p:cNvPr id="49" name="Rectangle: Rounded Corners 48">
+            <a:extLst>
+              <a:ext uri="{FF2B5EF4-FFF2-40B4-BE49-F238E27FC236}">
+                <a16:creationId xmlns:a16="http://schemas.microsoft.com/office/drawing/2014/main" id="{FDD4C75D-1091-4515-9B36-2481AB871986}"/>
+              </a:ext>
+            </a:extLst>
+          </p:cNvPr>
+          <p:cNvSpPr/>
+          <p:nvPr/>
+        </p:nvSpPr>
+        <p:spPr>
+          <a:xfrm>
+            <a:off x="46963" y="4794250"/>
+            <a:ext cx="630000" cy="630000"/>
+          </a:xfrm>
+          <a:prstGeom prst="roundRect">
+            <a:avLst/>
+          </a:prstGeom>
+          <a:solidFill>
+            <a:schemeClr val="accent5">
+              <a:lumMod val="60000"/>
+              <a:lumOff val="40000"/>
+            </a:schemeClr>
+          </a:solidFill>
+          <a:ln>
+            <a:noFill/>
+          </a:ln>
+        </p:spPr>
+        <p:style>
+          <a:lnRef idx="2">
+            <a:schemeClr val="accent1">
+              <a:shade val="50000"/>
+            </a:schemeClr>
+          </a:lnRef>
+          <a:fillRef idx="1">
+            <a:schemeClr val="accent1"/>
+          </a:fillRef>
+          <a:effectRef idx="0">
+            <a:schemeClr val="accent1"/>
+          </a:effectRef>
+          <a:fontRef idx="minor">
+            <a:schemeClr val="lt1"/>
+          </a:fontRef>
+        </p:style>
+        <p:txBody>
+          <a:bodyPr rtlCol="0" anchor="ctr"/>
+          <a:lstStyle/>
+          <a:p>
+            <a:pPr algn="ctr"/>
+            <a:endParaRPr lang="en-US" dirty="0"/>
+          </a:p>
+        </p:txBody>
+      </p:sp>
+      <p:pic>
+        <p:nvPicPr>
+          <p:cNvPr id="50" name="Graphic 49">
+            <a:extLst>
+              <a:ext uri="{FF2B5EF4-FFF2-40B4-BE49-F238E27FC236}">
+                <a16:creationId xmlns:a16="http://schemas.microsoft.com/office/drawing/2014/main" id="{D117119E-0435-4DCE-B029-5553A8C64807}"/>
+              </a:ext>
+            </a:extLst>
+          </p:cNvPr>
+          <p:cNvPicPr>
+            <a:picLocks noChangeAspect="1"/>
+          </p:cNvPicPr>
+          <p:nvPr/>
+        </p:nvPicPr>
+        <p:blipFill>
+          <a:blip r:embed="rId4">
+            <a:extLst>
+              <a:ext uri="{28A0092B-C50C-407E-A947-70E740481C1C}">
+                <a14:useLocalDpi xmlns:a14="http://schemas.microsoft.com/office/drawing/2010/main" val="0"/>
+              </a:ext>
+              <a:ext uri="{96DAC541-7B7A-43D3-8B79-37D633B846F1}">
+                <asvg:svgBlip xmlns:asvg="http://schemas.microsoft.com/office/drawing/2016/SVG/main" r:embed="rId5"/>
+              </a:ext>
+            </a:extLst>
+          </a:blip>
+          <a:stretch>
+            <a:fillRect/>
+          </a:stretch>
+        </p:blipFill>
+        <p:spPr>
+          <a:xfrm>
+            <a:off x="165088" y="4881635"/>
+            <a:ext cx="393750" cy="450000"/>
+          </a:xfrm>
+          <a:prstGeom prst="rect">
+            <a:avLst/>
+          </a:prstGeom>
+        </p:spPr>
+      </p:pic>
+      <p:sp>
+        <p:nvSpPr>
+          <p:cNvPr id="53" name="Rectangle 52">
+            <a:extLst>
+              <a:ext uri="{FF2B5EF4-FFF2-40B4-BE49-F238E27FC236}">
+                <a16:creationId xmlns:a16="http://schemas.microsoft.com/office/drawing/2014/main" id="{7283464F-F4FE-4EFD-B1B4-EE25B4D9B151}"/>
+              </a:ext>
+            </a:extLst>
+          </p:cNvPr>
+          <p:cNvSpPr/>
+          <p:nvPr/>
+        </p:nvSpPr>
+        <p:spPr>
+          <a:xfrm>
+            <a:off x="-146820" y="853440"/>
+            <a:ext cx="4194946" cy="720000"/>
+          </a:xfrm>
+          <a:prstGeom prst="rect">
+            <a:avLst/>
+          </a:prstGeom>
+          <a:solidFill>
+            <a:schemeClr val="accent5">
+              <a:lumMod val="50000"/>
+            </a:schemeClr>
+          </a:solidFill>
+          <a:ln>
+            <a:noFill/>
+          </a:ln>
+        </p:spPr>
+        <p:style>
+          <a:lnRef idx="2">
+            <a:schemeClr val="accent1">
+              <a:shade val="50000"/>
+            </a:schemeClr>
+          </a:lnRef>
+          <a:fillRef idx="1">
+            <a:schemeClr val="accent1"/>
+          </a:fillRef>
+          <a:effectRef idx="0">
+            <a:schemeClr val="accent1"/>
+          </a:effectRef>
+          <a:fontRef idx="minor">
+            <a:schemeClr val="lt1"/>
+          </a:fontRef>
+        </p:style>
+        <p:txBody>
+          <a:bodyPr lIns="1080000" rtlCol="0" anchor="ctr"/>
+          <a:lstStyle/>
+          <a:p>
+            <a:r>
+              <a:rPr lang="de-DE" sz="2200" b="1" dirty="0"/>
+              <a:t>Display &amp; Darstellung</a:t>
+            </a:r>
+          </a:p>
+        </p:txBody>
+      </p:sp>
+      <p:sp>
+        <p:nvSpPr>
+          <p:cNvPr id="56" name="Rectangle: Rounded Corners 55">
+            <a:extLst>
+              <a:ext uri="{FF2B5EF4-FFF2-40B4-BE49-F238E27FC236}">
+                <a16:creationId xmlns:a16="http://schemas.microsoft.com/office/drawing/2014/main" id="{31602AAF-0902-4714-A7A4-9ECAC9F0E1EB}"/>
+              </a:ext>
+            </a:extLst>
+          </p:cNvPr>
+          <p:cNvSpPr/>
+          <p:nvPr/>
+        </p:nvSpPr>
+        <p:spPr>
+          <a:xfrm>
+            <a:off x="-146821" y="1867279"/>
+            <a:ext cx="3979681" cy="720000"/>
+          </a:xfrm>
+          <a:prstGeom prst="roundRect">
+            <a:avLst/>
+          </a:prstGeom>
+          <a:solidFill>
+            <a:srgbClr val="0070C0"/>
+          </a:solidFill>
+          <a:ln>
+            <a:noFill/>
+          </a:ln>
+        </p:spPr>
+        <p:style>
+          <a:lnRef idx="2">
+            <a:schemeClr val="accent1">
+              <a:shade val="50000"/>
+            </a:schemeClr>
+          </a:lnRef>
+          <a:fillRef idx="1">
+            <a:schemeClr val="accent1"/>
+          </a:fillRef>
+          <a:effectRef idx="0">
+            <a:schemeClr val="accent1"/>
+          </a:effectRef>
+          <a:fontRef idx="minor">
+            <a:schemeClr val="lt1"/>
+          </a:fontRef>
+        </p:style>
+        <p:txBody>
+          <a:bodyPr lIns="1080000" rtlCol="0" anchor="ctr"/>
+          <a:lstStyle/>
+          <a:p>
+            <a:r>
+              <a:rPr lang="de-DE" sz="2200" dirty="0"/>
+              <a:t>Beschilderung &amp; Fahrgastinformation</a:t>
+            </a:r>
+          </a:p>
+        </p:txBody>
+      </p:sp>
+      <p:pic>
+        <p:nvPicPr>
+          <p:cNvPr id="3" name="Graphic 2">
+            <a:extLst>
+              <a:ext uri="{FF2B5EF4-FFF2-40B4-BE49-F238E27FC236}">
+                <a16:creationId xmlns:a16="http://schemas.microsoft.com/office/drawing/2014/main" id="{58FB5B8B-DA92-4BC4-B935-FF37529B0CBC}"/>
+              </a:ext>
+            </a:extLst>
+          </p:cNvPr>
+          <p:cNvPicPr>
+            <a:picLocks noChangeAspect="1"/>
+          </p:cNvPicPr>
+          <p:nvPr/>
+        </p:nvPicPr>
+        <p:blipFill>
+          <a:blip r:embed="rId6">
+            <a:extLst>
+              <a:ext uri="{28A0092B-C50C-407E-A947-70E740481C1C}">
+                <a14:useLocalDpi xmlns:a14="http://schemas.microsoft.com/office/drawing/2010/main" val="0"/>
+              </a:ext>
+              <a:ext uri="{96DAC541-7B7A-43D3-8B79-37D633B846F1}">
+                <asvg:svgBlip xmlns:asvg="http://schemas.microsoft.com/office/drawing/2016/SVG/main" r:embed="rId7"/>
+              </a:ext>
+            </a:extLst>
+          </a:blip>
+          <a:stretch>
+            <a:fillRect/>
+          </a:stretch>
+        </p:blipFill>
+        <p:spPr>
+          <a:xfrm>
+            <a:off x="165088" y="946468"/>
+            <a:ext cx="607500" cy="540000"/>
+          </a:xfrm>
+          <a:prstGeom prst="rect">
+            <a:avLst/>
+          </a:prstGeom>
+        </p:spPr>
+      </p:pic>
+      <p:pic>
+        <p:nvPicPr>
+          <p:cNvPr id="8" name="Graphic 7">
+            <a:extLst>
+              <a:ext uri="{FF2B5EF4-FFF2-40B4-BE49-F238E27FC236}">
+                <a16:creationId xmlns:a16="http://schemas.microsoft.com/office/drawing/2014/main" id="{33E007EB-FAE5-494F-AB95-FFA15FCB2CE3}"/>
+              </a:ext>
+            </a:extLst>
+          </p:cNvPr>
+          <p:cNvPicPr>
+            <a:picLocks noChangeAspect="1"/>
+          </p:cNvPicPr>
+          <p:nvPr/>
+        </p:nvPicPr>
+        <p:blipFill>
+          <a:blip r:embed="rId8">
+            <a:extLst>
+              <a:ext uri="{28A0092B-C50C-407E-A947-70E740481C1C}">
+                <a14:useLocalDpi xmlns:a14="http://schemas.microsoft.com/office/drawing/2010/main" val="0"/>
+              </a:ext>
+              <a:ext uri="{96DAC541-7B7A-43D3-8B79-37D633B846F1}">
+                <asvg:svgBlip xmlns:asvg="http://schemas.microsoft.com/office/drawing/2016/SVG/main" r:embed="rId9"/>
+              </a:ext>
+            </a:extLst>
+          </a:blip>
+          <a:stretch>
+            <a:fillRect/>
+          </a:stretch>
+        </p:blipFill>
+        <p:spPr>
+          <a:xfrm>
+            <a:off x="204990" y="1957279"/>
+            <a:ext cx="540000" cy="540000"/>
+          </a:xfrm>
+          <a:prstGeom prst="rect">
+            <a:avLst/>
+          </a:prstGeom>
+        </p:spPr>
+      </p:pic>
+      <p:sp>
+        <p:nvSpPr>
+          <p:cNvPr id="11" name="TextBox 10">
+            <a:extLst>
+              <a:ext uri="{FF2B5EF4-FFF2-40B4-BE49-F238E27FC236}">
+                <a16:creationId xmlns:a16="http://schemas.microsoft.com/office/drawing/2014/main" id="{C0EB78E4-F842-42D0-87F4-D7877C4F1342}"/>
+              </a:ext>
+            </a:extLst>
+          </p:cNvPr>
+          <p:cNvSpPr txBox="1"/>
+          <p:nvPr/>
+        </p:nvSpPr>
+        <p:spPr>
+          <a:xfrm>
+            <a:off x="4048125" y="761802"/>
+            <a:ext cx="1205779" cy="461665"/>
+          </a:xfrm>
+          <a:prstGeom prst="rect">
+            <a:avLst/>
+          </a:prstGeom>
+          <a:noFill/>
+        </p:spPr>
+        <p:txBody>
+          <a:bodyPr wrap="none" rtlCol="0">
+            <a:spAutoFit/>
+          </a:bodyPr>
+          <a:lstStyle/>
+          <a:p>
+            <a:r>
+              <a:rPr lang="de-DE" sz="2400" dirty="0"/>
+              <a:t>Thema:</a:t>
+            </a:r>
+          </a:p>
+        </p:txBody>
+      </p:sp>
+      <p:sp>
+        <p:nvSpPr>
+          <p:cNvPr id="72" name="Rectangle: Rounded Corners 71">
+            <a:extLst>
+              <a:ext uri="{FF2B5EF4-FFF2-40B4-BE49-F238E27FC236}">
+                <a16:creationId xmlns:a16="http://schemas.microsoft.com/office/drawing/2014/main" id="{24CEB630-94F2-40B6-8820-21CF912FA302}"/>
+              </a:ext>
+            </a:extLst>
+          </p:cNvPr>
+          <p:cNvSpPr/>
+          <p:nvPr/>
+        </p:nvSpPr>
+        <p:spPr>
+          <a:xfrm>
+            <a:off x="4125774" y="1209959"/>
+            <a:ext cx="1800000" cy="720000"/>
+          </a:xfrm>
+          <a:prstGeom prst="roundRect">
+            <a:avLst/>
+          </a:prstGeom>
+          <a:solidFill>
+            <a:srgbClr val="0070C0"/>
+          </a:solidFill>
+          <a:ln>
+            <a:noFill/>
+          </a:ln>
+        </p:spPr>
+        <p:style>
+          <a:lnRef idx="2">
+            <a:schemeClr val="accent1">
+              <a:shade val="50000"/>
+            </a:schemeClr>
+          </a:lnRef>
+          <a:fillRef idx="1">
+            <a:schemeClr val="accent1"/>
+          </a:fillRef>
+          <a:effectRef idx="0">
+            <a:schemeClr val="accent1"/>
+          </a:effectRef>
+          <a:fontRef idx="minor">
+            <a:schemeClr val="lt1"/>
+          </a:fontRef>
+        </p:style>
+        <p:txBody>
+          <a:bodyPr lIns="720000" rtlCol="0" anchor="ctr"/>
+          <a:lstStyle/>
+          <a:p>
+            <a:r>
+              <a:rPr lang="de-DE" sz="2200" dirty="0"/>
+              <a:t>Auto</a:t>
+            </a:r>
+          </a:p>
+        </p:txBody>
+      </p:sp>
+      <p:sp>
+        <p:nvSpPr>
+          <p:cNvPr id="74" name="Rectangle: Rounded Corners 73">
+            <a:extLst>
+              <a:ext uri="{FF2B5EF4-FFF2-40B4-BE49-F238E27FC236}">
+                <a16:creationId xmlns:a16="http://schemas.microsoft.com/office/drawing/2014/main" id="{BA0AD757-ACD1-4DC6-A598-FAAF939EA45B}"/>
+              </a:ext>
+            </a:extLst>
+          </p:cNvPr>
+          <p:cNvSpPr/>
+          <p:nvPr/>
+        </p:nvSpPr>
+        <p:spPr>
+          <a:xfrm>
+            <a:off x="6008318" y="1209959"/>
+            <a:ext cx="1800000" cy="720000"/>
+          </a:xfrm>
+          <a:prstGeom prst="roundRect">
+            <a:avLst/>
+          </a:prstGeom>
+          <a:solidFill>
+            <a:schemeClr val="accent5">
+              <a:lumMod val="50000"/>
+            </a:schemeClr>
+          </a:solidFill>
+          <a:ln>
+            <a:noFill/>
+          </a:ln>
+        </p:spPr>
+        <p:style>
+          <a:lnRef idx="2">
+            <a:schemeClr val="accent1">
+              <a:shade val="50000"/>
+            </a:schemeClr>
+          </a:lnRef>
+          <a:fillRef idx="1">
+            <a:schemeClr val="accent1"/>
+          </a:fillRef>
+          <a:effectRef idx="0">
+            <a:schemeClr val="accent1"/>
+          </a:effectRef>
+          <a:fontRef idx="minor">
+            <a:schemeClr val="lt1"/>
+          </a:fontRef>
+        </p:style>
+        <p:txBody>
+          <a:bodyPr lIns="720000" rtlCol="0" anchor="ctr"/>
+          <a:lstStyle/>
+          <a:p>
+            <a:r>
+              <a:rPr lang="de-DE" sz="2200" b="1" dirty="0"/>
+              <a:t>Hell</a:t>
+            </a:r>
+          </a:p>
+        </p:txBody>
+      </p:sp>
+      <p:sp>
+        <p:nvSpPr>
+          <p:cNvPr id="76" name="Rectangle: Rounded Corners 75">
+            <a:extLst>
+              <a:ext uri="{FF2B5EF4-FFF2-40B4-BE49-F238E27FC236}">
+                <a16:creationId xmlns:a16="http://schemas.microsoft.com/office/drawing/2014/main" id="{4AA9AE57-6685-4548-8912-687D77AA4FCA}"/>
+              </a:ext>
+            </a:extLst>
+          </p:cNvPr>
+          <p:cNvSpPr/>
+          <p:nvPr/>
+        </p:nvSpPr>
+        <p:spPr>
+          <a:xfrm>
+            <a:off x="7890863" y="1209959"/>
+            <a:ext cx="1800000" cy="720000"/>
+          </a:xfrm>
+          <a:prstGeom prst="roundRect">
+            <a:avLst/>
+          </a:prstGeom>
+          <a:solidFill>
+            <a:srgbClr val="0070C0"/>
+          </a:solidFill>
+          <a:ln>
+            <a:noFill/>
+          </a:ln>
+        </p:spPr>
+        <p:style>
+          <a:lnRef idx="2">
+            <a:schemeClr val="accent1">
+              <a:shade val="50000"/>
+            </a:schemeClr>
+          </a:lnRef>
+          <a:fillRef idx="1">
+            <a:schemeClr val="accent1"/>
+          </a:fillRef>
+          <a:effectRef idx="0">
+            <a:schemeClr val="accent1"/>
+          </a:effectRef>
+          <a:fontRef idx="minor">
+            <a:schemeClr val="lt1"/>
+          </a:fontRef>
+        </p:style>
+        <p:txBody>
+          <a:bodyPr lIns="720000" rtlCol="0" anchor="ctr"/>
+          <a:lstStyle/>
+          <a:p>
+            <a:r>
+              <a:rPr lang="de-DE" sz="2200" dirty="0"/>
+              <a:t>Dunkel</a:t>
+            </a:r>
+          </a:p>
+        </p:txBody>
+      </p:sp>
+      <p:pic>
+        <p:nvPicPr>
+          <p:cNvPr id="16" name="Graphic 15">
+            <a:extLst>
+              <a:ext uri="{FF2B5EF4-FFF2-40B4-BE49-F238E27FC236}">
+                <a16:creationId xmlns:a16="http://schemas.microsoft.com/office/drawing/2014/main" id="{384FA91C-A6AC-41BA-9F43-8389DE0FE308}"/>
+              </a:ext>
+            </a:extLst>
+          </p:cNvPr>
+          <p:cNvPicPr>
+            <a:picLocks noChangeAspect="1"/>
+          </p:cNvPicPr>
+          <p:nvPr/>
+        </p:nvPicPr>
+        <p:blipFill>
+          <a:blip r:embed="rId10">
+            <a:extLst>
+              <a:ext uri="{28A0092B-C50C-407E-A947-70E740481C1C}">
+                <a14:useLocalDpi xmlns:a14="http://schemas.microsoft.com/office/drawing/2010/main" val="0"/>
+              </a:ext>
+              <a:ext uri="{96DAC541-7B7A-43D3-8B79-37D633B846F1}">
+                <asvg:svgBlip xmlns:asvg="http://schemas.microsoft.com/office/drawing/2016/SVG/main" r:embed="rId11"/>
+              </a:ext>
+            </a:extLst>
+          </a:blip>
+          <a:stretch>
+            <a:fillRect/>
+          </a:stretch>
+        </p:blipFill>
+        <p:spPr>
+          <a:xfrm>
+            <a:off x="6160139" y="1299959"/>
+            <a:ext cx="540000" cy="540000"/>
+          </a:xfrm>
+          <a:prstGeom prst="rect">
+            <a:avLst/>
+          </a:prstGeom>
+        </p:spPr>
+      </p:pic>
+      <p:pic>
+        <p:nvPicPr>
+          <p:cNvPr id="18" name="Graphic 17">
+            <a:extLst>
+              <a:ext uri="{FF2B5EF4-FFF2-40B4-BE49-F238E27FC236}">
+                <a16:creationId xmlns:a16="http://schemas.microsoft.com/office/drawing/2014/main" id="{294B16DB-9E64-459B-BD9F-326EED0EE1A8}"/>
+              </a:ext>
+            </a:extLst>
+          </p:cNvPr>
+          <p:cNvPicPr>
+            <a:picLocks noChangeAspect="1"/>
+          </p:cNvPicPr>
+          <p:nvPr/>
+        </p:nvPicPr>
+        <p:blipFill>
+          <a:blip r:embed="rId12">
+            <a:extLst>
+              <a:ext uri="{28A0092B-C50C-407E-A947-70E740481C1C}">
+                <a14:useLocalDpi xmlns:a14="http://schemas.microsoft.com/office/drawing/2010/main" val="0"/>
+              </a:ext>
+              <a:ext uri="{96DAC541-7B7A-43D3-8B79-37D633B846F1}">
+                <asvg:svgBlip xmlns:asvg="http://schemas.microsoft.com/office/drawing/2016/SVG/main" r:embed="rId13"/>
+              </a:ext>
+            </a:extLst>
+          </a:blip>
+          <a:stretch>
+            <a:fillRect/>
+          </a:stretch>
+        </p:blipFill>
+        <p:spPr>
+          <a:xfrm>
+            <a:off x="8095139" y="1299959"/>
+            <a:ext cx="405000" cy="540000"/>
+          </a:xfrm>
+          <a:prstGeom prst="rect">
+            <a:avLst/>
+          </a:prstGeom>
+        </p:spPr>
+      </p:pic>
+      <p:pic>
+        <p:nvPicPr>
+          <p:cNvPr id="24" name="Graphic 23">
+            <a:extLst>
+              <a:ext uri="{FF2B5EF4-FFF2-40B4-BE49-F238E27FC236}">
+                <a16:creationId xmlns:a16="http://schemas.microsoft.com/office/drawing/2014/main" id="{178A7482-6C2D-4DA4-BEBD-6EFA2F81DC99}"/>
+              </a:ext>
+            </a:extLst>
+          </p:cNvPr>
+          <p:cNvPicPr>
+            <a:picLocks noChangeAspect="1"/>
+          </p:cNvPicPr>
+          <p:nvPr/>
+        </p:nvPicPr>
+        <p:blipFill>
+          <a:blip r:embed="rId14">
+            <a:extLst>
+              <a:ext uri="{28A0092B-C50C-407E-A947-70E740481C1C}">
+                <a14:useLocalDpi xmlns:a14="http://schemas.microsoft.com/office/drawing/2010/main" val="0"/>
+              </a:ext>
+              <a:ext uri="{96DAC541-7B7A-43D3-8B79-37D633B846F1}">
+                <asvg:svgBlip xmlns:asvg="http://schemas.microsoft.com/office/drawing/2016/SVG/main" r:embed="rId15"/>
+              </a:ext>
+            </a:extLst>
+          </a:blip>
+          <a:stretch>
+            <a:fillRect/>
+          </a:stretch>
+        </p:blipFill>
+        <p:spPr>
+          <a:xfrm>
+            <a:off x="4252774" y="1299959"/>
+            <a:ext cx="540000" cy="540000"/>
+          </a:xfrm>
+          <a:prstGeom prst="rect">
+            <a:avLst/>
+          </a:prstGeom>
+        </p:spPr>
+      </p:pic>
+      <p:pic>
+        <p:nvPicPr>
+          <p:cNvPr id="79" name="Graphic 78">
+            <a:extLst>
+              <a:ext uri="{FF2B5EF4-FFF2-40B4-BE49-F238E27FC236}">
+                <a16:creationId xmlns:a16="http://schemas.microsoft.com/office/drawing/2014/main" id="{8237650F-C9BF-4055-9B2A-70886E94F456}"/>
+              </a:ext>
+            </a:extLst>
+          </p:cNvPr>
+          <p:cNvPicPr>
+            <a:picLocks noChangeAspect="1"/>
+          </p:cNvPicPr>
+          <p:nvPr/>
+        </p:nvPicPr>
+        <p:blipFill>
+          <a:blip r:embed="rId12">
+            <a:extLst>
+              <a:ext uri="{28A0092B-C50C-407E-A947-70E740481C1C}">
+                <a14:useLocalDpi xmlns:a14="http://schemas.microsoft.com/office/drawing/2010/main" val="0"/>
+              </a:ext>
+              <a:ext uri="{96DAC541-7B7A-43D3-8B79-37D633B846F1}">
+                <asvg:svgBlip xmlns:asvg="http://schemas.microsoft.com/office/drawing/2016/SVG/main" r:embed="rId13"/>
+              </a:ext>
+            </a:extLst>
+          </a:blip>
+          <a:stretch>
+            <a:fillRect/>
+          </a:stretch>
+        </p:blipFill>
+        <p:spPr>
+          <a:xfrm>
+            <a:off x="4473385" y="1541948"/>
+            <a:ext cx="270000" cy="360000"/>
+          </a:xfrm>
+          <a:prstGeom prst="rect">
+            <a:avLst/>
+          </a:prstGeom>
+        </p:spPr>
+      </p:pic>
+      <p:sp>
+        <p:nvSpPr>
+          <p:cNvPr id="25" name="Oval 24">
+            <a:extLst>
+              <a:ext uri="{FF2B5EF4-FFF2-40B4-BE49-F238E27FC236}">
+                <a16:creationId xmlns:a16="http://schemas.microsoft.com/office/drawing/2014/main" id="{1AFB2AEB-A166-4869-9057-A817ABC9EB0B}"/>
+              </a:ext>
+            </a:extLst>
+          </p:cNvPr>
+          <p:cNvSpPr/>
+          <p:nvPr/>
+        </p:nvSpPr>
+        <p:spPr>
+          <a:xfrm>
+            <a:off x="4252774" y="1299958"/>
+            <a:ext cx="216000" cy="216000"/>
+          </a:xfrm>
+          <a:prstGeom prst="ellipse">
+            <a:avLst/>
+          </a:prstGeom>
+          <a:solidFill>
+            <a:srgbClr val="0070C0"/>
+          </a:solidFill>
+          <a:ln>
+            <a:noFill/>
+          </a:ln>
+        </p:spPr>
+        <p:style>
+          <a:lnRef idx="2">
+            <a:schemeClr val="accent1">
+              <a:shade val="50000"/>
+            </a:schemeClr>
+          </a:lnRef>
+          <a:fillRef idx="1">
+            <a:schemeClr val="accent1"/>
+          </a:fillRef>
+          <a:effectRef idx="0">
+            <a:schemeClr val="accent1"/>
+          </a:effectRef>
+          <a:fontRef idx="minor">
+            <a:schemeClr val="lt1"/>
+          </a:fontRef>
+        </p:style>
+        <p:txBody>
+          <a:bodyPr rtlCol="0" anchor="ctr"/>
+          <a:lstStyle/>
+          <a:p>
+            <a:pPr algn="ctr"/>
+            <a:endParaRPr lang="de-DE" dirty="0"/>
+          </a:p>
+        </p:txBody>
+      </p:sp>
+      <p:pic>
+        <p:nvPicPr>
+          <p:cNvPr id="77" name="Graphic 76">
+            <a:extLst>
+              <a:ext uri="{FF2B5EF4-FFF2-40B4-BE49-F238E27FC236}">
+                <a16:creationId xmlns:a16="http://schemas.microsoft.com/office/drawing/2014/main" id="{10D2646B-0A5C-4B51-A9C2-AC63962282FA}"/>
+              </a:ext>
+            </a:extLst>
+          </p:cNvPr>
+          <p:cNvPicPr>
+            <a:picLocks noChangeAspect="1"/>
+          </p:cNvPicPr>
+          <p:nvPr/>
+        </p:nvPicPr>
+        <p:blipFill>
+          <a:blip r:embed="rId10">
+            <a:extLst>
+              <a:ext uri="{28A0092B-C50C-407E-A947-70E740481C1C}">
+                <a14:useLocalDpi xmlns:a14="http://schemas.microsoft.com/office/drawing/2010/main" val="0"/>
+              </a:ext>
+              <a:ext uri="{96DAC541-7B7A-43D3-8B79-37D633B846F1}">
+                <asvg:svgBlip xmlns:asvg="http://schemas.microsoft.com/office/drawing/2016/SVG/main" r:embed="rId11"/>
+              </a:ext>
+            </a:extLst>
+          </a:blip>
+          <a:stretch>
+            <a:fillRect/>
+          </a:stretch>
+        </p:blipFill>
+        <p:spPr>
+          <a:xfrm>
+            <a:off x="4177057" y="1227941"/>
+            <a:ext cx="360000" cy="360000"/>
+          </a:xfrm>
+          <a:prstGeom prst="rect">
+            <a:avLst/>
+          </a:prstGeom>
+        </p:spPr>
+      </p:pic>
+      <p:sp>
+        <p:nvSpPr>
+          <p:cNvPr id="80" name="TextBox 79">
+            <a:extLst>
+              <a:ext uri="{FF2B5EF4-FFF2-40B4-BE49-F238E27FC236}">
+                <a16:creationId xmlns:a16="http://schemas.microsoft.com/office/drawing/2014/main" id="{FF512BCE-8B6B-4ACC-9CF0-9D941D491D7E}"/>
+              </a:ext>
+            </a:extLst>
+          </p:cNvPr>
+          <p:cNvSpPr txBox="1"/>
+          <p:nvPr/>
+        </p:nvSpPr>
+        <p:spPr>
+          <a:xfrm>
+            <a:off x="4048125" y="2250639"/>
+            <a:ext cx="1604927" cy="461665"/>
+          </a:xfrm>
+          <a:prstGeom prst="rect">
+            <a:avLst/>
+          </a:prstGeom>
+          <a:noFill/>
+        </p:spPr>
+        <p:txBody>
+          <a:bodyPr wrap="none" rtlCol="0">
+            <a:spAutoFit/>
+          </a:bodyPr>
+          <a:lstStyle/>
+          <a:p>
+            <a:r>
+              <a:rPr lang="de-DE" sz="2400" dirty="0"/>
+              <a:t>Helligkeit:</a:t>
+            </a:r>
+          </a:p>
+        </p:txBody>
+      </p:sp>
+      <p:sp>
+        <p:nvSpPr>
+          <p:cNvPr id="88" name="Rectangle: Rounded Corners 87">
+            <a:extLst>
+              <a:ext uri="{FF2B5EF4-FFF2-40B4-BE49-F238E27FC236}">
+                <a16:creationId xmlns:a16="http://schemas.microsoft.com/office/drawing/2014/main" id="{6B198DEB-9A26-47DE-9E64-8B95AF19EDCD}"/>
+              </a:ext>
+            </a:extLst>
+          </p:cNvPr>
+          <p:cNvSpPr/>
+          <p:nvPr/>
+        </p:nvSpPr>
+        <p:spPr>
+          <a:xfrm>
+            <a:off x="4125774" y="2707446"/>
+            <a:ext cx="720000" cy="720000"/>
+          </a:xfrm>
+          <a:prstGeom prst="roundRect">
+            <a:avLst/>
+          </a:prstGeom>
+          <a:solidFill>
+            <a:srgbClr val="0070C0"/>
+          </a:solidFill>
+          <a:ln>
+            <a:noFill/>
+          </a:ln>
+        </p:spPr>
+        <p:style>
+          <a:lnRef idx="2">
+            <a:schemeClr val="accent1">
+              <a:shade val="50000"/>
+            </a:schemeClr>
+          </a:lnRef>
+          <a:fillRef idx="1">
+            <a:schemeClr val="accent1"/>
+          </a:fillRef>
+          <a:effectRef idx="0">
+            <a:schemeClr val="accent1"/>
+          </a:effectRef>
+          <a:fontRef idx="minor">
+            <a:schemeClr val="lt1"/>
+          </a:fontRef>
+        </p:style>
+        <p:txBody>
+          <a:bodyPr lIns="90000" rtlCol="0" anchor="ctr"/>
+          <a:lstStyle/>
+          <a:p>
+            <a:pPr algn="ctr"/>
+            <a:endParaRPr lang="de-DE" sz="3600" b="1" dirty="0"/>
+          </a:p>
+        </p:txBody>
+      </p:sp>
+      <p:sp>
+        <p:nvSpPr>
+          <p:cNvPr id="90" name="Rectangle: Rounded Corners 89">
+            <a:extLst>
+              <a:ext uri="{FF2B5EF4-FFF2-40B4-BE49-F238E27FC236}">
+                <a16:creationId xmlns:a16="http://schemas.microsoft.com/office/drawing/2014/main" id="{A2888118-3DF1-43CE-ABC4-736F212CD0D3}"/>
+              </a:ext>
+            </a:extLst>
+          </p:cNvPr>
+          <p:cNvSpPr/>
+          <p:nvPr/>
+        </p:nvSpPr>
+        <p:spPr>
+          <a:xfrm>
+            <a:off x="4902797" y="2707446"/>
+            <a:ext cx="720000" cy="720000"/>
+          </a:xfrm>
+          <a:prstGeom prst="roundRect">
+            <a:avLst/>
+          </a:prstGeom>
+          <a:solidFill>
+            <a:srgbClr val="0070C0"/>
+          </a:solidFill>
+          <a:ln>
+            <a:noFill/>
+          </a:ln>
+        </p:spPr>
+        <p:style>
+          <a:lnRef idx="2">
+            <a:schemeClr val="accent1">
+              <a:shade val="50000"/>
+            </a:schemeClr>
+          </a:lnRef>
+          <a:fillRef idx="1">
+            <a:schemeClr val="accent1"/>
+          </a:fillRef>
+          <a:effectRef idx="0">
+            <a:schemeClr val="accent1"/>
+          </a:effectRef>
+          <a:fontRef idx="minor">
+            <a:schemeClr val="lt1"/>
+          </a:fontRef>
+        </p:style>
+        <p:txBody>
+          <a:bodyPr lIns="90000" rtlCol="0" anchor="ctr"/>
+          <a:lstStyle/>
+          <a:p>
+            <a:pPr algn="ctr"/>
+            <a:endParaRPr lang="de-DE" sz="3600" b="1" dirty="0"/>
+          </a:p>
+        </p:txBody>
+      </p:sp>
+      <p:pic>
+        <p:nvPicPr>
+          <p:cNvPr id="28" name="Graphic 27">
+            <a:extLst>
+              <a:ext uri="{FF2B5EF4-FFF2-40B4-BE49-F238E27FC236}">
+                <a16:creationId xmlns:a16="http://schemas.microsoft.com/office/drawing/2014/main" id="{96CED57F-03C8-4A56-AF11-D9CAC7D0AC5E}"/>
+              </a:ext>
+            </a:extLst>
+          </p:cNvPr>
+          <p:cNvPicPr>
+            <a:picLocks noChangeAspect="1"/>
+          </p:cNvPicPr>
+          <p:nvPr/>
+        </p:nvPicPr>
+        <p:blipFill>
+          <a:blip r:embed="rId16">
+            <a:extLst>
+              <a:ext uri="{28A0092B-C50C-407E-A947-70E740481C1C}">
+                <a14:useLocalDpi xmlns:a14="http://schemas.microsoft.com/office/drawing/2010/main" val="0"/>
+              </a:ext>
+              <a:ext uri="{96DAC541-7B7A-43D3-8B79-37D633B846F1}">
+                <asvg:svgBlip xmlns:asvg="http://schemas.microsoft.com/office/drawing/2016/SVG/main" r:embed="rId17"/>
+              </a:ext>
+            </a:extLst>
+          </a:blip>
+          <a:stretch>
+            <a:fillRect/>
+          </a:stretch>
+        </p:blipFill>
+        <p:spPr>
+          <a:xfrm>
+            <a:off x="5025774" y="2802597"/>
+            <a:ext cx="472500" cy="540000"/>
+          </a:xfrm>
+          <a:prstGeom prst="rect">
+            <a:avLst/>
+          </a:prstGeom>
+        </p:spPr>
+      </p:pic>
+      <p:pic>
+        <p:nvPicPr>
+          <p:cNvPr id="30" name="Graphic 29">
+            <a:extLst>
+              <a:ext uri="{FF2B5EF4-FFF2-40B4-BE49-F238E27FC236}">
+                <a16:creationId xmlns:a16="http://schemas.microsoft.com/office/drawing/2014/main" id="{4C4DE772-F2C0-4C8D-A54D-7216972B7CFD}"/>
+              </a:ext>
+            </a:extLst>
+          </p:cNvPr>
+          <p:cNvPicPr>
+            <a:picLocks noChangeAspect="1"/>
+          </p:cNvPicPr>
+          <p:nvPr/>
+        </p:nvPicPr>
+        <p:blipFill>
+          <a:blip r:embed="rId18">
+            <a:extLst>
+              <a:ext uri="{28A0092B-C50C-407E-A947-70E740481C1C}">
+                <a14:useLocalDpi xmlns:a14="http://schemas.microsoft.com/office/drawing/2010/main" val="0"/>
+              </a:ext>
+              <a:ext uri="{96DAC541-7B7A-43D3-8B79-37D633B846F1}">
+                <asvg:svgBlip xmlns:asvg="http://schemas.microsoft.com/office/drawing/2016/SVG/main" r:embed="rId19"/>
+              </a:ext>
+            </a:extLst>
+          </a:blip>
+          <a:stretch>
+            <a:fillRect/>
+          </a:stretch>
+        </p:blipFill>
+        <p:spPr>
+          <a:xfrm>
+            <a:off x="4249524" y="2823210"/>
+            <a:ext cx="472500" cy="540000"/>
+          </a:xfrm>
+          <a:prstGeom prst="rect">
+            <a:avLst/>
+          </a:prstGeom>
+        </p:spPr>
+      </p:pic>
+      <p:sp>
+        <p:nvSpPr>
+          <p:cNvPr id="35" name="Rectangle: Rounded Corners 34">
+            <a:extLst>
+              <a:ext uri="{FF2B5EF4-FFF2-40B4-BE49-F238E27FC236}">
+                <a16:creationId xmlns:a16="http://schemas.microsoft.com/office/drawing/2014/main" id="{45C2E274-0382-4BEB-BA7D-430AFBD91753}"/>
+              </a:ext>
+            </a:extLst>
+          </p:cNvPr>
+          <p:cNvSpPr/>
+          <p:nvPr/>
+        </p:nvSpPr>
+        <p:spPr>
+          <a:xfrm>
+            <a:off x="-146821" y="3894958"/>
+            <a:ext cx="3979681" cy="720000"/>
+          </a:xfrm>
+          <a:prstGeom prst="roundRect">
+            <a:avLst/>
+          </a:prstGeom>
+          <a:solidFill>
+            <a:srgbClr val="0070C0"/>
+          </a:solidFill>
+          <a:ln>
+            <a:noFill/>
+          </a:ln>
+        </p:spPr>
+        <p:style>
+          <a:lnRef idx="2">
+            <a:schemeClr val="accent1">
+              <a:shade val="50000"/>
+            </a:schemeClr>
+          </a:lnRef>
+          <a:fillRef idx="1">
+            <a:schemeClr val="accent1"/>
+          </a:fillRef>
+          <a:effectRef idx="0">
+            <a:schemeClr val="accent1"/>
+          </a:effectRef>
+          <a:fontRef idx="minor">
+            <a:schemeClr val="lt1"/>
+          </a:fontRef>
+        </p:style>
+        <p:txBody>
+          <a:bodyPr lIns="1080000" rtlCol="0" anchor="ctr"/>
+          <a:lstStyle/>
+          <a:p>
+            <a:r>
+              <a:rPr lang="de-DE" sz="2200" dirty="0"/>
+              <a:t>Sonstiges </a:t>
+            </a:r>
+          </a:p>
+        </p:txBody>
+      </p:sp>
+      <p:sp>
+        <p:nvSpPr>
+          <p:cNvPr id="36" name="Rectangle: Rounded Corners 35">
+            <a:extLst>
+              <a:ext uri="{FF2B5EF4-FFF2-40B4-BE49-F238E27FC236}">
+                <a16:creationId xmlns:a16="http://schemas.microsoft.com/office/drawing/2014/main" id="{3522776A-74F4-4994-BBD0-F6E6B3C40CA1}"/>
+              </a:ext>
+            </a:extLst>
+          </p:cNvPr>
+          <p:cNvSpPr/>
+          <p:nvPr/>
+        </p:nvSpPr>
+        <p:spPr>
+          <a:xfrm>
+            <a:off x="-146821" y="2881118"/>
+            <a:ext cx="3979681" cy="720000"/>
+          </a:xfrm>
+          <a:prstGeom prst="roundRect">
+            <a:avLst/>
+          </a:prstGeom>
+          <a:solidFill>
+            <a:srgbClr val="0070C0"/>
+          </a:solidFill>
+          <a:ln>
+            <a:noFill/>
+          </a:ln>
+        </p:spPr>
+        <p:style>
+          <a:lnRef idx="2">
+            <a:schemeClr val="accent1">
+              <a:shade val="50000"/>
+            </a:schemeClr>
+          </a:lnRef>
+          <a:fillRef idx="1">
+            <a:schemeClr val="accent1"/>
+          </a:fillRef>
+          <a:effectRef idx="0">
+            <a:schemeClr val="accent1"/>
+          </a:effectRef>
+          <a:fontRef idx="minor">
+            <a:schemeClr val="lt1"/>
+          </a:fontRef>
+        </p:style>
+        <p:txBody>
+          <a:bodyPr lIns="1080000" rtlCol="0" anchor="ctr"/>
+          <a:lstStyle/>
+          <a:p>
+            <a:r>
+              <a:rPr lang="de-DE" sz="2200" dirty="0"/>
+              <a:t>Gerät &amp; Hardware</a:t>
+            </a:r>
+          </a:p>
+        </p:txBody>
+      </p:sp>
+      <p:pic>
+        <p:nvPicPr>
+          <p:cNvPr id="10" name="Graphic 9">
+            <a:extLst>
+              <a:ext uri="{FF2B5EF4-FFF2-40B4-BE49-F238E27FC236}">
+                <a16:creationId xmlns:a16="http://schemas.microsoft.com/office/drawing/2014/main" id="{2CFA6614-755B-45F8-86FD-956379708FB0}"/>
+              </a:ext>
+            </a:extLst>
+          </p:cNvPr>
+          <p:cNvPicPr>
+            <a:picLocks noChangeAspect="1"/>
+          </p:cNvPicPr>
+          <p:nvPr/>
+        </p:nvPicPr>
+        <p:blipFill>
+          <a:blip r:embed="rId20">
+            <a:extLst>
+              <a:ext uri="{28A0092B-C50C-407E-A947-70E740481C1C}">
+                <a14:useLocalDpi xmlns:a14="http://schemas.microsoft.com/office/drawing/2010/main" val="0"/>
+              </a:ext>
+              <a:ext uri="{96DAC541-7B7A-43D3-8B79-37D633B846F1}">
+                <asvg:svgBlip xmlns:asvg="http://schemas.microsoft.com/office/drawing/2016/SVG/main" r:embed="rId21"/>
+              </a:ext>
+            </a:extLst>
+          </a:blip>
+          <a:stretch>
+            <a:fillRect/>
+          </a:stretch>
+        </p:blipFill>
+        <p:spPr>
+          <a:xfrm>
+            <a:off x="174613" y="2971118"/>
+            <a:ext cx="540000" cy="540000"/>
+          </a:xfrm>
+          <a:prstGeom prst="rect">
+            <a:avLst/>
+          </a:prstGeom>
+        </p:spPr>
+      </p:pic>
+      <p:pic>
+        <p:nvPicPr>
+          <p:cNvPr id="63" name="Graphic 62">
+            <a:extLst>
+              <a:ext uri="{FF2B5EF4-FFF2-40B4-BE49-F238E27FC236}">
+                <a16:creationId xmlns:a16="http://schemas.microsoft.com/office/drawing/2014/main" id="{7A1A725A-2A6E-4E88-844E-5EDDF8067390}"/>
+              </a:ext>
+            </a:extLst>
+          </p:cNvPr>
+          <p:cNvPicPr>
+            <a:picLocks noChangeAspect="1"/>
+          </p:cNvPicPr>
+          <p:nvPr/>
+        </p:nvPicPr>
+        <p:blipFill>
+          <a:blip r:embed="rId22">
+            <a:extLst>
+              <a:ext uri="{28A0092B-C50C-407E-A947-70E740481C1C}">
+                <a14:useLocalDpi xmlns:a14="http://schemas.microsoft.com/office/drawing/2010/main" val="0"/>
+              </a:ext>
+              <a:ext uri="{96DAC541-7B7A-43D3-8B79-37D633B846F1}">
+                <asvg:svgBlip xmlns:asvg="http://schemas.microsoft.com/office/drawing/2016/SVG/main" r:embed="rId23"/>
+              </a:ext>
+            </a:extLst>
+          </a:blip>
+          <a:stretch>
+            <a:fillRect/>
+          </a:stretch>
+        </p:blipFill>
+        <p:spPr>
+          <a:xfrm>
+            <a:off x="188862" y="3989854"/>
+            <a:ext cx="472500" cy="540000"/>
+          </a:xfrm>
+          <a:prstGeom prst="rect">
+            <a:avLst/>
+          </a:prstGeom>
+        </p:spPr>
+      </p:pic>
+    </p:spTree>
+    <p:extLst>
+      <p:ext uri="{BB962C8B-B14F-4D97-AF65-F5344CB8AC3E}">
+        <p14:creationId xmlns:p14="http://schemas.microsoft.com/office/powerpoint/2010/main" val="4289275446"/>
+      </p:ext>
+    </p:extLst>
+  </p:cSld>
+  <p:clrMapOvr>
+    <a:masterClrMapping/>
+  </p:clrMapOvr>
+</p:sld>
+</file>
+
+<file path=ppt/slides/slide31.xml><?xml version="1.0" encoding="utf-8"?>
+<p:sld xmlns:a="http://schemas.openxmlformats.org/drawingml/2006/main" xmlns:r="http://schemas.openxmlformats.org/officeDocument/2006/relationships" xmlns:p="http://schemas.openxmlformats.org/presentationml/2006/main">
+  <p:cSld>
+    <p:spTree>
+      <p:nvGrpSpPr>
+        <p:cNvPr id="1" name=""/>
+        <p:cNvGrpSpPr/>
+        <p:nvPr/>
+      </p:nvGrpSpPr>
+      <p:grpSpPr>
+        <a:xfrm>
+          <a:off x="0" y="0"/>
+          <a:ext cx="0" cy="0"/>
+          <a:chOff x="0" y="0"/>
+          <a:chExt cx="0" cy="0"/>
+        </a:xfrm>
+      </p:grpSpPr>
+      <p:sp>
+        <p:nvSpPr>
+          <p:cNvPr id="20" name="Rectangle 19">
+            <a:extLst>
+              <a:ext uri="{FF2B5EF4-FFF2-40B4-BE49-F238E27FC236}">
+                <a16:creationId xmlns:a16="http://schemas.microsoft.com/office/drawing/2014/main" id="{4060C324-4318-4830-BE4D-80F7588567D5}"/>
+              </a:ext>
+            </a:extLst>
+          </p:cNvPr>
+          <p:cNvSpPr/>
+          <p:nvPr/>
+        </p:nvSpPr>
+        <p:spPr>
+          <a:xfrm>
+            <a:off x="0" y="718023"/>
+            <a:ext cx="4048125" cy="4750375"/>
+          </a:xfrm>
+          <a:prstGeom prst="rect">
+            <a:avLst/>
+          </a:prstGeom>
+          <a:solidFill>
+            <a:schemeClr val="accent5">
+              <a:lumMod val="60000"/>
+              <a:lumOff val="40000"/>
+            </a:schemeClr>
+          </a:solidFill>
+          <a:ln>
+            <a:noFill/>
+          </a:ln>
+        </p:spPr>
+        <p:style>
+          <a:lnRef idx="2">
+            <a:schemeClr val="accent1">
+              <a:shade val="50000"/>
+            </a:schemeClr>
+          </a:lnRef>
+          <a:fillRef idx="1">
+            <a:schemeClr val="accent1"/>
+          </a:fillRef>
+          <a:effectRef idx="0">
+            <a:schemeClr val="accent1"/>
+          </a:effectRef>
+          <a:fontRef idx="minor">
+            <a:schemeClr val="lt1"/>
+          </a:fontRef>
+        </p:style>
+        <p:txBody>
+          <a:bodyPr rtlCol="0" anchor="ctr"/>
+          <a:lstStyle/>
+          <a:p>
+            <a:pPr algn="ctr"/>
+            <a:endParaRPr lang="en-US" u="sng" dirty="0"/>
+          </a:p>
+        </p:txBody>
+      </p:sp>
+      <p:sp>
+        <p:nvSpPr>
+          <p:cNvPr id="5" name="Rectangle 4">
+            <a:extLst>
+              <a:ext uri="{FF2B5EF4-FFF2-40B4-BE49-F238E27FC236}">
+                <a16:creationId xmlns:a16="http://schemas.microsoft.com/office/drawing/2014/main" id="{DD6F78D1-EB25-4C39-8595-0B180702B60C}"/>
+              </a:ext>
+            </a:extLst>
+          </p:cNvPr>
+          <p:cNvSpPr/>
+          <p:nvPr/>
+        </p:nvSpPr>
+        <p:spPr>
+          <a:xfrm>
+            <a:off x="0" y="5468400"/>
+            <a:ext cx="9753600" cy="4285200"/>
+          </a:xfrm>
+          <a:prstGeom prst="rect">
+            <a:avLst/>
+          </a:prstGeom>
+          <a:ln>
+            <a:noFill/>
+          </a:ln>
+        </p:spPr>
+        <p:style>
+          <a:lnRef idx="2">
+            <a:schemeClr val="dk1">
+              <a:shade val="50000"/>
+            </a:schemeClr>
+          </a:lnRef>
+          <a:fillRef idx="1">
+            <a:schemeClr val="dk1"/>
+          </a:fillRef>
+          <a:effectRef idx="0">
+            <a:schemeClr val="dk1"/>
+          </a:effectRef>
+          <a:fontRef idx="minor">
+            <a:schemeClr val="lt1"/>
+          </a:fontRef>
+        </p:style>
+        <p:txBody>
+          <a:bodyPr rtlCol="0" anchor="ctr"/>
+          <a:lstStyle/>
+          <a:p>
+            <a:pPr algn="ctr"/>
+            <a:r>
+              <a:rPr lang="de-DE" sz="4000" i="1" dirty="0" err="1"/>
+              <a:t>Placeholder</a:t>
+            </a:r>
+            <a:r>
+              <a:rPr lang="de-DE" sz="4000" i="1" dirty="0"/>
+              <a:t> / not in </a:t>
+            </a:r>
+            <a:r>
+              <a:rPr lang="de-DE" sz="4000" i="1" dirty="0" err="1"/>
+              <a:t>use</a:t>
+            </a:r>
+            <a:r>
+              <a:rPr lang="de-DE" sz="4000" i="1" dirty="0"/>
+              <a:t>!</a:t>
+            </a:r>
+            <a:endParaRPr lang="en-US" sz="4000" i="1" dirty="0"/>
+          </a:p>
+        </p:txBody>
+      </p:sp>
+      <p:sp>
+        <p:nvSpPr>
+          <p:cNvPr id="6" name="Rectangle 5">
+            <a:extLst>
+              <a:ext uri="{FF2B5EF4-FFF2-40B4-BE49-F238E27FC236}">
+                <a16:creationId xmlns:a16="http://schemas.microsoft.com/office/drawing/2014/main" id="{0B533615-A8B2-4915-AB6A-1B5C08FD6089}"/>
+              </a:ext>
+            </a:extLst>
+          </p:cNvPr>
+          <p:cNvSpPr/>
+          <p:nvPr/>
+        </p:nvSpPr>
+        <p:spPr>
+          <a:xfrm>
+            <a:off x="0" y="0"/>
+            <a:ext cx="9753600" cy="720000"/>
+          </a:xfrm>
+          <a:prstGeom prst="rect">
+            <a:avLst/>
+          </a:prstGeom>
+          <a:solidFill>
+            <a:srgbClr val="0070C0"/>
+          </a:solidFill>
+          <a:ln>
+            <a:noFill/>
+          </a:ln>
+        </p:spPr>
+        <p:style>
+          <a:lnRef idx="2">
+            <a:schemeClr val="accent1">
+              <a:shade val="50000"/>
+            </a:schemeClr>
+          </a:lnRef>
+          <a:fillRef idx="1">
+            <a:schemeClr val="accent1"/>
+          </a:fillRef>
+          <a:effectRef idx="0">
+            <a:schemeClr val="accent1"/>
+          </a:effectRef>
+          <a:fontRef idx="minor">
+            <a:schemeClr val="lt1"/>
+          </a:fontRef>
+        </p:style>
+        <p:txBody>
+          <a:bodyPr rtlCol="0" anchor="ctr"/>
+          <a:lstStyle/>
+          <a:p>
+            <a:pPr algn="ctr"/>
+            <a:endParaRPr lang="en-US"/>
+          </a:p>
+        </p:txBody>
+      </p:sp>
+      <p:sp>
+        <p:nvSpPr>
+          <p:cNvPr id="7" name="Rectangle 6">
+            <a:extLst>
+              <a:ext uri="{FF2B5EF4-FFF2-40B4-BE49-F238E27FC236}">
+                <a16:creationId xmlns:a16="http://schemas.microsoft.com/office/drawing/2014/main" id="{00FD9BF4-04BC-4A2D-ADE9-7EE3508D232E}"/>
+              </a:ext>
+            </a:extLst>
+          </p:cNvPr>
+          <p:cNvSpPr/>
+          <p:nvPr/>
+        </p:nvSpPr>
+        <p:spPr>
+          <a:xfrm>
+            <a:off x="7330440" y="-1"/>
+            <a:ext cx="1080000" cy="720000"/>
+          </a:xfrm>
+          <a:prstGeom prst="rect">
+            <a:avLst/>
+          </a:prstGeom>
+          <a:solidFill>
+            <a:schemeClr val="bg1"/>
+          </a:solidFill>
+          <a:ln>
+            <a:noFill/>
+          </a:ln>
+        </p:spPr>
+        <p:style>
+          <a:lnRef idx="2">
+            <a:schemeClr val="accent1">
+              <a:shade val="50000"/>
+            </a:schemeClr>
+          </a:lnRef>
+          <a:fillRef idx="1">
+            <a:schemeClr val="accent1"/>
+          </a:fillRef>
+          <a:effectRef idx="0">
+            <a:schemeClr val="accent1"/>
+          </a:effectRef>
+          <a:fontRef idx="minor">
+            <a:schemeClr val="lt1"/>
+          </a:fontRef>
+        </p:style>
+        <p:txBody>
+          <a:bodyPr rtlCol="0" anchor="ctr"/>
+          <a:lstStyle/>
+          <a:p>
+            <a:pPr algn="ctr"/>
+            <a:endParaRPr lang="en-US" sz="2000" dirty="0"/>
+          </a:p>
+        </p:txBody>
+      </p:sp>
+      <p:sp>
+        <p:nvSpPr>
+          <p:cNvPr id="26" name="Rectangle 25">
+            <a:extLst>
+              <a:ext uri="{FF2B5EF4-FFF2-40B4-BE49-F238E27FC236}">
+                <a16:creationId xmlns:a16="http://schemas.microsoft.com/office/drawing/2014/main" id="{E6D2C0B5-5EA5-45EA-9D84-A71BA0ABC842}"/>
+              </a:ext>
+            </a:extLst>
+          </p:cNvPr>
+          <p:cNvSpPr/>
+          <p:nvPr/>
+        </p:nvSpPr>
+        <p:spPr>
+          <a:xfrm>
+            <a:off x="0" y="4748399"/>
+            <a:ext cx="9753600" cy="720000"/>
+          </a:xfrm>
+          <a:prstGeom prst="rect">
+            <a:avLst/>
+          </a:prstGeom>
+          <a:solidFill>
+            <a:srgbClr val="0070C0"/>
+          </a:solidFill>
+          <a:ln>
+            <a:noFill/>
+          </a:ln>
+        </p:spPr>
+        <p:style>
+          <a:lnRef idx="2">
+            <a:schemeClr val="accent1">
+              <a:shade val="50000"/>
+            </a:schemeClr>
+          </a:lnRef>
+          <a:fillRef idx="1">
+            <a:schemeClr val="accent1"/>
+          </a:fillRef>
+          <a:effectRef idx="0">
+            <a:schemeClr val="accent1"/>
+          </a:effectRef>
+          <a:fontRef idx="minor">
+            <a:schemeClr val="lt1"/>
+          </a:fontRef>
+        </p:style>
+        <p:txBody>
+          <a:bodyPr rtlCol="0" anchor="ctr"/>
+          <a:lstStyle/>
+          <a:p>
+            <a:pPr algn="ctr"/>
+            <a:endParaRPr lang="en-US"/>
+          </a:p>
+        </p:txBody>
+      </p:sp>
+      <p:sp>
+        <p:nvSpPr>
+          <p:cNvPr id="54" name="Rectangle: Rounded Corners 53">
+            <a:extLst>
+              <a:ext uri="{FF2B5EF4-FFF2-40B4-BE49-F238E27FC236}">
+                <a16:creationId xmlns:a16="http://schemas.microsoft.com/office/drawing/2014/main" id="{EC23ABED-4620-47B9-B28E-F9F722C0A6A0}"/>
+              </a:ext>
+            </a:extLst>
+          </p:cNvPr>
+          <p:cNvSpPr/>
+          <p:nvPr/>
+        </p:nvSpPr>
+        <p:spPr>
+          <a:xfrm>
+            <a:off x="4156799" y="4793399"/>
+            <a:ext cx="1440000" cy="630000"/>
+          </a:xfrm>
+          <a:prstGeom prst="roundRect">
+            <a:avLst/>
+          </a:prstGeom>
+          <a:solidFill>
+            <a:srgbClr val="FF0000"/>
+          </a:solidFill>
+          <a:ln>
+            <a:noFill/>
+          </a:ln>
+        </p:spPr>
+        <p:style>
+          <a:lnRef idx="2">
+            <a:schemeClr val="accent1">
+              <a:shade val="50000"/>
+            </a:schemeClr>
+          </a:lnRef>
+          <a:fillRef idx="1">
+            <a:schemeClr val="accent1"/>
+          </a:fillRef>
+          <a:effectRef idx="0">
+            <a:schemeClr val="accent1"/>
+          </a:effectRef>
+          <a:fontRef idx="minor">
+            <a:schemeClr val="lt1"/>
+          </a:fontRef>
+        </p:style>
+        <p:txBody>
+          <a:bodyPr rtlCol="0" anchor="ctr"/>
+          <a:lstStyle/>
+          <a:p>
+            <a:pPr algn="ctr"/>
+            <a:r>
+              <a:rPr lang="de-DE" b="1" dirty="0"/>
+              <a:t>Unfall!</a:t>
+            </a:r>
+            <a:endParaRPr lang="en-US" b="1" dirty="0"/>
+          </a:p>
+        </p:txBody>
+      </p:sp>
+      <p:sp>
+        <p:nvSpPr>
+          <p:cNvPr id="70" name="Rectangle: Rounded Corners 69">
+            <a:extLst>
+              <a:ext uri="{FF2B5EF4-FFF2-40B4-BE49-F238E27FC236}">
+                <a16:creationId xmlns:a16="http://schemas.microsoft.com/office/drawing/2014/main" id="{80517794-0EDD-4DC3-82C6-185B6A8F0303}"/>
+              </a:ext>
+            </a:extLst>
+          </p:cNvPr>
+          <p:cNvSpPr/>
+          <p:nvPr/>
+        </p:nvSpPr>
+        <p:spPr>
+          <a:xfrm>
+            <a:off x="721963" y="4794250"/>
+            <a:ext cx="630000" cy="630000"/>
+          </a:xfrm>
+          <a:prstGeom prst="roundRect">
+            <a:avLst/>
+          </a:prstGeom>
+          <a:solidFill>
+            <a:schemeClr val="accent4"/>
+          </a:solidFill>
+          <a:ln>
+            <a:noFill/>
+          </a:ln>
+        </p:spPr>
+        <p:style>
+          <a:lnRef idx="2">
+            <a:schemeClr val="accent1">
+              <a:shade val="50000"/>
+            </a:schemeClr>
+          </a:lnRef>
+          <a:fillRef idx="1">
+            <a:schemeClr val="accent1"/>
+          </a:fillRef>
+          <a:effectRef idx="0">
+            <a:schemeClr val="accent1"/>
+          </a:effectRef>
+          <a:fontRef idx="minor">
+            <a:schemeClr val="lt1"/>
+          </a:fontRef>
+        </p:style>
+        <p:txBody>
+          <a:bodyPr rtlCol="0" anchor="ctr"/>
+          <a:lstStyle/>
+          <a:p>
+            <a:pPr algn="ctr"/>
+            <a:endParaRPr lang="en-US" dirty="0"/>
+          </a:p>
+        </p:txBody>
+      </p:sp>
+      <p:pic>
+        <p:nvPicPr>
+          <p:cNvPr id="71" name="Graphic 70">
+            <a:extLst>
+              <a:ext uri="{FF2B5EF4-FFF2-40B4-BE49-F238E27FC236}">
+                <a16:creationId xmlns:a16="http://schemas.microsoft.com/office/drawing/2014/main" id="{35627AA6-0E13-4992-9B9F-37AF8D357652}"/>
+              </a:ext>
+            </a:extLst>
+          </p:cNvPr>
+          <p:cNvPicPr>
+            <a:picLocks noChangeAspect="1"/>
+          </p:cNvPicPr>
+          <p:nvPr/>
+        </p:nvPicPr>
+        <p:blipFill>
+          <a:blip r:embed="rId2">
+            <a:extLst>
+              <a:ext uri="{28A0092B-C50C-407E-A947-70E740481C1C}">
+                <a14:useLocalDpi xmlns:a14="http://schemas.microsoft.com/office/drawing/2010/main" val="0"/>
+              </a:ext>
+              <a:ext uri="{96DAC541-7B7A-43D3-8B79-37D633B846F1}">
+                <asvg:svgBlip xmlns:asvg="http://schemas.microsoft.com/office/drawing/2016/SVG/main" r:embed="rId3"/>
+              </a:ext>
+            </a:extLst>
+          </a:blip>
+          <a:stretch>
+            <a:fillRect/>
+          </a:stretch>
+        </p:blipFill>
+        <p:spPr>
+          <a:xfrm>
+            <a:off x="840088" y="4883399"/>
+            <a:ext cx="393750" cy="450000"/>
+          </a:xfrm>
+          <a:prstGeom prst="rect">
+            <a:avLst/>
+          </a:prstGeom>
+        </p:spPr>
+      </p:pic>
+      <p:sp>
+        <p:nvSpPr>
+          <p:cNvPr id="49" name="Rectangle: Rounded Corners 48">
+            <a:extLst>
+              <a:ext uri="{FF2B5EF4-FFF2-40B4-BE49-F238E27FC236}">
+                <a16:creationId xmlns:a16="http://schemas.microsoft.com/office/drawing/2014/main" id="{FDD4C75D-1091-4515-9B36-2481AB871986}"/>
+              </a:ext>
+            </a:extLst>
+          </p:cNvPr>
+          <p:cNvSpPr/>
+          <p:nvPr/>
+        </p:nvSpPr>
+        <p:spPr>
+          <a:xfrm>
+            <a:off x="46963" y="4794250"/>
+            <a:ext cx="630000" cy="630000"/>
+          </a:xfrm>
+          <a:prstGeom prst="roundRect">
+            <a:avLst/>
+          </a:prstGeom>
+          <a:solidFill>
+            <a:schemeClr val="accent5">
+              <a:lumMod val="60000"/>
+              <a:lumOff val="40000"/>
+            </a:schemeClr>
+          </a:solidFill>
+          <a:ln>
+            <a:noFill/>
+          </a:ln>
+        </p:spPr>
+        <p:style>
+          <a:lnRef idx="2">
+            <a:schemeClr val="accent1">
+              <a:shade val="50000"/>
+            </a:schemeClr>
+          </a:lnRef>
+          <a:fillRef idx="1">
+            <a:schemeClr val="accent1"/>
+          </a:fillRef>
+          <a:effectRef idx="0">
+            <a:schemeClr val="accent1"/>
+          </a:effectRef>
+          <a:fontRef idx="minor">
+            <a:schemeClr val="lt1"/>
+          </a:fontRef>
+        </p:style>
+        <p:txBody>
+          <a:bodyPr rtlCol="0" anchor="ctr"/>
+          <a:lstStyle/>
+          <a:p>
+            <a:pPr algn="ctr"/>
+            <a:endParaRPr lang="en-US" dirty="0"/>
+          </a:p>
+        </p:txBody>
+      </p:sp>
+      <p:pic>
+        <p:nvPicPr>
+          <p:cNvPr id="50" name="Graphic 49">
+            <a:extLst>
+              <a:ext uri="{FF2B5EF4-FFF2-40B4-BE49-F238E27FC236}">
+                <a16:creationId xmlns:a16="http://schemas.microsoft.com/office/drawing/2014/main" id="{D117119E-0435-4DCE-B029-5553A8C64807}"/>
+              </a:ext>
+            </a:extLst>
+          </p:cNvPr>
+          <p:cNvPicPr>
+            <a:picLocks noChangeAspect="1"/>
+          </p:cNvPicPr>
+          <p:nvPr/>
+        </p:nvPicPr>
+        <p:blipFill>
+          <a:blip r:embed="rId4">
+            <a:extLst>
+              <a:ext uri="{28A0092B-C50C-407E-A947-70E740481C1C}">
+                <a14:useLocalDpi xmlns:a14="http://schemas.microsoft.com/office/drawing/2010/main" val="0"/>
+              </a:ext>
+              <a:ext uri="{96DAC541-7B7A-43D3-8B79-37D633B846F1}">
+                <asvg:svgBlip xmlns:asvg="http://schemas.microsoft.com/office/drawing/2016/SVG/main" r:embed="rId5"/>
+              </a:ext>
+            </a:extLst>
+          </a:blip>
+          <a:stretch>
+            <a:fillRect/>
+          </a:stretch>
+        </p:blipFill>
+        <p:spPr>
+          <a:xfrm>
+            <a:off x="165088" y="4881635"/>
+            <a:ext cx="393750" cy="450000"/>
+          </a:xfrm>
+          <a:prstGeom prst="rect">
+            <a:avLst/>
+          </a:prstGeom>
+        </p:spPr>
+      </p:pic>
+      <p:sp>
+        <p:nvSpPr>
+          <p:cNvPr id="53" name="Rectangle: Rounded Corners 52">
+            <a:extLst>
+              <a:ext uri="{FF2B5EF4-FFF2-40B4-BE49-F238E27FC236}">
+                <a16:creationId xmlns:a16="http://schemas.microsoft.com/office/drawing/2014/main" id="{7283464F-F4FE-4EFD-B1B4-EE25B4D9B151}"/>
+              </a:ext>
+            </a:extLst>
+          </p:cNvPr>
+          <p:cNvSpPr/>
+          <p:nvPr/>
+        </p:nvSpPr>
+        <p:spPr>
+          <a:xfrm>
+            <a:off x="-146820" y="853440"/>
+            <a:ext cx="3979680" cy="720000"/>
+          </a:xfrm>
+          <a:prstGeom prst="roundRect">
+            <a:avLst/>
+          </a:prstGeom>
+          <a:solidFill>
+            <a:srgbClr val="0070C0"/>
+          </a:solidFill>
+          <a:ln>
+            <a:noFill/>
+          </a:ln>
+        </p:spPr>
+        <p:style>
+          <a:lnRef idx="2">
+            <a:schemeClr val="accent1">
+              <a:shade val="50000"/>
+            </a:schemeClr>
+          </a:lnRef>
+          <a:fillRef idx="1">
+            <a:schemeClr val="accent1"/>
+          </a:fillRef>
+          <a:effectRef idx="0">
+            <a:schemeClr val="accent1"/>
+          </a:effectRef>
+          <a:fontRef idx="minor">
+            <a:schemeClr val="lt1"/>
+          </a:fontRef>
+        </p:style>
+        <p:txBody>
+          <a:bodyPr lIns="1080000" rtlCol="0" anchor="ctr"/>
+          <a:lstStyle/>
+          <a:p>
+            <a:r>
+              <a:rPr lang="de-DE" sz="2200" dirty="0"/>
+              <a:t>Display &amp; Darstellung</a:t>
+            </a:r>
+          </a:p>
+        </p:txBody>
+      </p:sp>
+      <p:sp>
+        <p:nvSpPr>
+          <p:cNvPr id="56" name="Rectangle 55">
+            <a:extLst>
+              <a:ext uri="{FF2B5EF4-FFF2-40B4-BE49-F238E27FC236}">
+                <a16:creationId xmlns:a16="http://schemas.microsoft.com/office/drawing/2014/main" id="{31602AAF-0902-4714-A7A4-9ECAC9F0E1EB}"/>
+              </a:ext>
+            </a:extLst>
+          </p:cNvPr>
+          <p:cNvSpPr/>
+          <p:nvPr/>
+        </p:nvSpPr>
+        <p:spPr>
+          <a:xfrm>
+            <a:off x="-146821" y="1867279"/>
+            <a:ext cx="4194946" cy="720000"/>
+          </a:xfrm>
+          <a:prstGeom prst="rect">
+            <a:avLst/>
+          </a:prstGeom>
+          <a:solidFill>
+            <a:schemeClr val="accent5">
+              <a:lumMod val="50000"/>
+            </a:schemeClr>
+          </a:solidFill>
+          <a:ln>
+            <a:noFill/>
+          </a:ln>
+        </p:spPr>
+        <p:style>
+          <a:lnRef idx="2">
+            <a:schemeClr val="accent1">
+              <a:shade val="50000"/>
+            </a:schemeClr>
+          </a:lnRef>
+          <a:fillRef idx="1">
+            <a:schemeClr val="accent1"/>
+          </a:fillRef>
+          <a:effectRef idx="0">
+            <a:schemeClr val="accent1"/>
+          </a:effectRef>
+          <a:fontRef idx="minor">
+            <a:schemeClr val="lt1"/>
+          </a:fontRef>
+        </p:style>
+        <p:txBody>
+          <a:bodyPr lIns="1080000" rtlCol="0" anchor="ctr"/>
+          <a:lstStyle/>
+          <a:p>
+            <a:r>
+              <a:rPr lang="de-DE" sz="2200" b="1" dirty="0"/>
+              <a:t>Beschilderung &amp; Fahrgastinformation</a:t>
+            </a:r>
+          </a:p>
+        </p:txBody>
+      </p:sp>
+      <p:sp>
+        <p:nvSpPr>
+          <p:cNvPr id="58" name="Rectangle: Rounded Corners 57">
+            <a:extLst>
+              <a:ext uri="{FF2B5EF4-FFF2-40B4-BE49-F238E27FC236}">
+                <a16:creationId xmlns:a16="http://schemas.microsoft.com/office/drawing/2014/main" id="{A5D17050-732E-46A2-81E9-D669F4260099}"/>
+              </a:ext>
+            </a:extLst>
+          </p:cNvPr>
+          <p:cNvSpPr/>
+          <p:nvPr/>
+        </p:nvSpPr>
+        <p:spPr>
+          <a:xfrm>
+            <a:off x="-146821" y="3894958"/>
+            <a:ext cx="3979681" cy="720000"/>
+          </a:xfrm>
+          <a:prstGeom prst="roundRect">
+            <a:avLst/>
+          </a:prstGeom>
+          <a:solidFill>
+            <a:srgbClr val="0070C0"/>
+          </a:solidFill>
+          <a:ln>
+            <a:noFill/>
+          </a:ln>
+        </p:spPr>
+        <p:style>
+          <a:lnRef idx="2">
+            <a:schemeClr val="accent1">
+              <a:shade val="50000"/>
+            </a:schemeClr>
+          </a:lnRef>
+          <a:fillRef idx="1">
+            <a:schemeClr val="accent1"/>
+          </a:fillRef>
+          <a:effectRef idx="0">
+            <a:schemeClr val="accent1"/>
+          </a:effectRef>
+          <a:fontRef idx="minor">
+            <a:schemeClr val="lt1"/>
+          </a:fontRef>
+        </p:style>
+        <p:txBody>
+          <a:bodyPr lIns="1080000" rtlCol="0" anchor="ctr"/>
+          <a:lstStyle/>
+          <a:p>
+            <a:r>
+              <a:rPr lang="de-DE" sz="2200" dirty="0"/>
+              <a:t>Sonstiges </a:t>
+            </a:r>
+          </a:p>
+        </p:txBody>
+      </p:sp>
+      <p:sp>
+        <p:nvSpPr>
+          <p:cNvPr id="59" name="Rectangle: Rounded Corners 58">
+            <a:extLst>
+              <a:ext uri="{FF2B5EF4-FFF2-40B4-BE49-F238E27FC236}">
+                <a16:creationId xmlns:a16="http://schemas.microsoft.com/office/drawing/2014/main" id="{8E387CF4-D6C5-4EB3-B94F-029025483D3B}"/>
+              </a:ext>
+            </a:extLst>
+          </p:cNvPr>
+          <p:cNvSpPr/>
+          <p:nvPr/>
+        </p:nvSpPr>
+        <p:spPr>
+          <a:xfrm>
+            <a:off x="-146821" y="2881118"/>
+            <a:ext cx="3979681" cy="720000"/>
+          </a:xfrm>
+          <a:prstGeom prst="roundRect">
+            <a:avLst/>
+          </a:prstGeom>
+          <a:solidFill>
+            <a:srgbClr val="0070C0"/>
+          </a:solidFill>
+          <a:ln>
+            <a:noFill/>
+          </a:ln>
+        </p:spPr>
+        <p:style>
+          <a:lnRef idx="2">
+            <a:schemeClr val="accent1">
+              <a:shade val="50000"/>
+            </a:schemeClr>
+          </a:lnRef>
+          <a:fillRef idx="1">
+            <a:schemeClr val="accent1"/>
+          </a:fillRef>
+          <a:effectRef idx="0">
+            <a:schemeClr val="accent1"/>
+          </a:effectRef>
+          <a:fontRef idx="minor">
+            <a:schemeClr val="lt1"/>
+          </a:fontRef>
+        </p:style>
+        <p:txBody>
+          <a:bodyPr lIns="1080000" rtlCol="0" anchor="ctr"/>
+          <a:lstStyle/>
+          <a:p>
+            <a:r>
+              <a:rPr lang="de-DE" sz="2200" dirty="0"/>
+              <a:t>Gerät &amp; Hardware</a:t>
+            </a:r>
+          </a:p>
+        </p:txBody>
+      </p:sp>
+      <p:pic>
+        <p:nvPicPr>
+          <p:cNvPr id="3" name="Graphic 2">
+            <a:extLst>
+              <a:ext uri="{FF2B5EF4-FFF2-40B4-BE49-F238E27FC236}">
+                <a16:creationId xmlns:a16="http://schemas.microsoft.com/office/drawing/2014/main" id="{58FB5B8B-DA92-4BC4-B935-FF37529B0CBC}"/>
+              </a:ext>
+            </a:extLst>
+          </p:cNvPr>
+          <p:cNvPicPr>
+            <a:picLocks noChangeAspect="1"/>
+          </p:cNvPicPr>
+          <p:nvPr/>
+        </p:nvPicPr>
+        <p:blipFill>
+          <a:blip r:embed="rId6">
+            <a:extLst>
+              <a:ext uri="{28A0092B-C50C-407E-A947-70E740481C1C}">
+                <a14:useLocalDpi xmlns:a14="http://schemas.microsoft.com/office/drawing/2010/main" val="0"/>
+              </a:ext>
+              <a:ext uri="{96DAC541-7B7A-43D3-8B79-37D633B846F1}">
+                <asvg:svgBlip xmlns:asvg="http://schemas.microsoft.com/office/drawing/2016/SVG/main" r:embed="rId7"/>
+              </a:ext>
+            </a:extLst>
+          </a:blip>
+          <a:stretch>
+            <a:fillRect/>
+          </a:stretch>
+        </p:blipFill>
+        <p:spPr>
+          <a:xfrm>
+            <a:off x="165088" y="946468"/>
+            <a:ext cx="607500" cy="540000"/>
+          </a:xfrm>
+          <a:prstGeom prst="rect">
+            <a:avLst/>
+          </a:prstGeom>
+        </p:spPr>
+      </p:pic>
+      <p:pic>
+        <p:nvPicPr>
+          <p:cNvPr id="8" name="Graphic 7">
+            <a:extLst>
+              <a:ext uri="{FF2B5EF4-FFF2-40B4-BE49-F238E27FC236}">
+                <a16:creationId xmlns:a16="http://schemas.microsoft.com/office/drawing/2014/main" id="{33E007EB-FAE5-494F-AB95-FFA15FCB2CE3}"/>
+              </a:ext>
+            </a:extLst>
+          </p:cNvPr>
+          <p:cNvPicPr>
+            <a:picLocks noChangeAspect="1"/>
+          </p:cNvPicPr>
+          <p:nvPr/>
+        </p:nvPicPr>
+        <p:blipFill>
+          <a:blip r:embed="rId8">
+            <a:extLst>
+              <a:ext uri="{28A0092B-C50C-407E-A947-70E740481C1C}">
+                <a14:useLocalDpi xmlns:a14="http://schemas.microsoft.com/office/drawing/2010/main" val="0"/>
+              </a:ext>
+              <a:ext uri="{96DAC541-7B7A-43D3-8B79-37D633B846F1}">
+                <asvg:svgBlip xmlns:asvg="http://schemas.microsoft.com/office/drawing/2016/SVG/main" r:embed="rId9"/>
+              </a:ext>
+            </a:extLst>
+          </a:blip>
+          <a:stretch>
+            <a:fillRect/>
+          </a:stretch>
+        </p:blipFill>
+        <p:spPr>
+          <a:xfrm>
+            <a:off x="204990" y="1957279"/>
+            <a:ext cx="540000" cy="540000"/>
+          </a:xfrm>
+          <a:prstGeom prst="rect">
+            <a:avLst/>
+          </a:prstGeom>
+        </p:spPr>
+      </p:pic>
+      <p:pic>
+        <p:nvPicPr>
+          <p:cNvPr id="10" name="Graphic 9">
+            <a:extLst>
+              <a:ext uri="{FF2B5EF4-FFF2-40B4-BE49-F238E27FC236}">
+                <a16:creationId xmlns:a16="http://schemas.microsoft.com/office/drawing/2014/main" id="{2CFA6614-755B-45F8-86FD-956379708FB0}"/>
+              </a:ext>
+            </a:extLst>
+          </p:cNvPr>
+          <p:cNvPicPr>
+            <a:picLocks noChangeAspect="1"/>
+          </p:cNvPicPr>
+          <p:nvPr/>
+        </p:nvPicPr>
+        <p:blipFill>
+          <a:blip r:embed="rId10">
+            <a:extLst>
+              <a:ext uri="{28A0092B-C50C-407E-A947-70E740481C1C}">
+                <a14:useLocalDpi xmlns:a14="http://schemas.microsoft.com/office/drawing/2010/main" val="0"/>
+              </a:ext>
+              <a:ext uri="{96DAC541-7B7A-43D3-8B79-37D633B846F1}">
+                <asvg:svgBlip xmlns:asvg="http://schemas.microsoft.com/office/drawing/2016/SVG/main" r:embed="rId11"/>
+              </a:ext>
+            </a:extLst>
+          </a:blip>
+          <a:stretch>
+            <a:fillRect/>
+          </a:stretch>
+        </p:blipFill>
+        <p:spPr>
+          <a:xfrm>
+            <a:off x="174613" y="2971118"/>
+            <a:ext cx="540000" cy="540000"/>
+          </a:xfrm>
+          <a:prstGeom prst="rect">
+            <a:avLst/>
+          </a:prstGeom>
+        </p:spPr>
+      </p:pic>
+      <p:pic>
+        <p:nvPicPr>
+          <p:cNvPr id="63" name="Graphic 62">
+            <a:extLst>
+              <a:ext uri="{FF2B5EF4-FFF2-40B4-BE49-F238E27FC236}">
+                <a16:creationId xmlns:a16="http://schemas.microsoft.com/office/drawing/2014/main" id="{7A1A725A-2A6E-4E88-844E-5EDDF8067390}"/>
+              </a:ext>
+            </a:extLst>
+          </p:cNvPr>
+          <p:cNvPicPr>
+            <a:picLocks noChangeAspect="1"/>
+          </p:cNvPicPr>
+          <p:nvPr/>
+        </p:nvPicPr>
+        <p:blipFill>
+          <a:blip r:embed="rId12">
+            <a:extLst>
+              <a:ext uri="{28A0092B-C50C-407E-A947-70E740481C1C}">
+                <a14:useLocalDpi xmlns:a14="http://schemas.microsoft.com/office/drawing/2010/main" val="0"/>
+              </a:ext>
+              <a:ext uri="{96DAC541-7B7A-43D3-8B79-37D633B846F1}">
+                <asvg:svgBlip xmlns:asvg="http://schemas.microsoft.com/office/drawing/2016/SVG/main" r:embed="rId13"/>
+              </a:ext>
+            </a:extLst>
+          </a:blip>
+          <a:stretch>
+            <a:fillRect/>
+          </a:stretch>
+        </p:blipFill>
+        <p:spPr>
+          <a:xfrm>
+            <a:off x="188862" y="3989854"/>
+            <a:ext cx="472500" cy="540000"/>
+          </a:xfrm>
+          <a:prstGeom prst="rect">
+            <a:avLst/>
+          </a:prstGeom>
+        </p:spPr>
+      </p:pic>
+    </p:spTree>
+    <p:extLst>
+      <p:ext uri="{BB962C8B-B14F-4D97-AF65-F5344CB8AC3E}">
+        <p14:creationId xmlns:p14="http://schemas.microsoft.com/office/powerpoint/2010/main" val="3902549485"/>
+      </p:ext>
+    </p:extLst>
+  </p:cSld>
+  <p:clrMapOvr>
+    <a:masterClrMapping/>
+  </p:clrMapOvr>
+</p:sld>
+</file>
+
+<file path=ppt/slides/slide32.xml><?xml version="1.0" encoding="utf-8"?>
+<p:sld xmlns:a="http://schemas.openxmlformats.org/drawingml/2006/main" xmlns:r="http://schemas.openxmlformats.org/officeDocument/2006/relationships" xmlns:p="http://schemas.openxmlformats.org/presentationml/2006/main">
+  <p:cSld>
+    <p:spTree>
+      <p:nvGrpSpPr>
+        <p:cNvPr id="1" name=""/>
+        <p:cNvGrpSpPr/>
+        <p:nvPr/>
+      </p:nvGrpSpPr>
+      <p:grpSpPr>
+        <a:xfrm>
+          <a:off x="0" y="0"/>
+          <a:ext cx="0" cy="0"/>
+          <a:chOff x="0" y="0"/>
+          <a:chExt cx="0" cy="0"/>
+        </a:xfrm>
+      </p:grpSpPr>
+      <p:sp>
+        <p:nvSpPr>
+          <p:cNvPr id="20" name="Rectangle 19">
+            <a:extLst>
+              <a:ext uri="{FF2B5EF4-FFF2-40B4-BE49-F238E27FC236}">
+                <a16:creationId xmlns:a16="http://schemas.microsoft.com/office/drawing/2014/main" id="{4060C324-4318-4830-BE4D-80F7588567D5}"/>
+              </a:ext>
+            </a:extLst>
+          </p:cNvPr>
+          <p:cNvSpPr/>
+          <p:nvPr/>
+        </p:nvSpPr>
+        <p:spPr>
+          <a:xfrm>
+            <a:off x="0" y="718023"/>
+            <a:ext cx="4048125" cy="4750375"/>
+          </a:xfrm>
+          <a:prstGeom prst="rect">
+            <a:avLst/>
+          </a:prstGeom>
+          <a:solidFill>
+            <a:schemeClr val="accent5">
+              <a:lumMod val="60000"/>
+              <a:lumOff val="40000"/>
+            </a:schemeClr>
+          </a:solidFill>
+          <a:ln>
+            <a:noFill/>
+          </a:ln>
+        </p:spPr>
+        <p:style>
+          <a:lnRef idx="2">
+            <a:schemeClr val="accent1">
+              <a:shade val="50000"/>
+            </a:schemeClr>
+          </a:lnRef>
+          <a:fillRef idx="1">
+            <a:schemeClr val="accent1"/>
+          </a:fillRef>
+          <a:effectRef idx="0">
+            <a:schemeClr val="accent1"/>
+          </a:effectRef>
+          <a:fontRef idx="minor">
+            <a:schemeClr val="lt1"/>
+          </a:fontRef>
+        </p:style>
+        <p:txBody>
+          <a:bodyPr rtlCol="0" anchor="ctr"/>
+          <a:lstStyle/>
+          <a:p>
+            <a:pPr algn="ctr"/>
+            <a:endParaRPr lang="en-US" u="sng" dirty="0"/>
+          </a:p>
+        </p:txBody>
+      </p:sp>
+      <p:sp>
+        <p:nvSpPr>
+          <p:cNvPr id="5" name="Rectangle 4">
+            <a:extLst>
+              <a:ext uri="{FF2B5EF4-FFF2-40B4-BE49-F238E27FC236}">
+                <a16:creationId xmlns:a16="http://schemas.microsoft.com/office/drawing/2014/main" id="{DD6F78D1-EB25-4C39-8595-0B180702B60C}"/>
+              </a:ext>
+            </a:extLst>
+          </p:cNvPr>
+          <p:cNvSpPr/>
+          <p:nvPr/>
+        </p:nvSpPr>
+        <p:spPr>
+          <a:xfrm>
+            <a:off x="0" y="5468400"/>
+            <a:ext cx="9753600" cy="4285200"/>
+          </a:xfrm>
+          <a:prstGeom prst="rect">
+            <a:avLst/>
+          </a:prstGeom>
+          <a:ln>
+            <a:noFill/>
+          </a:ln>
+        </p:spPr>
+        <p:style>
+          <a:lnRef idx="2">
+            <a:schemeClr val="dk1">
+              <a:shade val="50000"/>
+            </a:schemeClr>
+          </a:lnRef>
+          <a:fillRef idx="1">
+            <a:schemeClr val="dk1"/>
+          </a:fillRef>
+          <a:effectRef idx="0">
+            <a:schemeClr val="dk1"/>
+          </a:effectRef>
+          <a:fontRef idx="minor">
+            <a:schemeClr val="lt1"/>
+          </a:fontRef>
+        </p:style>
+        <p:txBody>
+          <a:bodyPr rtlCol="0" anchor="ctr"/>
+          <a:lstStyle/>
+          <a:p>
+            <a:pPr algn="ctr"/>
+            <a:r>
+              <a:rPr lang="de-DE" sz="4000" i="1" dirty="0" err="1"/>
+              <a:t>Placeholder</a:t>
+            </a:r>
+            <a:r>
+              <a:rPr lang="de-DE" sz="4000" i="1" dirty="0"/>
+              <a:t> / not in </a:t>
+            </a:r>
+            <a:r>
+              <a:rPr lang="de-DE" sz="4000" i="1" dirty="0" err="1"/>
+              <a:t>use</a:t>
+            </a:r>
+            <a:r>
+              <a:rPr lang="de-DE" sz="4000" i="1" dirty="0"/>
+              <a:t>!</a:t>
+            </a:r>
+            <a:endParaRPr lang="en-US" sz="4000" i="1" dirty="0"/>
+          </a:p>
+        </p:txBody>
+      </p:sp>
+      <p:sp>
+        <p:nvSpPr>
+          <p:cNvPr id="6" name="Rectangle 5">
+            <a:extLst>
+              <a:ext uri="{FF2B5EF4-FFF2-40B4-BE49-F238E27FC236}">
+                <a16:creationId xmlns:a16="http://schemas.microsoft.com/office/drawing/2014/main" id="{0B533615-A8B2-4915-AB6A-1B5C08FD6089}"/>
+              </a:ext>
+            </a:extLst>
+          </p:cNvPr>
+          <p:cNvSpPr/>
+          <p:nvPr/>
+        </p:nvSpPr>
+        <p:spPr>
+          <a:xfrm>
+            <a:off x="0" y="0"/>
+            <a:ext cx="9753600" cy="720000"/>
+          </a:xfrm>
+          <a:prstGeom prst="rect">
+            <a:avLst/>
+          </a:prstGeom>
+          <a:solidFill>
+            <a:srgbClr val="0070C0"/>
+          </a:solidFill>
+          <a:ln>
+            <a:noFill/>
+          </a:ln>
+        </p:spPr>
+        <p:style>
+          <a:lnRef idx="2">
+            <a:schemeClr val="accent1">
+              <a:shade val="50000"/>
+            </a:schemeClr>
+          </a:lnRef>
+          <a:fillRef idx="1">
+            <a:schemeClr val="accent1"/>
+          </a:fillRef>
+          <a:effectRef idx="0">
+            <a:schemeClr val="accent1"/>
+          </a:effectRef>
+          <a:fontRef idx="minor">
+            <a:schemeClr val="lt1"/>
+          </a:fontRef>
+        </p:style>
+        <p:txBody>
+          <a:bodyPr rtlCol="0" anchor="ctr"/>
+          <a:lstStyle/>
+          <a:p>
+            <a:pPr algn="ctr"/>
+            <a:endParaRPr lang="en-US"/>
+          </a:p>
+        </p:txBody>
+      </p:sp>
+      <p:sp>
+        <p:nvSpPr>
+          <p:cNvPr id="7" name="Rectangle 6">
+            <a:extLst>
+              <a:ext uri="{FF2B5EF4-FFF2-40B4-BE49-F238E27FC236}">
+                <a16:creationId xmlns:a16="http://schemas.microsoft.com/office/drawing/2014/main" id="{00FD9BF4-04BC-4A2D-ADE9-7EE3508D232E}"/>
+              </a:ext>
+            </a:extLst>
+          </p:cNvPr>
+          <p:cNvSpPr/>
+          <p:nvPr/>
+        </p:nvSpPr>
+        <p:spPr>
+          <a:xfrm>
+            <a:off x="7330440" y="-1"/>
+            <a:ext cx="1080000" cy="720000"/>
+          </a:xfrm>
+          <a:prstGeom prst="rect">
+            <a:avLst/>
+          </a:prstGeom>
+          <a:solidFill>
+            <a:schemeClr val="bg1"/>
+          </a:solidFill>
+          <a:ln>
+            <a:noFill/>
+          </a:ln>
+        </p:spPr>
+        <p:style>
+          <a:lnRef idx="2">
+            <a:schemeClr val="accent1">
+              <a:shade val="50000"/>
+            </a:schemeClr>
+          </a:lnRef>
+          <a:fillRef idx="1">
+            <a:schemeClr val="accent1"/>
+          </a:fillRef>
+          <a:effectRef idx="0">
+            <a:schemeClr val="accent1"/>
+          </a:effectRef>
+          <a:fontRef idx="minor">
+            <a:schemeClr val="lt1"/>
+          </a:fontRef>
+        </p:style>
+        <p:txBody>
+          <a:bodyPr rtlCol="0" anchor="ctr"/>
+          <a:lstStyle/>
+          <a:p>
+            <a:pPr algn="ctr"/>
+            <a:endParaRPr lang="en-US" sz="2000" dirty="0"/>
+          </a:p>
+        </p:txBody>
+      </p:sp>
+      <p:sp>
+        <p:nvSpPr>
+          <p:cNvPr id="26" name="Rectangle 25">
+            <a:extLst>
+              <a:ext uri="{FF2B5EF4-FFF2-40B4-BE49-F238E27FC236}">
+                <a16:creationId xmlns:a16="http://schemas.microsoft.com/office/drawing/2014/main" id="{E6D2C0B5-5EA5-45EA-9D84-A71BA0ABC842}"/>
+              </a:ext>
+            </a:extLst>
+          </p:cNvPr>
+          <p:cNvSpPr/>
+          <p:nvPr/>
+        </p:nvSpPr>
+        <p:spPr>
+          <a:xfrm>
+            <a:off x="0" y="4748399"/>
+            <a:ext cx="9753600" cy="720000"/>
+          </a:xfrm>
+          <a:prstGeom prst="rect">
+            <a:avLst/>
+          </a:prstGeom>
+          <a:solidFill>
+            <a:srgbClr val="0070C0"/>
+          </a:solidFill>
+          <a:ln>
+            <a:noFill/>
+          </a:ln>
+        </p:spPr>
+        <p:style>
+          <a:lnRef idx="2">
+            <a:schemeClr val="accent1">
+              <a:shade val="50000"/>
+            </a:schemeClr>
+          </a:lnRef>
+          <a:fillRef idx="1">
+            <a:schemeClr val="accent1"/>
+          </a:fillRef>
+          <a:effectRef idx="0">
+            <a:schemeClr val="accent1"/>
+          </a:effectRef>
+          <a:fontRef idx="minor">
+            <a:schemeClr val="lt1"/>
+          </a:fontRef>
+        </p:style>
+        <p:txBody>
+          <a:bodyPr rtlCol="0" anchor="ctr"/>
+          <a:lstStyle/>
+          <a:p>
+            <a:pPr algn="ctr"/>
+            <a:endParaRPr lang="en-US"/>
+          </a:p>
+        </p:txBody>
+      </p:sp>
+      <p:sp>
+        <p:nvSpPr>
+          <p:cNvPr id="54" name="Rectangle: Rounded Corners 53">
+            <a:extLst>
+              <a:ext uri="{FF2B5EF4-FFF2-40B4-BE49-F238E27FC236}">
+                <a16:creationId xmlns:a16="http://schemas.microsoft.com/office/drawing/2014/main" id="{EC23ABED-4620-47B9-B28E-F9F722C0A6A0}"/>
+              </a:ext>
+            </a:extLst>
+          </p:cNvPr>
+          <p:cNvSpPr/>
+          <p:nvPr/>
+        </p:nvSpPr>
+        <p:spPr>
+          <a:xfrm>
+            <a:off x="4156799" y="4793399"/>
+            <a:ext cx="1440000" cy="630000"/>
+          </a:xfrm>
+          <a:prstGeom prst="roundRect">
+            <a:avLst/>
+          </a:prstGeom>
+          <a:solidFill>
+            <a:srgbClr val="FF0000"/>
+          </a:solidFill>
+          <a:ln>
+            <a:noFill/>
+          </a:ln>
+        </p:spPr>
+        <p:style>
+          <a:lnRef idx="2">
+            <a:schemeClr val="accent1">
+              <a:shade val="50000"/>
+            </a:schemeClr>
+          </a:lnRef>
+          <a:fillRef idx="1">
+            <a:schemeClr val="accent1"/>
+          </a:fillRef>
+          <a:effectRef idx="0">
+            <a:schemeClr val="accent1"/>
+          </a:effectRef>
+          <a:fontRef idx="minor">
+            <a:schemeClr val="lt1"/>
+          </a:fontRef>
+        </p:style>
+        <p:txBody>
+          <a:bodyPr rtlCol="0" anchor="ctr"/>
+          <a:lstStyle/>
+          <a:p>
+            <a:pPr algn="ctr"/>
+            <a:r>
+              <a:rPr lang="de-DE" b="1" dirty="0"/>
+              <a:t>Unfall!</a:t>
+            </a:r>
+            <a:endParaRPr lang="en-US" b="1" dirty="0"/>
+          </a:p>
+        </p:txBody>
+      </p:sp>
+      <p:sp>
+        <p:nvSpPr>
+          <p:cNvPr id="70" name="Rectangle: Rounded Corners 69">
+            <a:extLst>
+              <a:ext uri="{FF2B5EF4-FFF2-40B4-BE49-F238E27FC236}">
+                <a16:creationId xmlns:a16="http://schemas.microsoft.com/office/drawing/2014/main" id="{80517794-0EDD-4DC3-82C6-185B6A8F0303}"/>
+              </a:ext>
+            </a:extLst>
+          </p:cNvPr>
+          <p:cNvSpPr/>
+          <p:nvPr/>
+        </p:nvSpPr>
+        <p:spPr>
+          <a:xfrm>
+            <a:off x="721963" y="4794250"/>
+            <a:ext cx="630000" cy="630000"/>
+          </a:xfrm>
+          <a:prstGeom prst="roundRect">
+            <a:avLst/>
+          </a:prstGeom>
+          <a:solidFill>
+            <a:schemeClr val="accent4"/>
+          </a:solidFill>
+          <a:ln>
+            <a:noFill/>
+          </a:ln>
+        </p:spPr>
+        <p:style>
+          <a:lnRef idx="2">
+            <a:schemeClr val="accent1">
+              <a:shade val="50000"/>
+            </a:schemeClr>
+          </a:lnRef>
+          <a:fillRef idx="1">
+            <a:schemeClr val="accent1"/>
+          </a:fillRef>
+          <a:effectRef idx="0">
+            <a:schemeClr val="accent1"/>
+          </a:effectRef>
+          <a:fontRef idx="minor">
+            <a:schemeClr val="lt1"/>
+          </a:fontRef>
+        </p:style>
+        <p:txBody>
+          <a:bodyPr rtlCol="0" anchor="ctr"/>
+          <a:lstStyle/>
+          <a:p>
+            <a:pPr algn="ctr"/>
+            <a:endParaRPr lang="en-US" dirty="0"/>
+          </a:p>
+        </p:txBody>
+      </p:sp>
+      <p:pic>
+        <p:nvPicPr>
+          <p:cNvPr id="71" name="Graphic 70">
+            <a:extLst>
+              <a:ext uri="{FF2B5EF4-FFF2-40B4-BE49-F238E27FC236}">
+                <a16:creationId xmlns:a16="http://schemas.microsoft.com/office/drawing/2014/main" id="{35627AA6-0E13-4992-9B9F-37AF8D357652}"/>
+              </a:ext>
+            </a:extLst>
+          </p:cNvPr>
+          <p:cNvPicPr>
+            <a:picLocks noChangeAspect="1"/>
+          </p:cNvPicPr>
+          <p:nvPr/>
+        </p:nvPicPr>
+        <p:blipFill>
+          <a:blip r:embed="rId2">
+            <a:extLst>
+              <a:ext uri="{28A0092B-C50C-407E-A947-70E740481C1C}">
+                <a14:useLocalDpi xmlns:a14="http://schemas.microsoft.com/office/drawing/2010/main" val="0"/>
+              </a:ext>
+              <a:ext uri="{96DAC541-7B7A-43D3-8B79-37D633B846F1}">
+                <asvg:svgBlip xmlns:asvg="http://schemas.microsoft.com/office/drawing/2016/SVG/main" r:embed="rId3"/>
+              </a:ext>
+            </a:extLst>
+          </a:blip>
+          <a:stretch>
+            <a:fillRect/>
+          </a:stretch>
+        </p:blipFill>
+        <p:spPr>
+          <a:xfrm>
+            <a:off x="840088" y="4883399"/>
+            <a:ext cx="393750" cy="450000"/>
+          </a:xfrm>
+          <a:prstGeom prst="rect">
+            <a:avLst/>
+          </a:prstGeom>
+        </p:spPr>
+      </p:pic>
+      <p:sp>
+        <p:nvSpPr>
+          <p:cNvPr id="49" name="Rectangle: Rounded Corners 48">
+            <a:extLst>
+              <a:ext uri="{FF2B5EF4-FFF2-40B4-BE49-F238E27FC236}">
+                <a16:creationId xmlns:a16="http://schemas.microsoft.com/office/drawing/2014/main" id="{FDD4C75D-1091-4515-9B36-2481AB871986}"/>
+              </a:ext>
+            </a:extLst>
+          </p:cNvPr>
+          <p:cNvSpPr/>
+          <p:nvPr/>
+        </p:nvSpPr>
+        <p:spPr>
+          <a:xfrm>
+            <a:off x="46963" y="4794250"/>
+            <a:ext cx="630000" cy="630000"/>
+          </a:xfrm>
+          <a:prstGeom prst="roundRect">
+            <a:avLst/>
+          </a:prstGeom>
+          <a:solidFill>
+            <a:schemeClr val="accent5">
+              <a:lumMod val="60000"/>
+              <a:lumOff val="40000"/>
+            </a:schemeClr>
+          </a:solidFill>
+          <a:ln>
+            <a:noFill/>
+          </a:ln>
+        </p:spPr>
+        <p:style>
+          <a:lnRef idx="2">
+            <a:schemeClr val="accent1">
+              <a:shade val="50000"/>
+            </a:schemeClr>
+          </a:lnRef>
+          <a:fillRef idx="1">
+            <a:schemeClr val="accent1"/>
+          </a:fillRef>
+          <a:effectRef idx="0">
+            <a:schemeClr val="accent1"/>
+          </a:effectRef>
+          <a:fontRef idx="minor">
+            <a:schemeClr val="lt1"/>
+          </a:fontRef>
+        </p:style>
+        <p:txBody>
+          <a:bodyPr rtlCol="0" anchor="ctr"/>
+          <a:lstStyle/>
+          <a:p>
+            <a:pPr algn="ctr"/>
+            <a:endParaRPr lang="en-US" dirty="0"/>
+          </a:p>
+        </p:txBody>
+      </p:sp>
+      <p:pic>
+        <p:nvPicPr>
+          <p:cNvPr id="50" name="Graphic 49">
+            <a:extLst>
+              <a:ext uri="{FF2B5EF4-FFF2-40B4-BE49-F238E27FC236}">
+                <a16:creationId xmlns:a16="http://schemas.microsoft.com/office/drawing/2014/main" id="{D117119E-0435-4DCE-B029-5553A8C64807}"/>
+              </a:ext>
+            </a:extLst>
+          </p:cNvPr>
+          <p:cNvPicPr>
+            <a:picLocks noChangeAspect="1"/>
+          </p:cNvPicPr>
+          <p:nvPr/>
+        </p:nvPicPr>
+        <p:blipFill>
+          <a:blip r:embed="rId4">
+            <a:extLst>
+              <a:ext uri="{28A0092B-C50C-407E-A947-70E740481C1C}">
+                <a14:useLocalDpi xmlns:a14="http://schemas.microsoft.com/office/drawing/2010/main" val="0"/>
+              </a:ext>
+              <a:ext uri="{96DAC541-7B7A-43D3-8B79-37D633B846F1}">
+                <asvg:svgBlip xmlns:asvg="http://schemas.microsoft.com/office/drawing/2016/SVG/main" r:embed="rId5"/>
+              </a:ext>
+            </a:extLst>
+          </a:blip>
+          <a:stretch>
+            <a:fillRect/>
+          </a:stretch>
+        </p:blipFill>
+        <p:spPr>
+          <a:xfrm>
+            <a:off x="165088" y="4881635"/>
+            <a:ext cx="393750" cy="450000"/>
+          </a:xfrm>
+          <a:prstGeom prst="rect">
+            <a:avLst/>
+          </a:prstGeom>
+        </p:spPr>
+      </p:pic>
+      <p:sp>
+        <p:nvSpPr>
+          <p:cNvPr id="53" name="Rectangle: Rounded Corners 52">
+            <a:extLst>
+              <a:ext uri="{FF2B5EF4-FFF2-40B4-BE49-F238E27FC236}">
+                <a16:creationId xmlns:a16="http://schemas.microsoft.com/office/drawing/2014/main" id="{7283464F-F4FE-4EFD-B1B4-EE25B4D9B151}"/>
+              </a:ext>
+            </a:extLst>
+          </p:cNvPr>
+          <p:cNvSpPr/>
+          <p:nvPr/>
+        </p:nvSpPr>
+        <p:spPr>
+          <a:xfrm>
+            <a:off x="-146820" y="853440"/>
+            <a:ext cx="3979680" cy="720000"/>
+          </a:xfrm>
+          <a:prstGeom prst="roundRect">
+            <a:avLst/>
+          </a:prstGeom>
+          <a:solidFill>
+            <a:srgbClr val="0070C0"/>
+          </a:solidFill>
+          <a:ln>
+            <a:noFill/>
+          </a:ln>
+        </p:spPr>
+        <p:style>
+          <a:lnRef idx="2">
+            <a:schemeClr val="accent1">
+              <a:shade val="50000"/>
+            </a:schemeClr>
+          </a:lnRef>
+          <a:fillRef idx="1">
+            <a:schemeClr val="accent1"/>
+          </a:fillRef>
+          <a:effectRef idx="0">
+            <a:schemeClr val="accent1"/>
+          </a:effectRef>
+          <a:fontRef idx="minor">
+            <a:schemeClr val="lt1"/>
+          </a:fontRef>
+        </p:style>
+        <p:txBody>
+          <a:bodyPr lIns="1080000" rtlCol="0" anchor="ctr"/>
+          <a:lstStyle/>
+          <a:p>
+            <a:r>
+              <a:rPr lang="de-DE" sz="2200" dirty="0"/>
+              <a:t>Display &amp; Darstellung</a:t>
+            </a:r>
+          </a:p>
+        </p:txBody>
+      </p:sp>
+      <p:sp>
+        <p:nvSpPr>
+          <p:cNvPr id="56" name="Rectangle: Rounded Corners 55">
+            <a:extLst>
+              <a:ext uri="{FF2B5EF4-FFF2-40B4-BE49-F238E27FC236}">
+                <a16:creationId xmlns:a16="http://schemas.microsoft.com/office/drawing/2014/main" id="{31602AAF-0902-4714-A7A4-9ECAC9F0E1EB}"/>
+              </a:ext>
+            </a:extLst>
+          </p:cNvPr>
+          <p:cNvSpPr/>
+          <p:nvPr/>
+        </p:nvSpPr>
+        <p:spPr>
+          <a:xfrm>
+            <a:off x="-146821" y="1867279"/>
+            <a:ext cx="3979680" cy="720000"/>
+          </a:xfrm>
+          <a:prstGeom prst="roundRect">
+            <a:avLst/>
+          </a:prstGeom>
+          <a:solidFill>
+            <a:srgbClr val="0070C0"/>
+          </a:solidFill>
+          <a:ln>
+            <a:noFill/>
+          </a:ln>
+        </p:spPr>
+        <p:style>
+          <a:lnRef idx="2">
+            <a:schemeClr val="accent1">
+              <a:shade val="50000"/>
+            </a:schemeClr>
+          </a:lnRef>
+          <a:fillRef idx="1">
+            <a:schemeClr val="accent1"/>
+          </a:fillRef>
+          <a:effectRef idx="0">
+            <a:schemeClr val="accent1"/>
+          </a:effectRef>
+          <a:fontRef idx="minor">
+            <a:schemeClr val="lt1"/>
+          </a:fontRef>
+        </p:style>
+        <p:txBody>
+          <a:bodyPr lIns="1080000" rtlCol="0" anchor="ctr"/>
+          <a:lstStyle/>
+          <a:p>
+            <a:r>
+              <a:rPr lang="de-DE" sz="2200" dirty="0"/>
+              <a:t>Beschilderung &amp; Fahrgastinformation</a:t>
+            </a:r>
+          </a:p>
+        </p:txBody>
+      </p:sp>
+      <p:sp>
+        <p:nvSpPr>
+          <p:cNvPr id="58" name="Rectangle: Rounded Corners 57">
+            <a:extLst>
+              <a:ext uri="{FF2B5EF4-FFF2-40B4-BE49-F238E27FC236}">
+                <a16:creationId xmlns:a16="http://schemas.microsoft.com/office/drawing/2014/main" id="{A5D17050-732E-46A2-81E9-D669F4260099}"/>
+              </a:ext>
+            </a:extLst>
+          </p:cNvPr>
+          <p:cNvSpPr/>
+          <p:nvPr/>
+        </p:nvSpPr>
+        <p:spPr>
+          <a:xfrm>
+            <a:off x="-146821" y="3894958"/>
+            <a:ext cx="3979681" cy="720000"/>
+          </a:xfrm>
+          <a:prstGeom prst="roundRect">
+            <a:avLst/>
+          </a:prstGeom>
+          <a:solidFill>
+            <a:srgbClr val="0070C0"/>
+          </a:solidFill>
+          <a:ln>
+            <a:noFill/>
+          </a:ln>
+        </p:spPr>
+        <p:style>
+          <a:lnRef idx="2">
+            <a:schemeClr val="accent1">
+              <a:shade val="50000"/>
+            </a:schemeClr>
+          </a:lnRef>
+          <a:fillRef idx="1">
+            <a:schemeClr val="accent1"/>
+          </a:fillRef>
+          <a:effectRef idx="0">
+            <a:schemeClr val="accent1"/>
+          </a:effectRef>
+          <a:fontRef idx="minor">
+            <a:schemeClr val="lt1"/>
+          </a:fontRef>
+        </p:style>
+        <p:txBody>
+          <a:bodyPr lIns="1080000" rtlCol="0" anchor="ctr"/>
+          <a:lstStyle/>
+          <a:p>
+            <a:r>
+              <a:rPr lang="de-DE" sz="2200" dirty="0"/>
+              <a:t>Sonstiges </a:t>
+            </a:r>
+          </a:p>
+        </p:txBody>
+      </p:sp>
+      <p:sp>
+        <p:nvSpPr>
+          <p:cNvPr id="59" name="Rectangle 58">
+            <a:extLst>
+              <a:ext uri="{FF2B5EF4-FFF2-40B4-BE49-F238E27FC236}">
+                <a16:creationId xmlns:a16="http://schemas.microsoft.com/office/drawing/2014/main" id="{8E387CF4-D6C5-4EB3-B94F-029025483D3B}"/>
+              </a:ext>
+            </a:extLst>
+          </p:cNvPr>
+          <p:cNvSpPr/>
+          <p:nvPr/>
+        </p:nvSpPr>
+        <p:spPr>
+          <a:xfrm>
+            <a:off x="-146821" y="2881118"/>
+            <a:ext cx="4194946" cy="720000"/>
+          </a:xfrm>
+          <a:prstGeom prst="rect">
+            <a:avLst/>
+          </a:prstGeom>
+          <a:solidFill>
+            <a:schemeClr val="accent5">
+              <a:lumMod val="50000"/>
+            </a:schemeClr>
+          </a:solidFill>
+          <a:ln>
+            <a:noFill/>
+          </a:ln>
+        </p:spPr>
+        <p:style>
+          <a:lnRef idx="2">
+            <a:schemeClr val="accent1">
+              <a:shade val="50000"/>
+            </a:schemeClr>
+          </a:lnRef>
+          <a:fillRef idx="1">
+            <a:schemeClr val="accent1"/>
+          </a:fillRef>
+          <a:effectRef idx="0">
+            <a:schemeClr val="accent1"/>
+          </a:effectRef>
+          <a:fontRef idx="minor">
+            <a:schemeClr val="lt1"/>
+          </a:fontRef>
+        </p:style>
+        <p:txBody>
+          <a:bodyPr lIns="1080000" rtlCol="0" anchor="ctr"/>
+          <a:lstStyle/>
+          <a:p>
+            <a:r>
+              <a:rPr lang="de-DE" sz="2200" b="1" dirty="0"/>
+              <a:t>Gerät &amp; Hardware</a:t>
+            </a:r>
+          </a:p>
+        </p:txBody>
+      </p:sp>
+      <p:pic>
+        <p:nvPicPr>
+          <p:cNvPr id="3" name="Graphic 2">
+            <a:extLst>
+              <a:ext uri="{FF2B5EF4-FFF2-40B4-BE49-F238E27FC236}">
+                <a16:creationId xmlns:a16="http://schemas.microsoft.com/office/drawing/2014/main" id="{58FB5B8B-DA92-4BC4-B935-FF37529B0CBC}"/>
+              </a:ext>
+            </a:extLst>
+          </p:cNvPr>
+          <p:cNvPicPr>
+            <a:picLocks noChangeAspect="1"/>
+          </p:cNvPicPr>
+          <p:nvPr/>
+        </p:nvPicPr>
+        <p:blipFill>
+          <a:blip r:embed="rId6">
+            <a:extLst>
+              <a:ext uri="{28A0092B-C50C-407E-A947-70E740481C1C}">
+                <a14:useLocalDpi xmlns:a14="http://schemas.microsoft.com/office/drawing/2010/main" val="0"/>
+              </a:ext>
+              <a:ext uri="{96DAC541-7B7A-43D3-8B79-37D633B846F1}">
+                <asvg:svgBlip xmlns:asvg="http://schemas.microsoft.com/office/drawing/2016/SVG/main" r:embed="rId7"/>
+              </a:ext>
+            </a:extLst>
+          </a:blip>
+          <a:stretch>
+            <a:fillRect/>
+          </a:stretch>
+        </p:blipFill>
+        <p:spPr>
+          <a:xfrm>
+            <a:off x="165088" y="946468"/>
+            <a:ext cx="607500" cy="540000"/>
+          </a:xfrm>
+          <a:prstGeom prst="rect">
+            <a:avLst/>
+          </a:prstGeom>
+        </p:spPr>
+      </p:pic>
+      <p:pic>
+        <p:nvPicPr>
+          <p:cNvPr id="8" name="Graphic 7">
+            <a:extLst>
+              <a:ext uri="{FF2B5EF4-FFF2-40B4-BE49-F238E27FC236}">
+                <a16:creationId xmlns:a16="http://schemas.microsoft.com/office/drawing/2014/main" id="{33E007EB-FAE5-494F-AB95-FFA15FCB2CE3}"/>
+              </a:ext>
+            </a:extLst>
+          </p:cNvPr>
+          <p:cNvPicPr>
+            <a:picLocks noChangeAspect="1"/>
+          </p:cNvPicPr>
+          <p:nvPr/>
+        </p:nvPicPr>
+        <p:blipFill>
+          <a:blip r:embed="rId8">
+            <a:extLst>
+              <a:ext uri="{28A0092B-C50C-407E-A947-70E740481C1C}">
+                <a14:useLocalDpi xmlns:a14="http://schemas.microsoft.com/office/drawing/2010/main" val="0"/>
+              </a:ext>
+              <a:ext uri="{96DAC541-7B7A-43D3-8B79-37D633B846F1}">
+                <asvg:svgBlip xmlns:asvg="http://schemas.microsoft.com/office/drawing/2016/SVG/main" r:embed="rId9"/>
+              </a:ext>
+            </a:extLst>
+          </a:blip>
+          <a:stretch>
+            <a:fillRect/>
+          </a:stretch>
+        </p:blipFill>
+        <p:spPr>
+          <a:xfrm>
+            <a:off x="204990" y="1957279"/>
+            <a:ext cx="540000" cy="540000"/>
+          </a:xfrm>
+          <a:prstGeom prst="rect">
+            <a:avLst/>
+          </a:prstGeom>
+        </p:spPr>
+      </p:pic>
+      <p:pic>
+        <p:nvPicPr>
+          <p:cNvPr id="10" name="Graphic 9">
+            <a:extLst>
+              <a:ext uri="{FF2B5EF4-FFF2-40B4-BE49-F238E27FC236}">
+                <a16:creationId xmlns:a16="http://schemas.microsoft.com/office/drawing/2014/main" id="{2CFA6614-755B-45F8-86FD-956379708FB0}"/>
+              </a:ext>
+            </a:extLst>
+          </p:cNvPr>
+          <p:cNvPicPr>
+            <a:picLocks noChangeAspect="1"/>
+          </p:cNvPicPr>
+          <p:nvPr/>
+        </p:nvPicPr>
+        <p:blipFill>
+          <a:blip r:embed="rId10">
+            <a:extLst>
+              <a:ext uri="{28A0092B-C50C-407E-A947-70E740481C1C}">
+                <a14:useLocalDpi xmlns:a14="http://schemas.microsoft.com/office/drawing/2010/main" val="0"/>
+              </a:ext>
+              <a:ext uri="{96DAC541-7B7A-43D3-8B79-37D633B846F1}">
+                <asvg:svgBlip xmlns:asvg="http://schemas.microsoft.com/office/drawing/2016/SVG/main" r:embed="rId11"/>
+              </a:ext>
+            </a:extLst>
+          </a:blip>
+          <a:stretch>
+            <a:fillRect/>
+          </a:stretch>
+        </p:blipFill>
+        <p:spPr>
+          <a:xfrm>
+            <a:off x="174613" y="2971118"/>
+            <a:ext cx="540000" cy="540000"/>
+          </a:xfrm>
+          <a:prstGeom prst="rect">
+            <a:avLst/>
+          </a:prstGeom>
+        </p:spPr>
+      </p:pic>
+      <p:pic>
+        <p:nvPicPr>
+          <p:cNvPr id="63" name="Graphic 62">
+            <a:extLst>
+              <a:ext uri="{FF2B5EF4-FFF2-40B4-BE49-F238E27FC236}">
+                <a16:creationId xmlns:a16="http://schemas.microsoft.com/office/drawing/2014/main" id="{7A1A725A-2A6E-4E88-844E-5EDDF8067390}"/>
+              </a:ext>
+            </a:extLst>
+          </p:cNvPr>
+          <p:cNvPicPr>
+            <a:picLocks noChangeAspect="1"/>
+          </p:cNvPicPr>
+          <p:nvPr/>
+        </p:nvPicPr>
+        <p:blipFill>
+          <a:blip r:embed="rId12">
+            <a:extLst>
+              <a:ext uri="{28A0092B-C50C-407E-A947-70E740481C1C}">
+                <a14:useLocalDpi xmlns:a14="http://schemas.microsoft.com/office/drawing/2010/main" val="0"/>
+              </a:ext>
+              <a:ext uri="{96DAC541-7B7A-43D3-8B79-37D633B846F1}">
+                <asvg:svgBlip xmlns:asvg="http://schemas.microsoft.com/office/drawing/2016/SVG/main" r:embed="rId13"/>
+              </a:ext>
+            </a:extLst>
+          </a:blip>
+          <a:stretch>
+            <a:fillRect/>
+          </a:stretch>
+        </p:blipFill>
+        <p:spPr>
+          <a:xfrm>
+            <a:off x="188862" y="3989854"/>
+            <a:ext cx="472500" cy="540000"/>
+          </a:xfrm>
+          <a:prstGeom prst="rect">
+            <a:avLst/>
+          </a:prstGeom>
+        </p:spPr>
+      </p:pic>
+    </p:spTree>
+    <p:extLst>
+      <p:ext uri="{BB962C8B-B14F-4D97-AF65-F5344CB8AC3E}">
+        <p14:creationId xmlns:p14="http://schemas.microsoft.com/office/powerpoint/2010/main" val="2522792101"/>
+      </p:ext>
+    </p:extLst>
+  </p:cSld>
+  <p:clrMapOvr>
+    <a:masterClrMapping/>
+  </p:clrMapOvr>
+</p:sld>
+</file>
+
+<file path=ppt/slides/slide33.xml><?xml version="1.0" encoding="utf-8"?>
+<p:sld xmlns:a="http://schemas.openxmlformats.org/drawingml/2006/main" xmlns:r="http://schemas.openxmlformats.org/officeDocument/2006/relationships" xmlns:p="http://schemas.openxmlformats.org/presentationml/2006/main">
+  <p:cSld>
+    <p:spTree>
+      <p:nvGrpSpPr>
+        <p:cNvPr id="1" name=""/>
+        <p:cNvGrpSpPr/>
+        <p:nvPr/>
+      </p:nvGrpSpPr>
+      <p:grpSpPr>
+        <a:xfrm>
+          <a:off x="0" y="0"/>
+          <a:ext cx="0" cy="0"/>
+          <a:chOff x="0" y="0"/>
+          <a:chExt cx="0" cy="0"/>
+        </a:xfrm>
+      </p:grpSpPr>
+      <p:sp>
+        <p:nvSpPr>
+          <p:cNvPr id="20" name="Rectangle 19">
+            <a:extLst>
+              <a:ext uri="{FF2B5EF4-FFF2-40B4-BE49-F238E27FC236}">
+                <a16:creationId xmlns:a16="http://schemas.microsoft.com/office/drawing/2014/main" id="{4060C324-4318-4830-BE4D-80F7588567D5}"/>
+              </a:ext>
+            </a:extLst>
+          </p:cNvPr>
+          <p:cNvSpPr/>
+          <p:nvPr/>
+        </p:nvSpPr>
+        <p:spPr>
+          <a:xfrm>
+            <a:off x="0" y="718023"/>
+            <a:ext cx="4048125" cy="4750375"/>
+          </a:xfrm>
+          <a:prstGeom prst="rect">
+            <a:avLst/>
+          </a:prstGeom>
+          <a:solidFill>
+            <a:schemeClr val="accent5">
+              <a:lumMod val="60000"/>
+              <a:lumOff val="40000"/>
+            </a:schemeClr>
+          </a:solidFill>
+          <a:ln>
+            <a:noFill/>
+          </a:ln>
+        </p:spPr>
+        <p:style>
+          <a:lnRef idx="2">
+            <a:schemeClr val="accent1">
+              <a:shade val="50000"/>
+            </a:schemeClr>
+          </a:lnRef>
+          <a:fillRef idx="1">
+            <a:schemeClr val="accent1"/>
+          </a:fillRef>
+          <a:effectRef idx="0">
+            <a:schemeClr val="accent1"/>
+          </a:effectRef>
+          <a:fontRef idx="minor">
+            <a:schemeClr val="lt1"/>
+          </a:fontRef>
+        </p:style>
+        <p:txBody>
+          <a:bodyPr rtlCol="0" anchor="ctr"/>
+          <a:lstStyle/>
+          <a:p>
+            <a:pPr algn="ctr"/>
+            <a:endParaRPr lang="en-US" u="sng" dirty="0"/>
+          </a:p>
+        </p:txBody>
+      </p:sp>
+      <p:sp>
+        <p:nvSpPr>
+          <p:cNvPr id="5" name="Rectangle 4">
+            <a:extLst>
+              <a:ext uri="{FF2B5EF4-FFF2-40B4-BE49-F238E27FC236}">
+                <a16:creationId xmlns:a16="http://schemas.microsoft.com/office/drawing/2014/main" id="{DD6F78D1-EB25-4C39-8595-0B180702B60C}"/>
+              </a:ext>
+            </a:extLst>
+          </p:cNvPr>
+          <p:cNvSpPr/>
+          <p:nvPr/>
+        </p:nvSpPr>
+        <p:spPr>
+          <a:xfrm>
+            <a:off x="0" y="5468400"/>
+            <a:ext cx="9753600" cy="4285200"/>
+          </a:xfrm>
+          <a:prstGeom prst="rect">
+            <a:avLst/>
+          </a:prstGeom>
+          <a:ln>
+            <a:noFill/>
+          </a:ln>
+        </p:spPr>
+        <p:style>
+          <a:lnRef idx="2">
+            <a:schemeClr val="dk1">
+              <a:shade val="50000"/>
+            </a:schemeClr>
+          </a:lnRef>
+          <a:fillRef idx="1">
+            <a:schemeClr val="dk1"/>
+          </a:fillRef>
+          <a:effectRef idx="0">
+            <a:schemeClr val="dk1"/>
+          </a:effectRef>
+          <a:fontRef idx="minor">
+            <a:schemeClr val="lt1"/>
+          </a:fontRef>
+        </p:style>
+        <p:txBody>
+          <a:bodyPr rtlCol="0" anchor="ctr"/>
+          <a:lstStyle/>
+          <a:p>
+            <a:pPr algn="ctr"/>
+            <a:r>
+              <a:rPr lang="de-DE" sz="4000" i="1" dirty="0" err="1"/>
+              <a:t>Placeholder</a:t>
+            </a:r>
+            <a:r>
+              <a:rPr lang="de-DE" sz="4000" i="1" dirty="0"/>
+              <a:t> / not in </a:t>
+            </a:r>
+            <a:r>
+              <a:rPr lang="de-DE" sz="4000" i="1" dirty="0" err="1"/>
+              <a:t>use</a:t>
+            </a:r>
+            <a:r>
+              <a:rPr lang="de-DE" sz="4000" i="1" dirty="0"/>
+              <a:t>!</a:t>
+            </a:r>
+            <a:endParaRPr lang="en-US" sz="4000" i="1" dirty="0"/>
+          </a:p>
+        </p:txBody>
+      </p:sp>
+      <p:sp>
+        <p:nvSpPr>
+          <p:cNvPr id="6" name="Rectangle 5">
+            <a:extLst>
+              <a:ext uri="{FF2B5EF4-FFF2-40B4-BE49-F238E27FC236}">
+                <a16:creationId xmlns:a16="http://schemas.microsoft.com/office/drawing/2014/main" id="{0B533615-A8B2-4915-AB6A-1B5C08FD6089}"/>
+              </a:ext>
+            </a:extLst>
+          </p:cNvPr>
+          <p:cNvSpPr/>
+          <p:nvPr/>
+        </p:nvSpPr>
+        <p:spPr>
+          <a:xfrm>
+            <a:off x="0" y="0"/>
+            <a:ext cx="9753600" cy="720000"/>
+          </a:xfrm>
+          <a:prstGeom prst="rect">
+            <a:avLst/>
+          </a:prstGeom>
+          <a:solidFill>
+            <a:srgbClr val="0070C0"/>
+          </a:solidFill>
+          <a:ln>
+            <a:noFill/>
+          </a:ln>
+        </p:spPr>
+        <p:style>
+          <a:lnRef idx="2">
+            <a:schemeClr val="accent1">
+              <a:shade val="50000"/>
+            </a:schemeClr>
+          </a:lnRef>
+          <a:fillRef idx="1">
+            <a:schemeClr val="accent1"/>
+          </a:fillRef>
+          <a:effectRef idx="0">
+            <a:schemeClr val="accent1"/>
+          </a:effectRef>
+          <a:fontRef idx="minor">
+            <a:schemeClr val="lt1"/>
+          </a:fontRef>
+        </p:style>
+        <p:txBody>
+          <a:bodyPr rtlCol="0" anchor="ctr"/>
+          <a:lstStyle/>
+          <a:p>
+            <a:pPr algn="ctr"/>
+            <a:endParaRPr lang="en-US"/>
+          </a:p>
+        </p:txBody>
+      </p:sp>
+      <p:sp>
+        <p:nvSpPr>
+          <p:cNvPr id="7" name="Rectangle 6">
+            <a:extLst>
+              <a:ext uri="{FF2B5EF4-FFF2-40B4-BE49-F238E27FC236}">
+                <a16:creationId xmlns:a16="http://schemas.microsoft.com/office/drawing/2014/main" id="{00FD9BF4-04BC-4A2D-ADE9-7EE3508D232E}"/>
+              </a:ext>
+            </a:extLst>
+          </p:cNvPr>
+          <p:cNvSpPr/>
+          <p:nvPr/>
+        </p:nvSpPr>
+        <p:spPr>
+          <a:xfrm>
+            <a:off x="7330440" y="-1"/>
+            <a:ext cx="1080000" cy="720000"/>
+          </a:xfrm>
+          <a:prstGeom prst="rect">
+            <a:avLst/>
+          </a:prstGeom>
+          <a:solidFill>
+            <a:schemeClr val="bg1"/>
+          </a:solidFill>
+          <a:ln>
+            <a:noFill/>
+          </a:ln>
+        </p:spPr>
+        <p:style>
+          <a:lnRef idx="2">
+            <a:schemeClr val="accent1">
+              <a:shade val="50000"/>
+            </a:schemeClr>
+          </a:lnRef>
+          <a:fillRef idx="1">
+            <a:schemeClr val="accent1"/>
+          </a:fillRef>
+          <a:effectRef idx="0">
+            <a:schemeClr val="accent1"/>
+          </a:effectRef>
+          <a:fontRef idx="minor">
+            <a:schemeClr val="lt1"/>
+          </a:fontRef>
+        </p:style>
+        <p:txBody>
+          <a:bodyPr rtlCol="0" anchor="ctr"/>
+          <a:lstStyle/>
+          <a:p>
+            <a:pPr algn="ctr"/>
+            <a:endParaRPr lang="en-US" sz="2000" dirty="0"/>
+          </a:p>
+        </p:txBody>
+      </p:sp>
+      <p:sp>
+        <p:nvSpPr>
+          <p:cNvPr id="26" name="Rectangle 25">
+            <a:extLst>
+              <a:ext uri="{FF2B5EF4-FFF2-40B4-BE49-F238E27FC236}">
+                <a16:creationId xmlns:a16="http://schemas.microsoft.com/office/drawing/2014/main" id="{E6D2C0B5-5EA5-45EA-9D84-A71BA0ABC842}"/>
+              </a:ext>
+            </a:extLst>
+          </p:cNvPr>
+          <p:cNvSpPr/>
+          <p:nvPr/>
+        </p:nvSpPr>
+        <p:spPr>
+          <a:xfrm>
+            <a:off x="0" y="4748399"/>
+            <a:ext cx="9753600" cy="720000"/>
+          </a:xfrm>
+          <a:prstGeom prst="rect">
+            <a:avLst/>
+          </a:prstGeom>
+          <a:solidFill>
+            <a:srgbClr val="0070C0"/>
+          </a:solidFill>
+          <a:ln>
+            <a:noFill/>
+          </a:ln>
+        </p:spPr>
+        <p:style>
+          <a:lnRef idx="2">
+            <a:schemeClr val="accent1">
+              <a:shade val="50000"/>
+            </a:schemeClr>
+          </a:lnRef>
+          <a:fillRef idx="1">
+            <a:schemeClr val="accent1"/>
+          </a:fillRef>
+          <a:effectRef idx="0">
+            <a:schemeClr val="accent1"/>
+          </a:effectRef>
+          <a:fontRef idx="minor">
+            <a:schemeClr val="lt1"/>
+          </a:fontRef>
+        </p:style>
+        <p:txBody>
+          <a:bodyPr rtlCol="0" anchor="ctr"/>
+          <a:lstStyle/>
+          <a:p>
+            <a:pPr algn="ctr"/>
+            <a:endParaRPr lang="en-US"/>
+          </a:p>
+        </p:txBody>
+      </p:sp>
+      <p:sp>
+        <p:nvSpPr>
+          <p:cNvPr id="54" name="Rectangle: Rounded Corners 53">
+            <a:extLst>
+              <a:ext uri="{FF2B5EF4-FFF2-40B4-BE49-F238E27FC236}">
+                <a16:creationId xmlns:a16="http://schemas.microsoft.com/office/drawing/2014/main" id="{EC23ABED-4620-47B9-B28E-F9F722C0A6A0}"/>
+              </a:ext>
+            </a:extLst>
+          </p:cNvPr>
+          <p:cNvSpPr/>
+          <p:nvPr/>
+        </p:nvSpPr>
+        <p:spPr>
+          <a:xfrm>
+            <a:off x="4156799" y="4793399"/>
+            <a:ext cx="1440000" cy="630000"/>
+          </a:xfrm>
+          <a:prstGeom prst="roundRect">
+            <a:avLst/>
+          </a:prstGeom>
+          <a:solidFill>
+            <a:srgbClr val="FF0000"/>
+          </a:solidFill>
+          <a:ln>
+            <a:noFill/>
+          </a:ln>
+        </p:spPr>
+        <p:style>
+          <a:lnRef idx="2">
+            <a:schemeClr val="accent1">
+              <a:shade val="50000"/>
+            </a:schemeClr>
+          </a:lnRef>
+          <a:fillRef idx="1">
+            <a:schemeClr val="accent1"/>
+          </a:fillRef>
+          <a:effectRef idx="0">
+            <a:schemeClr val="accent1"/>
+          </a:effectRef>
+          <a:fontRef idx="minor">
+            <a:schemeClr val="lt1"/>
+          </a:fontRef>
+        </p:style>
+        <p:txBody>
+          <a:bodyPr rtlCol="0" anchor="ctr"/>
+          <a:lstStyle/>
+          <a:p>
+            <a:pPr algn="ctr"/>
+            <a:r>
+              <a:rPr lang="de-DE" b="1" dirty="0"/>
+              <a:t>Unfall!</a:t>
+            </a:r>
+            <a:endParaRPr lang="en-US" b="1" dirty="0"/>
+          </a:p>
+        </p:txBody>
+      </p:sp>
+      <p:sp>
+        <p:nvSpPr>
+          <p:cNvPr id="70" name="Rectangle: Rounded Corners 69">
+            <a:extLst>
+              <a:ext uri="{FF2B5EF4-FFF2-40B4-BE49-F238E27FC236}">
+                <a16:creationId xmlns:a16="http://schemas.microsoft.com/office/drawing/2014/main" id="{80517794-0EDD-4DC3-82C6-185B6A8F0303}"/>
+              </a:ext>
+            </a:extLst>
+          </p:cNvPr>
+          <p:cNvSpPr/>
+          <p:nvPr/>
+        </p:nvSpPr>
+        <p:spPr>
+          <a:xfrm>
+            <a:off x="721963" y="4794250"/>
+            <a:ext cx="630000" cy="630000"/>
+          </a:xfrm>
+          <a:prstGeom prst="roundRect">
+            <a:avLst/>
+          </a:prstGeom>
+          <a:solidFill>
+            <a:schemeClr val="accent4"/>
+          </a:solidFill>
+          <a:ln>
+            <a:noFill/>
+          </a:ln>
+        </p:spPr>
+        <p:style>
+          <a:lnRef idx="2">
+            <a:schemeClr val="accent1">
+              <a:shade val="50000"/>
+            </a:schemeClr>
+          </a:lnRef>
+          <a:fillRef idx="1">
+            <a:schemeClr val="accent1"/>
+          </a:fillRef>
+          <a:effectRef idx="0">
+            <a:schemeClr val="accent1"/>
+          </a:effectRef>
+          <a:fontRef idx="minor">
+            <a:schemeClr val="lt1"/>
+          </a:fontRef>
+        </p:style>
+        <p:txBody>
+          <a:bodyPr rtlCol="0" anchor="ctr"/>
+          <a:lstStyle/>
+          <a:p>
+            <a:pPr algn="ctr"/>
+            <a:endParaRPr lang="en-US" dirty="0"/>
+          </a:p>
+        </p:txBody>
+      </p:sp>
+      <p:pic>
+        <p:nvPicPr>
+          <p:cNvPr id="71" name="Graphic 70">
+            <a:extLst>
+              <a:ext uri="{FF2B5EF4-FFF2-40B4-BE49-F238E27FC236}">
+                <a16:creationId xmlns:a16="http://schemas.microsoft.com/office/drawing/2014/main" id="{35627AA6-0E13-4992-9B9F-37AF8D357652}"/>
+              </a:ext>
+            </a:extLst>
+          </p:cNvPr>
+          <p:cNvPicPr>
+            <a:picLocks noChangeAspect="1"/>
+          </p:cNvPicPr>
+          <p:nvPr/>
+        </p:nvPicPr>
+        <p:blipFill>
+          <a:blip r:embed="rId2">
+            <a:extLst>
+              <a:ext uri="{28A0092B-C50C-407E-A947-70E740481C1C}">
+                <a14:useLocalDpi xmlns:a14="http://schemas.microsoft.com/office/drawing/2010/main" val="0"/>
+              </a:ext>
+              <a:ext uri="{96DAC541-7B7A-43D3-8B79-37D633B846F1}">
+                <asvg:svgBlip xmlns:asvg="http://schemas.microsoft.com/office/drawing/2016/SVG/main" r:embed="rId3"/>
+              </a:ext>
+            </a:extLst>
+          </a:blip>
+          <a:stretch>
+            <a:fillRect/>
+          </a:stretch>
+        </p:blipFill>
+        <p:spPr>
+          <a:xfrm>
+            <a:off x="840088" y="4883399"/>
+            <a:ext cx="393750" cy="450000"/>
+          </a:xfrm>
+          <a:prstGeom prst="rect">
+            <a:avLst/>
+          </a:prstGeom>
+        </p:spPr>
+      </p:pic>
+      <p:sp>
+        <p:nvSpPr>
+          <p:cNvPr id="49" name="Rectangle: Rounded Corners 48">
+            <a:extLst>
+              <a:ext uri="{FF2B5EF4-FFF2-40B4-BE49-F238E27FC236}">
+                <a16:creationId xmlns:a16="http://schemas.microsoft.com/office/drawing/2014/main" id="{FDD4C75D-1091-4515-9B36-2481AB871986}"/>
+              </a:ext>
+            </a:extLst>
+          </p:cNvPr>
+          <p:cNvSpPr/>
+          <p:nvPr/>
+        </p:nvSpPr>
+        <p:spPr>
+          <a:xfrm>
+            <a:off x="46963" y="4794250"/>
+            <a:ext cx="630000" cy="630000"/>
+          </a:xfrm>
+          <a:prstGeom prst="roundRect">
+            <a:avLst/>
+          </a:prstGeom>
+          <a:solidFill>
+            <a:schemeClr val="accent5">
+              <a:lumMod val="60000"/>
+              <a:lumOff val="40000"/>
+            </a:schemeClr>
+          </a:solidFill>
+          <a:ln>
+            <a:noFill/>
+          </a:ln>
+        </p:spPr>
+        <p:style>
+          <a:lnRef idx="2">
+            <a:schemeClr val="accent1">
+              <a:shade val="50000"/>
+            </a:schemeClr>
+          </a:lnRef>
+          <a:fillRef idx="1">
+            <a:schemeClr val="accent1"/>
+          </a:fillRef>
+          <a:effectRef idx="0">
+            <a:schemeClr val="accent1"/>
+          </a:effectRef>
+          <a:fontRef idx="minor">
+            <a:schemeClr val="lt1"/>
+          </a:fontRef>
+        </p:style>
+        <p:txBody>
+          <a:bodyPr rtlCol="0" anchor="ctr"/>
+          <a:lstStyle/>
+          <a:p>
+            <a:pPr algn="ctr"/>
+            <a:endParaRPr lang="en-US" dirty="0"/>
+          </a:p>
+        </p:txBody>
+      </p:sp>
+      <p:pic>
+        <p:nvPicPr>
+          <p:cNvPr id="50" name="Graphic 49">
+            <a:extLst>
+              <a:ext uri="{FF2B5EF4-FFF2-40B4-BE49-F238E27FC236}">
+                <a16:creationId xmlns:a16="http://schemas.microsoft.com/office/drawing/2014/main" id="{D117119E-0435-4DCE-B029-5553A8C64807}"/>
+              </a:ext>
+            </a:extLst>
+          </p:cNvPr>
+          <p:cNvPicPr>
+            <a:picLocks noChangeAspect="1"/>
+          </p:cNvPicPr>
+          <p:nvPr/>
+        </p:nvPicPr>
+        <p:blipFill>
+          <a:blip r:embed="rId4">
+            <a:extLst>
+              <a:ext uri="{28A0092B-C50C-407E-A947-70E740481C1C}">
+                <a14:useLocalDpi xmlns:a14="http://schemas.microsoft.com/office/drawing/2010/main" val="0"/>
+              </a:ext>
+              <a:ext uri="{96DAC541-7B7A-43D3-8B79-37D633B846F1}">
+                <asvg:svgBlip xmlns:asvg="http://schemas.microsoft.com/office/drawing/2016/SVG/main" r:embed="rId5"/>
+              </a:ext>
+            </a:extLst>
+          </a:blip>
+          <a:stretch>
+            <a:fillRect/>
+          </a:stretch>
+        </p:blipFill>
+        <p:spPr>
+          <a:xfrm>
+            <a:off x="165088" y="4881635"/>
+            <a:ext cx="393750" cy="450000"/>
+          </a:xfrm>
+          <a:prstGeom prst="rect">
+            <a:avLst/>
+          </a:prstGeom>
+        </p:spPr>
+      </p:pic>
+      <p:sp>
+        <p:nvSpPr>
+          <p:cNvPr id="53" name="Rectangle: Rounded Corners 52">
+            <a:extLst>
+              <a:ext uri="{FF2B5EF4-FFF2-40B4-BE49-F238E27FC236}">
+                <a16:creationId xmlns:a16="http://schemas.microsoft.com/office/drawing/2014/main" id="{7283464F-F4FE-4EFD-B1B4-EE25B4D9B151}"/>
+              </a:ext>
+            </a:extLst>
+          </p:cNvPr>
+          <p:cNvSpPr/>
+          <p:nvPr/>
+        </p:nvSpPr>
+        <p:spPr>
+          <a:xfrm>
+            <a:off x="-146820" y="853440"/>
+            <a:ext cx="3979680" cy="720000"/>
+          </a:xfrm>
+          <a:prstGeom prst="roundRect">
+            <a:avLst/>
+          </a:prstGeom>
+          <a:solidFill>
+            <a:srgbClr val="0070C0"/>
+          </a:solidFill>
+          <a:ln>
+            <a:noFill/>
+          </a:ln>
+        </p:spPr>
+        <p:style>
+          <a:lnRef idx="2">
+            <a:schemeClr val="accent1">
+              <a:shade val="50000"/>
+            </a:schemeClr>
+          </a:lnRef>
+          <a:fillRef idx="1">
+            <a:schemeClr val="accent1"/>
+          </a:fillRef>
+          <a:effectRef idx="0">
+            <a:schemeClr val="accent1"/>
+          </a:effectRef>
+          <a:fontRef idx="minor">
+            <a:schemeClr val="lt1"/>
+          </a:fontRef>
+        </p:style>
+        <p:txBody>
+          <a:bodyPr lIns="1080000" rtlCol="0" anchor="ctr"/>
+          <a:lstStyle/>
+          <a:p>
+            <a:r>
+              <a:rPr lang="de-DE" sz="2200" dirty="0"/>
+              <a:t>Display &amp; Darstellung</a:t>
+            </a:r>
+          </a:p>
+        </p:txBody>
+      </p:sp>
+      <p:sp>
+        <p:nvSpPr>
+          <p:cNvPr id="56" name="Rectangle: Rounded Corners 55">
+            <a:extLst>
+              <a:ext uri="{FF2B5EF4-FFF2-40B4-BE49-F238E27FC236}">
+                <a16:creationId xmlns:a16="http://schemas.microsoft.com/office/drawing/2014/main" id="{31602AAF-0902-4714-A7A4-9ECAC9F0E1EB}"/>
+              </a:ext>
+            </a:extLst>
+          </p:cNvPr>
+          <p:cNvSpPr/>
+          <p:nvPr/>
+        </p:nvSpPr>
+        <p:spPr>
+          <a:xfrm>
+            <a:off x="-146821" y="1867279"/>
+            <a:ext cx="3979680" cy="720000"/>
+          </a:xfrm>
+          <a:prstGeom prst="roundRect">
+            <a:avLst/>
+          </a:prstGeom>
+          <a:solidFill>
+            <a:srgbClr val="0070C0"/>
+          </a:solidFill>
+          <a:ln>
+            <a:noFill/>
+          </a:ln>
+        </p:spPr>
+        <p:style>
+          <a:lnRef idx="2">
+            <a:schemeClr val="accent1">
+              <a:shade val="50000"/>
+            </a:schemeClr>
+          </a:lnRef>
+          <a:fillRef idx="1">
+            <a:schemeClr val="accent1"/>
+          </a:fillRef>
+          <a:effectRef idx="0">
+            <a:schemeClr val="accent1"/>
+          </a:effectRef>
+          <a:fontRef idx="minor">
+            <a:schemeClr val="lt1"/>
+          </a:fontRef>
+        </p:style>
+        <p:txBody>
+          <a:bodyPr lIns="1080000" rtlCol="0" anchor="ctr"/>
+          <a:lstStyle/>
+          <a:p>
+            <a:r>
+              <a:rPr lang="de-DE" sz="2200" dirty="0"/>
+              <a:t>Beschilderung &amp; Fahrgastinformation</a:t>
+            </a:r>
+          </a:p>
+        </p:txBody>
+      </p:sp>
+      <p:sp>
+        <p:nvSpPr>
+          <p:cNvPr id="58" name="Rectangle 57">
+            <a:extLst>
+              <a:ext uri="{FF2B5EF4-FFF2-40B4-BE49-F238E27FC236}">
+                <a16:creationId xmlns:a16="http://schemas.microsoft.com/office/drawing/2014/main" id="{A5D17050-732E-46A2-81E9-D669F4260099}"/>
+              </a:ext>
+            </a:extLst>
+          </p:cNvPr>
+          <p:cNvSpPr/>
+          <p:nvPr/>
+        </p:nvSpPr>
+        <p:spPr>
+          <a:xfrm>
+            <a:off x="-146821" y="3894958"/>
+            <a:ext cx="4194946" cy="720000"/>
+          </a:xfrm>
+          <a:prstGeom prst="rect">
+            <a:avLst/>
+          </a:prstGeom>
+          <a:solidFill>
+            <a:schemeClr val="accent5">
+              <a:lumMod val="50000"/>
+            </a:schemeClr>
+          </a:solidFill>
+          <a:ln>
+            <a:noFill/>
+          </a:ln>
+        </p:spPr>
+        <p:style>
+          <a:lnRef idx="2">
+            <a:schemeClr val="accent1">
+              <a:shade val="50000"/>
+            </a:schemeClr>
+          </a:lnRef>
+          <a:fillRef idx="1">
+            <a:schemeClr val="accent1"/>
+          </a:fillRef>
+          <a:effectRef idx="0">
+            <a:schemeClr val="accent1"/>
+          </a:effectRef>
+          <a:fontRef idx="minor">
+            <a:schemeClr val="lt1"/>
+          </a:fontRef>
+        </p:style>
+        <p:txBody>
+          <a:bodyPr lIns="1080000" rtlCol="0" anchor="ctr"/>
+          <a:lstStyle/>
+          <a:p>
+            <a:r>
+              <a:rPr lang="de-DE" sz="2200" b="1" dirty="0"/>
+              <a:t>Sonstiges </a:t>
+            </a:r>
+          </a:p>
+        </p:txBody>
+      </p:sp>
+      <p:sp>
+        <p:nvSpPr>
+          <p:cNvPr id="59" name="Rectangle: Rounded Corners 58">
+            <a:extLst>
+              <a:ext uri="{FF2B5EF4-FFF2-40B4-BE49-F238E27FC236}">
+                <a16:creationId xmlns:a16="http://schemas.microsoft.com/office/drawing/2014/main" id="{8E387CF4-D6C5-4EB3-B94F-029025483D3B}"/>
+              </a:ext>
+            </a:extLst>
+          </p:cNvPr>
+          <p:cNvSpPr/>
+          <p:nvPr/>
+        </p:nvSpPr>
+        <p:spPr>
+          <a:xfrm>
+            <a:off x="-146821" y="2881118"/>
+            <a:ext cx="3979680" cy="720000"/>
+          </a:xfrm>
+          <a:prstGeom prst="roundRect">
+            <a:avLst/>
+          </a:prstGeom>
+          <a:solidFill>
+            <a:srgbClr val="0070C0"/>
+          </a:solidFill>
+          <a:ln>
+            <a:noFill/>
+          </a:ln>
+        </p:spPr>
+        <p:style>
+          <a:lnRef idx="2">
+            <a:schemeClr val="accent1">
+              <a:shade val="50000"/>
+            </a:schemeClr>
+          </a:lnRef>
+          <a:fillRef idx="1">
+            <a:schemeClr val="accent1"/>
+          </a:fillRef>
+          <a:effectRef idx="0">
+            <a:schemeClr val="accent1"/>
+          </a:effectRef>
+          <a:fontRef idx="minor">
+            <a:schemeClr val="lt1"/>
+          </a:fontRef>
+        </p:style>
+        <p:txBody>
+          <a:bodyPr lIns="1080000" rtlCol="0" anchor="ctr"/>
+          <a:lstStyle/>
+          <a:p>
+            <a:r>
+              <a:rPr lang="de-DE" sz="2200" dirty="0"/>
+              <a:t>Gerät &amp; Hardware</a:t>
+            </a:r>
+          </a:p>
+        </p:txBody>
+      </p:sp>
+      <p:pic>
+        <p:nvPicPr>
+          <p:cNvPr id="3" name="Graphic 2">
+            <a:extLst>
+              <a:ext uri="{FF2B5EF4-FFF2-40B4-BE49-F238E27FC236}">
+                <a16:creationId xmlns:a16="http://schemas.microsoft.com/office/drawing/2014/main" id="{58FB5B8B-DA92-4BC4-B935-FF37529B0CBC}"/>
+              </a:ext>
+            </a:extLst>
+          </p:cNvPr>
+          <p:cNvPicPr>
+            <a:picLocks noChangeAspect="1"/>
+          </p:cNvPicPr>
+          <p:nvPr/>
+        </p:nvPicPr>
+        <p:blipFill>
+          <a:blip r:embed="rId6">
+            <a:extLst>
+              <a:ext uri="{28A0092B-C50C-407E-A947-70E740481C1C}">
+                <a14:useLocalDpi xmlns:a14="http://schemas.microsoft.com/office/drawing/2010/main" val="0"/>
+              </a:ext>
+              <a:ext uri="{96DAC541-7B7A-43D3-8B79-37D633B846F1}">
+                <asvg:svgBlip xmlns:asvg="http://schemas.microsoft.com/office/drawing/2016/SVG/main" r:embed="rId7"/>
+              </a:ext>
+            </a:extLst>
+          </a:blip>
+          <a:stretch>
+            <a:fillRect/>
+          </a:stretch>
+        </p:blipFill>
+        <p:spPr>
+          <a:xfrm>
+            <a:off x="165088" y="946468"/>
+            <a:ext cx="607500" cy="540000"/>
+          </a:xfrm>
+          <a:prstGeom prst="rect">
+            <a:avLst/>
+          </a:prstGeom>
+        </p:spPr>
+      </p:pic>
+      <p:pic>
+        <p:nvPicPr>
+          <p:cNvPr id="8" name="Graphic 7">
+            <a:extLst>
+              <a:ext uri="{FF2B5EF4-FFF2-40B4-BE49-F238E27FC236}">
+                <a16:creationId xmlns:a16="http://schemas.microsoft.com/office/drawing/2014/main" id="{33E007EB-FAE5-494F-AB95-FFA15FCB2CE3}"/>
+              </a:ext>
+            </a:extLst>
+          </p:cNvPr>
+          <p:cNvPicPr>
+            <a:picLocks noChangeAspect="1"/>
+          </p:cNvPicPr>
+          <p:nvPr/>
+        </p:nvPicPr>
+        <p:blipFill>
+          <a:blip r:embed="rId8">
+            <a:extLst>
+              <a:ext uri="{28A0092B-C50C-407E-A947-70E740481C1C}">
+                <a14:useLocalDpi xmlns:a14="http://schemas.microsoft.com/office/drawing/2010/main" val="0"/>
+              </a:ext>
+              <a:ext uri="{96DAC541-7B7A-43D3-8B79-37D633B846F1}">
+                <asvg:svgBlip xmlns:asvg="http://schemas.microsoft.com/office/drawing/2016/SVG/main" r:embed="rId9"/>
+              </a:ext>
+            </a:extLst>
+          </a:blip>
+          <a:stretch>
+            <a:fillRect/>
+          </a:stretch>
+        </p:blipFill>
+        <p:spPr>
+          <a:xfrm>
+            <a:off x="204990" y="1957279"/>
+            <a:ext cx="540000" cy="540000"/>
+          </a:xfrm>
+          <a:prstGeom prst="rect">
+            <a:avLst/>
+          </a:prstGeom>
+        </p:spPr>
+      </p:pic>
+      <p:pic>
+        <p:nvPicPr>
+          <p:cNvPr id="10" name="Graphic 9">
+            <a:extLst>
+              <a:ext uri="{FF2B5EF4-FFF2-40B4-BE49-F238E27FC236}">
+                <a16:creationId xmlns:a16="http://schemas.microsoft.com/office/drawing/2014/main" id="{2CFA6614-755B-45F8-86FD-956379708FB0}"/>
+              </a:ext>
+            </a:extLst>
+          </p:cNvPr>
+          <p:cNvPicPr>
+            <a:picLocks noChangeAspect="1"/>
+          </p:cNvPicPr>
+          <p:nvPr/>
+        </p:nvPicPr>
+        <p:blipFill>
+          <a:blip r:embed="rId10">
+            <a:extLst>
+              <a:ext uri="{28A0092B-C50C-407E-A947-70E740481C1C}">
+                <a14:useLocalDpi xmlns:a14="http://schemas.microsoft.com/office/drawing/2010/main" val="0"/>
+              </a:ext>
+              <a:ext uri="{96DAC541-7B7A-43D3-8B79-37D633B846F1}">
+                <asvg:svgBlip xmlns:asvg="http://schemas.microsoft.com/office/drawing/2016/SVG/main" r:embed="rId11"/>
+              </a:ext>
+            </a:extLst>
+          </a:blip>
+          <a:stretch>
+            <a:fillRect/>
+          </a:stretch>
+        </p:blipFill>
+        <p:spPr>
+          <a:xfrm>
+            <a:off x="174613" y="2971118"/>
+            <a:ext cx="540000" cy="540000"/>
+          </a:xfrm>
+          <a:prstGeom prst="rect">
+            <a:avLst/>
+          </a:prstGeom>
+        </p:spPr>
+      </p:pic>
+      <p:pic>
+        <p:nvPicPr>
+          <p:cNvPr id="63" name="Graphic 62">
+            <a:extLst>
+              <a:ext uri="{FF2B5EF4-FFF2-40B4-BE49-F238E27FC236}">
+                <a16:creationId xmlns:a16="http://schemas.microsoft.com/office/drawing/2014/main" id="{7A1A725A-2A6E-4E88-844E-5EDDF8067390}"/>
+              </a:ext>
+            </a:extLst>
+          </p:cNvPr>
+          <p:cNvPicPr>
+            <a:picLocks noChangeAspect="1"/>
+          </p:cNvPicPr>
+          <p:nvPr/>
+        </p:nvPicPr>
+        <p:blipFill>
+          <a:blip r:embed="rId12">
+            <a:extLst>
+              <a:ext uri="{28A0092B-C50C-407E-A947-70E740481C1C}">
+                <a14:useLocalDpi xmlns:a14="http://schemas.microsoft.com/office/drawing/2010/main" val="0"/>
+              </a:ext>
+              <a:ext uri="{96DAC541-7B7A-43D3-8B79-37D633B846F1}">
+                <asvg:svgBlip xmlns:asvg="http://schemas.microsoft.com/office/drawing/2016/SVG/main" r:embed="rId13"/>
+              </a:ext>
+            </a:extLst>
+          </a:blip>
+          <a:stretch>
+            <a:fillRect/>
+          </a:stretch>
+        </p:blipFill>
+        <p:spPr>
+          <a:xfrm>
+            <a:off x="188862" y="3989854"/>
+            <a:ext cx="472500" cy="540000"/>
+          </a:xfrm>
+          <a:prstGeom prst="rect">
+            <a:avLst/>
+          </a:prstGeom>
+        </p:spPr>
+      </p:pic>
+    </p:spTree>
+    <p:extLst>
+      <p:ext uri="{BB962C8B-B14F-4D97-AF65-F5344CB8AC3E}">
+        <p14:creationId xmlns:p14="http://schemas.microsoft.com/office/powerpoint/2010/main" val="2888976338"/>
       </p:ext>
     </p:extLst>
   </p:cSld>

--- a/printer_textures.pptx
+++ b/printer_textures.pptx
@@ -275,7 +275,7 @@
           <a:p>
             <a:fld id="{7762483B-4454-443C-9D4B-2799C4AD7BD1}" type="datetimeFigureOut">
               <a:rPr lang="en-US" smtClean="0"/>
-              <a:t>11/12/2024</a:t>
+              <a:t>11/19/2024</a:t>
             </a:fld>
             <a:endParaRPr lang="en-US"/>
           </a:p>
@@ -445,7 +445,7 @@
           <a:p>
             <a:fld id="{7762483B-4454-443C-9D4B-2799C4AD7BD1}" type="datetimeFigureOut">
               <a:rPr lang="en-US" smtClean="0"/>
-              <a:t>11/12/2024</a:t>
+              <a:t>11/19/2024</a:t>
             </a:fld>
             <a:endParaRPr lang="en-US"/>
           </a:p>
@@ -625,7 +625,7 @@
           <a:p>
             <a:fld id="{7762483B-4454-443C-9D4B-2799C4AD7BD1}" type="datetimeFigureOut">
               <a:rPr lang="en-US" smtClean="0"/>
-              <a:t>11/12/2024</a:t>
+              <a:t>11/19/2024</a:t>
             </a:fld>
             <a:endParaRPr lang="en-US"/>
           </a:p>
@@ -795,7 +795,7 @@
           <a:p>
             <a:fld id="{7762483B-4454-443C-9D4B-2799C4AD7BD1}" type="datetimeFigureOut">
               <a:rPr lang="en-US" smtClean="0"/>
-              <a:t>11/12/2024</a:t>
+              <a:t>11/19/2024</a:t>
             </a:fld>
             <a:endParaRPr lang="en-US"/>
           </a:p>
@@ -1039,7 +1039,7 @@
           <a:p>
             <a:fld id="{7762483B-4454-443C-9D4B-2799C4AD7BD1}" type="datetimeFigureOut">
               <a:rPr lang="en-US" smtClean="0"/>
-              <a:t>11/12/2024</a:t>
+              <a:t>11/19/2024</a:t>
             </a:fld>
             <a:endParaRPr lang="en-US"/>
           </a:p>
@@ -1271,7 +1271,7 @@
           <a:p>
             <a:fld id="{7762483B-4454-443C-9D4B-2799C4AD7BD1}" type="datetimeFigureOut">
               <a:rPr lang="en-US" smtClean="0"/>
-              <a:t>11/12/2024</a:t>
+              <a:t>11/19/2024</a:t>
             </a:fld>
             <a:endParaRPr lang="en-US"/>
           </a:p>
@@ -1638,7 +1638,7 @@
           <a:p>
             <a:fld id="{7762483B-4454-443C-9D4B-2799C4AD7BD1}" type="datetimeFigureOut">
               <a:rPr lang="en-US" smtClean="0"/>
-              <a:t>11/12/2024</a:t>
+              <a:t>11/19/2024</a:t>
             </a:fld>
             <a:endParaRPr lang="en-US"/>
           </a:p>
@@ -1756,7 +1756,7 @@
           <a:p>
             <a:fld id="{7762483B-4454-443C-9D4B-2799C4AD7BD1}" type="datetimeFigureOut">
               <a:rPr lang="en-US" smtClean="0"/>
-              <a:t>11/12/2024</a:t>
+              <a:t>11/19/2024</a:t>
             </a:fld>
             <a:endParaRPr lang="en-US"/>
           </a:p>
@@ -1851,7 +1851,7 @@
           <a:p>
             <a:fld id="{7762483B-4454-443C-9D4B-2799C4AD7BD1}" type="datetimeFigureOut">
               <a:rPr lang="en-US" smtClean="0"/>
-              <a:t>11/12/2024</a:t>
+              <a:t>11/19/2024</a:t>
             </a:fld>
             <a:endParaRPr lang="en-US"/>
           </a:p>
@@ -2128,7 +2128,7 @@
           <a:p>
             <a:fld id="{7762483B-4454-443C-9D4B-2799C4AD7BD1}" type="datetimeFigureOut">
               <a:rPr lang="en-US" smtClean="0"/>
-              <a:t>11/12/2024</a:t>
+              <a:t>11/19/2024</a:t>
             </a:fld>
             <a:endParaRPr lang="en-US"/>
           </a:p>
@@ -2385,7 +2385,7 @@
           <a:p>
             <a:fld id="{7762483B-4454-443C-9D4B-2799C4AD7BD1}" type="datetimeFigureOut">
               <a:rPr lang="en-US" smtClean="0"/>
-              <a:t>11/12/2024</a:t>
+              <a:t>11/19/2024</a:t>
             </a:fld>
             <a:endParaRPr lang="en-US"/>
           </a:p>
@@ -2598,7 +2598,7 @@
           <a:p>
             <a:fld id="{7762483B-4454-443C-9D4B-2799C4AD7BD1}" type="datetimeFigureOut">
               <a:rPr lang="en-US" smtClean="0"/>
-              <a:t>11/12/2024</a:t>
+              <a:t>11/19/2024</a:t>
             </a:fld>
             <a:endParaRPr lang="en-US"/>
           </a:p>
@@ -26844,7 +26844,7 @@
         <p:spPr>
           <a:xfrm>
             <a:off x="111748" y="3327238"/>
-            <a:ext cx="1462260" cy="369332"/>
+            <a:ext cx="1782860" cy="369332"/>
           </a:xfrm>
           <a:prstGeom prst="rect">
             <a:avLst/>
@@ -26859,7 +26859,7 @@
           <a:p>
             <a:r>
               <a:rPr lang="de-DE" dirty="0"/>
-              <a:t>Liniensuffix:</a:t>
+              <a:t>Sonderzeichen:</a:t>
             </a:r>
             <a:endParaRPr lang="en-US" dirty="0"/>
           </a:p>
@@ -28560,7 +28560,7 @@
         <p:spPr>
           <a:xfrm>
             <a:off x="111748" y="3327238"/>
-            <a:ext cx="1462260" cy="369332"/>
+            <a:ext cx="1835759" cy="369332"/>
           </a:xfrm>
           <a:prstGeom prst="rect">
             <a:avLst/>
@@ -28575,7 +28575,7 @@
           <a:p>
             <a:r>
               <a:rPr lang="de-DE" dirty="0"/>
-              <a:t>Liniensuffix:</a:t>
+              <a:t>Sonderzeichen :</a:t>
             </a:r>
             <a:endParaRPr lang="en-US" dirty="0"/>
           </a:p>
@@ -30326,7 +30326,7 @@
         <p:spPr>
           <a:xfrm>
             <a:off x="111748" y="3327238"/>
-            <a:ext cx="1552028" cy="369332"/>
+            <a:ext cx="1919115" cy="369332"/>
           </a:xfrm>
           <a:prstGeom prst="rect">
             <a:avLst/>
@@ -30341,7 +30341,7 @@
           <a:p>
             <a:r>
               <a:rPr lang="de-DE" b="1" dirty="0"/>
-              <a:t>Liniensuffix:</a:t>
+              <a:t>Sonderzeichen:</a:t>
             </a:r>
             <a:endParaRPr lang="en-US" b="1" dirty="0"/>
           </a:p>
